--- a/EDA_group_slides.pptx
+++ b/EDA_group_slides.pptx
@@ -284,6 +284,9 @@
         </p15:guide>
       </p15:sldGuideLst>
     </p:ext>
+    <p:ext uri="{2D200454-40CA-4A62-9FC3-DE9A4176ACB9}">
+      <p15:notesGuideLst xmlns:p15="http://schemas.microsoft.com/office/powerpoint/2012/main"/>
+    </p:ext>
   </p:extLst>
 </p:presentation>
 </file>
@@ -382,7 +385,7 @@
           <a:p>
             <a:fld id="{B9D76C9E-92E3-465F-A8DB-6D552604971A}" type="datetimeFigureOut">
               <a:rPr lang="en-US" smtClean="0"/>
-              <a:t>3/13/2023</a:t>
+              <a:t>3/16/2023</a:t>
             </a:fld>
             <a:endParaRPr lang="en-US"/>
           </a:p>
@@ -11631,8 +11634,8 @@
         </p:nvSpPr>
         <p:spPr>
           <a:xfrm>
-            <a:off x="311700" y="445025"/>
-            <a:ext cx="8520600" cy="572700"/>
+            <a:off x="-133220" y="133904"/>
+            <a:ext cx="7734529" cy="572700"/>
           </a:xfrm>
           <a:prstGeom prst="rect">
             <a:avLst/>
@@ -11648,10 +11651,19 @@
           </a:bodyPr>
           <a:lstStyle/>
           <a:p>
+            <a:pPr algn="ctr"/>
             <a:r>
               <a:rPr lang="ru-RU" dirty="0"/>
-              <a:t>Описательный портрет...</a:t>
-            </a:r>
+              <a:t>Описательный портрет </a:t>
+            </a:r>
+            <a:br>
+              <a:rPr lang="en-US" dirty="0"/>
+            </a:br>
+            <a:r>
+              <a:rPr lang="en-US" dirty="0"/>
+              <a:t>Star Wars: The Clone Wars</a:t>
+            </a:r>
+            <a:endParaRPr lang="ru-RU" dirty="0"/>
           </a:p>
         </p:txBody>
       </p:sp>
@@ -11667,8 +11679,8 @@
         </p:nvSpPr>
         <p:spPr>
           <a:xfrm>
-            <a:off x="311700" y="1152475"/>
-            <a:ext cx="8520600" cy="3416400"/>
+            <a:off x="0" y="604247"/>
+            <a:ext cx="9147277" cy="2583097"/>
           </a:xfrm>
           <a:prstGeom prst="rect">
             <a:avLst/>
@@ -11680,27 +11692,518 @@
         </p:spPr>
         <p:txBody>
           <a:bodyPr spcFirstLastPara="1" wrap="square" lIns="91425" tIns="91425" rIns="91425" bIns="91425" anchor="t" anchorCtr="0">
-            <a:normAutofit/>
+            <a:noAutofit/>
           </a:bodyPr>
           <a:lstStyle/>
           <a:p>
-            <a:pPr marL="0" lvl="0" indent="0" algn="l" rtl="0">
-              <a:lnSpc>
-                <a:spcPct val="115000"/>
-              </a:lnSpc>
-              <a:spcBef>
-                <a:spcPts val="0"/>
-              </a:spcBef>
-              <a:spcAft>
-                <a:spcPts val="1200"/>
-              </a:spcAft>
-              <a:buSzPts val="1800"/>
+            <a:pPr marL="114300" indent="0" algn="just">
               <a:buNone/>
             </a:pPr>
-            <a:endParaRPr/>
+            <a:endParaRPr lang="en-US" sz="1000" b="0" i="0" dirty="0">
+              <a:solidFill>
+                <a:srgbClr val="212121"/>
+              </a:solidFill>
+              <a:effectLst/>
+              <a:latin typeface="+mj-lt"/>
+            </a:endParaRPr>
+          </a:p>
+          <a:p>
+            <a:pPr marL="114300" indent="0" algn="just">
+              <a:buNone/>
+            </a:pPr>
+            <a:endParaRPr lang="en-US" sz="1000" dirty="0">
+              <a:solidFill>
+                <a:srgbClr val="212121"/>
+              </a:solidFill>
+              <a:latin typeface="+mj-lt"/>
+            </a:endParaRPr>
+          </a:p>
+          <a:p>
+            <a:pPr marL="114300" indent="0" algn="just">
+              <a:buNone/>
+            </a:pPr>
+            <a:endParaRPr lang="en-US" sz="1000" b="0" i="0" dirty="0">
+              <a:solidFill>
+                <a:srgbClr val="212121"/>
+              </a:solidFill>
+              <a:effectLst/>
+              <a:latin typeface="+mj-lt"/>
+            </a:endParaRPr>
+          </a:p>
+          <a:p>
+            <a:pPr marL="114300" indent="0" algn="just">
+              <a:buNone/>
+            </a:pPr>
+            <a:r>
+              <a:rPr lang="ru-RU" sz="1000" b="0" i="0" dirty="0">
+                <a:solidFill>
+                  <a:srgbClr val="212121"/>
+                </a:solidFill>
+                <a:effectLst/>
+                <a:latin typeface="+mj-lt"/>
+              </a:rPr>
+              <a:t>Хотелось бы сравнить два сезона "Звездные войны: война клонов" 2008 и 2014 годов.</a:t>
+            </a:r>
+            <a:endParaRPr lang="en-US" sz="1000" b="0" i="0" dirty="0">
+              <a:solidFill>
+                <a:srgbClr val="212121"/>
+              </a:solidFill>
+              <a:effectLst/>
+              <a:latin typeface="+mj-lt"/>
+            </a:endParaRPr>
+          </a:p>
+          <a:p>
+            <a:pPr marL="114300" indent="0" algn="just">
+              <a:buNone/>
+            </a:pPr>
+            <a:r>
+              <a:rPr lang="ru-RU" sz="1000" b="0" i="0" dirty="0">
+                <a:solidFill>
+                  <a:srgbClr val="212121"/>
+                </a:solidFill>
+                <a:effectLst/>
+                <a:latin typeface="+mj-lt"/>
+              </a:rPr>
+              <a:t>Первый сезон начал выходить в октябре 2008 году и закончился 20 марта 2009 года, а весь 6 сезон выпустили за один год и интересным может показаться, что второй сезон был выпущен полностью</a:t>
+            </a:r>
+            <a:r>
+              <a:rPr lang="ru-RU" sz="1000" i="0" dirty="0">
+                <a:solidFill>
+                  <a:srgbClr val="212121"/>
+                </a:solidFill>
+                <a:effectLst/>
+                <a:latin typeface="+mj-lt"/>
+              </a:rPr>
+              <a:t> в один день</a:t>
+            </a:r>
+            <a:r>
+              <a:rPr lang="ru-RU" sz="1000" b="0" i="0" dirty="0">
+                <a:solidFill>
+                  <a:srgbClr val="212121"/>
+                </a:solidFill>
+                <a:effectLst/>
+                <a:latin typeface="+mj-lt"/>
+              </a:rPr>
+              <a:t>.</a:t>
+            </a:r>
+          </a:p>
+          <a:p>
+            <a:pPr marL="114300" indent="0" algn="just">
+              <a:buNone/>
+            </a:pPr>
+            <a:endParaRPr lang="en-US" sz="1000" b="0" i="0" dirty="0">
+              <a:solidFill>
+                <a:srgbClr val="212121"/>
+              </a:solidFill>
+              <a:effectLst/>
+              <a:latin typeface="+mj-lt"/>
+            </a:endParaRPr>
+          </a:p>
+          <a:p>
+            <a:pPr marL="114300" indent="0" algn="just">
+              <a:buNone/>
+            </a:pPr>
+            <a:r>
+              <a:rPr lang="ru-RU" sz="1000" b="0" i="0" dirty="0" err="1">
+                <a:solidFill>
+                  <a:srgbClr val="212121"/>
+                </a:solidFill>
+                <a:effectLst/>
+                <a:latin typeface="+mj-lt"/>
+              </a:rPr>
+              <a:t>Нетфликс</a:t>
+            </a:r>
+            <a:r>
+              <a:rPr lang="ru-RU" sz="1000" b="0" i="0" dirty="0">
+                <a:solidFill>
+                  <a:srgbClr val="212121"/>
+                </a:solidFill>
+                <a:effectLst/>
+                <a:latin typeface="+mj-lt"/>
+              </a:rPr>
+              <a:t> выкупил права на мультсериал только в 2014 году, тем самым дав ему новую жизнь, т.к. </a:t>
+            </a:r>
+            <a:r>
+              <a:rPr lang="ru-RU" sz="1000" b="0" i="0" dirty="0" err="1">
+                <a:solidFill>
+                  <a:srgbClr val="212121"/>
+                </a:solidFill>
+                <a:effectLst/>
+                <a:latin typeface="+mj-lt"/>
+              </a:rPr>
+              <a:t>Lucasfilm</a:t>
+            </a:r>
+            <a:r>
+              <a:rPr lang="ru-RU" sz="1000" b="0" i="0" dirty="0">
+                <a:solidFill>
+                  <a:srgbClr val="212121"/>
+                </a:solidFill>
+                <a:effectLst/>
+                <a:latin typeface="+mj-lt"/>
+              </a:rPr>
+              <a:t> планировали закрыть сериал.</a:t>
+            </a:r>
+          </a:p>
+          <a:p>
+            <a:pPr marL="114300" indent="0" algn="just">
+              <a:buNone/>
+            </a:pPr>
+            <a:endParaRPr lang="en-US" sz="1000" b="0" i="0" dirty="0">
+              <a:solidFill>
+                <a:srgbClr val="212121"/>
+              </a:solidFill>
+              <a:effectLst/>
+              <a:latin typeface="+mj-lt"/>
+            </a:endParaRPr>
+          </a:p>
+          <a:p>
+            <a:pPr marL="114300" indent="0" algn="just">
+              <a:buNone/>
+            </a:pPr>
+            <a:r>
+              <a:rPr lang="ru-RU" sz="1000" b="0" i="0" dirty="0">
+                <a:solidFill>
+                  <a:srgbClr val="212121"/>
+                </a:solidFill>
+                <a:effectLst/>
+                <a:latin typeface="+mj-lt"/>
+              </a:rPr>
+              <a:t>Стоит отметить огромную разницу в оценке пользователей, первый сезон получил в два раза меньшие результаты по сравнению с шестым сезоном. Причин этому много: возросло качество графики и съемки, увеличился бюджет и т.д.</a:t>
+            </a:r>
+          </a:p>
+          <a:p>
+            <a:pPr marL="114300" indent="0" algn="just">
+              <a:buNone/>
+            </a:pPr>
+            <a:endParaRPr lang="en-US" sz="1000" b="0" i="0" dirty="0">
+              <a:solidFill>
+                <a:srgbClr val="212121"/>
+              </a:solidFill>
+              <a:effectLst/>
+              <a:latin typeface="+mj-lt"/>
+            </a:endParaRPr>
+          </a:p>
+          <a:p>
+            <a:pPr marL="114300" indent="0" algn="just">
+              <a:buNone/>
+            </a:pPr>
+            <a:r>
+              <a:rPr lang="ru-RU" sz="1000" b="0" i="0" dirty="0">
+                <a:solidFill>
+                  <a:srgbClr val="212121"/>
+                </a:solidFill>
+                <a:effectLst/>
+                <a:latin typeface="+mj-lt"/>
+              </a:rPr>
+              <a:t>Единственное шоу, которое абсолютно дублирует все параметры нашего шоу - это «Белый воротничок» - использующий клише “детективный сериал про мошенника на службе </a:t>
+            </a:r>
+            <a:r>
+              <a:rPr lang="ru-RU" sz="1000" b="0" i="0" dirty="0" err="1">
+                <a:solidFill>
+                  <a:srgbClr val="212121"/>
+                </a:solidFill>
+                <a:effectLst/>
+                <a:latin typeface="+mj-lt"/>
+              </a:rPr>
+              <a:t>фбр</a:t>
+            </a:r>
+            <a:r>
+              <a:rPr lang="ru-RU" sz="1000" b="0" i="0" dirty="0">
+                <a:solidFill>
+                  <a:srgbClr val="212121"/>
+                </a:solidFill>
+                <a:effectLst/>
+                <a:latin typeface="+mj-lt"/>
+              </a:rPr>
+              <a:t>”. Так же совпадает (на1 бал выше) комедийный сериал «Как я встретил вашу маму»</a:t>
+            </a:r>
+            <a:r>
+              <a:rPr lang="en-US" sz="1000" b="0" i="0" dirty="0">
+                <a:solidFill>
+                  <a:srgbClr val="212121"/>
+                </a:solidFill>
+                <a:effectLst/>
+                <a:latin typeface="+mj-lt"/>
+              </a:rPr>
+              <a:t> </a:t>
+            </a:r>
+            <a:r>
+              <a:rPr lang="ru-RU" sz="1000" b="0" i="0" dirty="0">
+                <a:solidFill>
+                  <a:srgbClr val="212121"/>
+                </a:solidFill>
+                <a:effectLst/>
+                <a:latin typeface="+mj-lt"/>
+              </a:rPr>
+              <a:t>и «</a:t>
+            </a:r>
+            <a:r>
+              <a:rPr lang="en-US" sz="1000" b="0" i="0" dirty="0">
+                <a:solidFill>
+                  <a:srgbClr val="212121"/>
+                </a:solidFill>
+                <a:effectLst/>
+                <a:latin typeface="+mj-lt"/>
+              </a:rPr>
+              <a:t>Hard of Dixie</a:t>
+            </a:r>
+            <a:r>
+              <a:rPr lang="ru-RU" sz="1000" b="0" i="0" dirty="0">
+                <a:solidFill>
+                  <a:srgbClr val="212121"/>
+                </a:solidFill>
+                <a:effectLst/>
+                <a:latin typeface="+mj-lt"/>
+              </a:rPr>
+              <a:t>»</a:t>
+            </a:r>
+            <a:r>
+              <a:rPr lang="en-US" sz="1000" b="0" i="0" dirty="0">
+                <a:solidFill>
+                  <a:srgbClr val="212121"/>
+                </a:solidFill>
+                <a:effectLst/>
+                <a:latin typeface="+mj-lt"/>
+              </a:rPr>
+              <a:t> (</a:t>
+            </a:r>
+            <a:r>
+              <a:rPr lang="ru-RU" sz="1000" b="0" i="0" dirty="0">
+                <a:solidFill>
+                  <a:srgbClr val="212121"/>
+                </a:solidFill>
+                <a:effectLst/>
+                <a:latin typeface="+mj-lt"/>
+              </a:rPr>
+              <a:t>год, возрастной рейтинг, кластер </a:t>
+            </a:r>
+            <a:r>
+              <a:rPr lang="en-US" sz="1000" b="0" i="0" dirty="0">
+                <a:solidFill>
+                  <a:srgbClr val="212121"/>
+                </a:solidFill>
+                <a:effectLst/>
+                <a:latin typeface="+mj-lt"/>
+              </a:rPr>
+              <a:t>DBSCAN.</a:t>
+            </a:r>
+            <a:endParaRPr lang="ru-RU" sz="1000" b="0" i="0" dirty="0">
+              <a:solidFill>
+                <a:srgbClr val="212121"/>
+              </a:solidFill>
+              <a:effectLst/>
+              <a:latin typeface="+mj-lt"/>
+            </a:endParaRPr>
+          </a:p>
+          <a:p>
+            <a:pPr marL="114300" indent="0" algn="just">
+              <a:buNone/>
+            </a:pPr>
+            <a:endParaRPr lang="en-US" sz="1000" b="0" i="0" dirty="0">
+              <a:solidFill>
+                <a:srgbClr val="212121"/>
+              </a:solidFill>
+              <a:effectLst/>
+              <a:latin typeface="+mj-lt"/>
+            </a:endParaRPr>
+          </a:p>
+          <a:p>
+            <a:pPr marL="114300" indent="0" algn="just">
+              <a:buNone/>
+            </a:pPr>
+            <a:r>
+              <a:rPr lang="ru-RU" sz="1000" b="0" i="0" dirty="0">
+                <a:solidFill>
+                  <a:srgbClr val="212121"/>
+                </a:solidFill>
+                <a:effectLst/>
+                <a:latin typeface="+mj-lt"/>
+              </a:rPr>
+              <a:t>Так же у шестого сезона можно заметить немного возросший возрастной рейтинг, это может быть связано с тем, что увеличилось количество сцен с сражениями.</a:t>
+            </a:r>
           </a:p>
         </p:txBody>
       </p:sp>
+      <p:pic>
+        <p:nvPicPr>
+          <p:cNvPr id="9" name="Picture 8">
+            <a:extLst>
+              <a:ext uri="{FF2B5EF4-FFF2-40B4-BE49-F238E27FC236}">
+                <a16:creationId xmlns:a16="http://schemas.microsoft.com/office/drawing/2014/main" id="{94F84295-D98B-E5F9-56CD-F8E31D7C72FD}"/>
+              </a:ext>
+            </a:extLst>
+          </p:cNvPr>
+          <p:cNvPicPr>
+            <a:picLocks noChangeAspect="1"/>
+          </p:cNvPicPr>
+          <p:nvPr/>
+        </p:nvPicPr>
+        <p:blipFill>
+          <a:blip r:embed="rId3"/>
+          <a:stretch>
+            <a:fillRect/>
+          </a:stretch>
+        </p:blipFill>
+        <p:spPr>
+          <a:xfrm>
+            <a:off x="3685498" y="3791591"/>
+            <a:ext cx="5458502" cy="1354496"/>
+          </a:xfrm>
+          <a:prstGeom prst="rect">
+            <a:avLst/>
+          </a:prstGeom>
+        </p:spPr>
+      </p:pic>
+      <p:pic>
+        <p:nvPicPr>
+          <p:cNvPr id="11" name="Picture 10">
+            <a:extLst>
+              <a:ext uri="{FF2B5EF4-FFF2-40B4-BE49-F238E27FC236}">
+                <a16:creationId xmlns:a16="http://schemas.microsoft.com/office/drawing/2014/main" id="{A6133501-F19B-4D66-0CE0-5C59FD7D7F2F}"/>
+              </a:ext>
+            </a:extLst>
+          </p:cNvPr>
+          <p:cNvPicPr>
+            <a:picLocks noChangeAspect="1"/>
+          </p:cNvPicPr>
+          <p:nvPr/>
+        </p:nvPicPr>
+        <p:blipFill>
+          <a:blip r:embed="rId4"/>
+          <a:stretch>
+            <a:fillRect/>
+          </a:stretch>
+        </p:blipFill>
+        <p:spPr>
+          <a:xfrm>
+            <a:off x="0" y="-6185"/>
+            <a:ext cx="813910" cy="1220864"/>
+          </a:xfrm>
+          <a:prstGeom prst="rect">
+            <a:avLst/>
+          </a:prstGeom>
+        </p:spPr>
+      </p:pic>
+      <p:pic>
+        <p:nvPicPr>
+          <p:cNvPr id="13" name="Picture 12">
+            <a:extLst>
+              <a:ext uri="{FF2B5EF4-FFF2-40B4-BE49-F238E27FC236}">
+                <a16:creationId xmlns:a16="http://schemas.microsoft.com/office/drawing/2014/main" id="{AACCA2C5-21AC-A66F-EB08-1909EF163E31}"/>
+              </a:ext>
+            </a:extLst>
+          </p:cNvPr>
+          <p:cNvPicPr>
+            <a:picLocks noChangeAspect="1"/>
+          </p:cNvPicPr>
+          <p:nvPr/>
+        </p:nvPicPr>
+        <p:blipFill>
+          <a:blip r:embed="rId5"/>
+          <a:stretch>
+            <a:fillRect/>
+          </a:stretch>
+        </p:blipFill>
+        <p:spPr>
+          <a:xfrm>
+            <a:off x="1634436" y="4019383"/>
+            <a:ext cx="815213" cy="1124116"/>
+          </a:xfrm>
+          <a:prstGeom prst="rect">
+            <a:avLst/>
+          </a:prstGeom>
+        </p:spPr>
+      </p:pic>
+      <p:pic>
+        <p:nvPicPr>
+          <p:cNvPr id="15" name="Picture 14">
+            <a:extLst>
+              <a:ext uri="{FF2B5EF4-FFF2-40B4-BE49-F238E27FC236}">
+                <a16:creationId xmlns:a16="http://schemas.microsoft.com/office/drawing/2014/main" id="{2FBB00BC-43E4-5442-9A1D-C1120102EC0F}"/>
+              </a:ext>
+            </a:extLst>
+          </p:cNvPr>
+          <p:cNvPicPr>
+            <a:picLocks noChangeAspect="1"/>
+          </p:cNvPicPr>
+          <p:nvPr/>
+        </p:nvPicPr>
+        <p:blipFill>
+          <a:blip r:embed="rId6"/>
+          <a:stretch>
+            <a:fillRect/>
+          </a:stretch>
+        </p:blipFill>
+        <p:spPr>
+          <a:xfrm>
+            <a:off x="732749" y="4019383"/>
+            <a:ext cx="769225" cy="1121079"/>
+          </a:xfrm>
+          <a:prstGeom prst="rect">
+            <a:avLst/>
+          </a:prstGeom>
+        </p:spPr>
+      </p:pic>
+      <p:pic>
+        <p:nvPicPr>
+          <p:cNvPr id="17" name="Picture 16">
+            <a:extLst>
+              <a:ext uri="{FF2B5EF4-FFF2-40B4-BE49-F238E27FC236}">
+                <a16:creationId xmlns:a16="http://schemas.microsoft.com/office/drawing/2014/main" id="{AEFFEEC4-EED6-CFB2-B071-6A93A003A368}"/>
+              </a:ext>
+            </a:extLst>
+          </p:cNvPr>
+          <p:cNvPicPr>
+            <a:picLocks noChangeAspect="1"/>
+          </p:cNvPicPr>
+          <p:nvPr/>
+        </p:nvPicPr>
+        <p:blipFill>
+          <a:blip r:embed="rId7"/>
+          <a:stretch>
+            <a:fillRect/>
+          </a:stretch>
+        </p:blipFill>
+        <p:spPr>
+          <a:xfrm>
+            <a:off x="2625267" y="4019384"/>
+            <a:ext cx="726068" cy="1124116"/>
+          </a:xfrm>
+          <a:prstGeom prst="rect">
+            <a:avLst/>
+          </a:prstGeom>
+        </p:spPr>
+      </p:pic>
+      <p:pic>
+        <p:nvPicPr>
+          <p:cNvPr id="19" name="Picture 18">
+            <a:extLst>
+              <a:ext uri="{FF2B5EF4-FFF2-40B4-BE49-F238E27FC236}">
+                <a16:creationId xmlns:a16="http://schemas.microsoft.com/office/drawing/2014/main" id="{992595FE-5E45-4231-EC02-4DEE530F21C7}"/>
+              </a:ext>
+            </a:extLst>
+          </p:cNvPr>
+          <p:cNvPicPr>
+            <a:picLocks noChangeAspect="1"/>
+          </p:cNvPicPr>
+          <p:nvPr/>
+        </p:nvPicPr>
+        <p:blipFill>
+          <a:blip r:embed="rId8"/>
+          <a:stretch>
+            <a:fillRect/>
+          </a:stretch>
+        </p:blipFill>
+        <p:spPr>
+          <a:xfrm>
+            <a:off x="5810436" y="1762"/>
+            <a:ext cx="3064206" cy="1409683"/>
+          </a:xfrm>
+          <a:prstGeom prst="rect">
+            <a:avLst/>
+          </a:prstGeom>
+        </p:spPr>
+      </p:pic>
     </p:spTree>
     <p:extLst>
       <p:ext uri="{BB962C8B-B14F-4D97-AF65-F5344CB8AC3E}">

--- a/EDA_group_slides.pptx
+++ b/EDA_group_slides.pptx
@@ -10494,7 +10494,7 @@
             <a:r>
               <a:rPr lang="ru-RU" dirty="0">
                 <a:solidFill>
-                  <a:srgbClr val="FF0000"/>
+                  <a:schemeClr val="bg2"/>
                 </a:solidFill>
               </a:rPr>
               <a:t>Наблюдается рост после 2010 и интенсивный рост после 2015 с пиком в 2017. Года, отсутствующие в таблице (1940-2017)</a:t>
@@ -10502,7 +10502,7 @@
             <a:r>
               <a:rPr lang="en-US" dirty="0">
                 <a:solidFill>
-                  <a:srgbClr val="FF0000"/>
+                  <a:schemeClr val="bg2"/>
                 </a:solidFill>
               </a:rPr>
               <a:t>,</a:t>
@@ -10510,7 +10510,7 @@
             <a:r>
               <a:rPr lang="ru-RU" dirty="0">
                 <a:solidFill>
-                  <a:srgbClr val="FF0000"/>
+                  <a:schemeClr val="bg2"/>
                 </a:solidFill>
               </a:rPr>
               <a:t> – 43</a:t>
@@ -10518,7 +10518,7 @@
             <a:r>
               <a:rPr lang="en-US" dirty="0">
                 <a:solidFill>
-                  <a:srgbClr val="FF0000"/>
+                  <a:schemeClr val="bg2"/>
                 </a:solidFill>
               </a:rPr>
               <a:t>;</a:t>
@@ -10526,7 +10526,7 @@
             <a:r>
               <a:rPr lang="ru-RU" dirty="0">
                 <a:solidFill>
-                  <a:srgbClr val="FF0000"/>
+                  <a:schemeClr val="bg2"/>
                 </a:solidFill>
               </a:rPr>
               <a:t> года присутствующие – 35, с 1989 нет ни одного пропущенного года.</a:t>
@@ -10538,7 +10538,7 @@
             </a:pPr>
             <a:endParaRPr lang="ru-RU" dirty="0">
               <a:solidFill>
-                <a:srgbClr val="FF0000"/>
+                <a:schemeClr val="bg2"/>
               </a:solidFill>
             </a:endParaRPr>
           </a:p>
@@ -10549,7 +10549,7 @@
             <a:r>
               <a:rPr lang="ru-RU" dirty="0" err="1">
                 <a:solidFill>
-                  <a:srgbClr val="00B050"/>
+                  <a:schemeClr val="bg2"/>
                 </a:solidFill>
               </a:rPr>
               <a:t>Нетфликс</a:t>
@@ -10557,7 +10557,7 @@
             <a:r>
               <a:rPr lang="ru-RU" dirty="0">
                 <a:solidFill>
-                  <a:srgbClr val="00B050"/>
+                  <a:schemeClr val="bg2"/>
                 </a:solidFill>
               </a:rPr>
               <a:t> не существовал до 1997</a:t>
@@ -10565,7 +10565,7 @@
             <a:r>
               <a:rPr lang="en-US" dirty="0">
                 <a:solidFill>
-                  <a:srgbClr val="00B050"/>
+                  <a:schemeClr val="bg2"/>
                 </a:solidFill>
               </a:rPr>
               <a:t>-</a:t>
@@ -10573,7 +10573,7 @@
             <a:r>
               <a:rPr lang="ru-RU" dirty="0" err="1">
                 <a:solidFill>
-                  <a:srgbClr val="00B050"/>
+                  <a:schemeClr val="bg2"/>
                 </a:solidFill>
               </a:rPr>
               <a:t>го</a:t>
@@ -10581,7 +10581,7 @@
             <a:r>
               <a:rPr lang="ru-RU" dirty="0">
                 <a:solidFill>
-                  <a:srgbClr val="00B050"/>
+                  <a:schemeClr val="bg2"/>
                 </a:solidFill>
               </a:rPr>
               <a:t> и запуска </a:t>
@@ -10589,7 +10589,7 @@
             <a:r>
               <a:rPr lang="ru-RU" dirty="0" err="1">
                 <a:solidFill>
-                  <a:srgbClr val="00B050"/>
+                  <a:schemeClr val="bg2"/>
                 </a:solidFill>
               </a:rPr>
               <a:t>стриминга</a:t>
@@ -10597,7 +10597,7 @@
             <a:r>
               <a:rPr lang="ru-RU" dirty="0">
                 <a:solidFill>
-                  <a:srgbClr val="00B050"/>
+                  <a:schemeClr val="bg2"/>
                 </a:solidFill>
               </a:rPr>
               <a:t> в 2007</a:t>
@@ -10605,7 +10605,7 @@
             <a:r>
               <a:rPr lang="en-US" dirty="0">
                 <a:solidFill>
-                  <a:srgbClr val="00B050"/>
+                  <a:schemeClr val="bg2"/>
                 </a:solidFill>
               </a:rPr>
               <a:t>-</a:t>
@@ -10613,7 +10613,7 @@
             <a:r>
               <a:rPr lang="ru-RU" dirty="0">
                 <a:solidFill>
-                  <a:srgbClr val="00B050"/>
+                  <a:schemeClr val="bg2"/>
                 </a:solidFill>
               </a:rPr>
               <a:t>м, но некоторые фильмы, снятые ранее этого времени, были выкуплены </a:t>
@@ -10621,7 +10621,7 @@
             <a:r>
               <a:rPr lang="ru-RU" dirty="0" err="1">
                 <a:solidFill>
-                  <a:srgbClr val="00B050"/>
+                  <a:schemeClr val="bg2"/>
                 </a:solidFill>
               </a:rPr>
               <a:t>Нетфликсом</a:t>
@@ -10629,7 +10629,7 @@
             <a:r>
               <a:rPr lang="ru-RU" dirty="0">
                 <a:solidFill>
-                  <a:srgbClr val="00B050"/>
+                  <a:schemeClr val="bg2"/>
                 </a:solidFill>
               </a:rPr>
               <a:t>. Поскольку считается, что старые фильмы не сильно интересуют публику, выкупались права только на редкие фильмы. Это и сформировало выброс.</a:t>
@@ -14615,7 +14615,7 @@
           </a:bodyPr>
           <a:lstStyle/>
           <a:p>
-            <a:pPr marL="114300" indent="0" algn="l">
+            <a:pPr marL="114300" indent="0" algn="just">
               <a:buNone/>
             </a:pPr>
             <a:r>
@@ -14682,7 +14682,7 @@
             </a:endParaRPr>
           </a:p>
           <a:p>
-            <a:pPr marL="114300" indent="0" algn="l">
+            <a:pPr marL="114300" indent="0" algn="just">
               <a:buNone/>
             </a:pPr>
             <a:r>
@@ -14703,27 +14703,85 @@
                 <a:effectLst/>
                 <a:latin typeface="Roboto"/>
               </a:rPr>
-              <a:t>: Несмотря на то, что год и возрастной рейтинг не </a:t>
-            </a:r>
-            <a:r>
-              <a:rPr lang="ru-RU" b="0" i="0" dirty="0" err="1">
+              <a:t>: Несмотря на то, что год и возрастной рейтинг не долж</a:t>
+            </a:r>
+            <a:r>
+              <a:rPr lang="ru-RU" dirty="0">
+                <a:solidFill>
+                  <a:srgbClr val="212121"/>
+                </a:solidFill>
+                <a:latin typeface="Roboto"/>
+              </a:rPr>
+              <a:t>н</a:t>
+            </a:r>
+            <a:r>
+              <a:rPr lang="ru-RU" b="0" i="0" dirty="0">
                 <a:solidFill>
                   <a:srgbClr val="212121"/>
                 </a:solidFill>
                 <a:effectLst/>
                 <a:latin typeface="Roboto"/>
               </a:rPr>
-              <a:t>должеы</a:t>
-            </a:r>
-            <a:r>
-              <a:rPr lang="ru-RU" b="0" i="0" dirty="0">
+              <a:t>ы влиять на рейтинги шоу, линейная регрессия справила</a:t>
+            </a:r>
+            <a:r>
+              <a:rPr lang="en-US" b="0" i="0" dirty="0">
                 <a:solidFill>
                   <a:srgbClr val="212121"/>
                 </a:solidFill>
                 <a:effectLst/>
                 <a:latin typeface="Roboto"/>
               </a:rPr>
-              <a:t> влиять на рейтинги шоу, линейная регрессия справилась неплохо.</a:t>
+              <a:t>cm</a:t>
+            </a:r>
+            <a:r>
+              <a:rPr lang="ru-RU" b="0" i="0" dirty="0">
+                <a:solidFill>
+                  <a:srgbClr val="212121"/>
+                </a:solidFill>
+                <a:effectLst/>
+                <a:latin typeface="Roboto"/>
+              </a:rPr>
+              <a:t>, </a:t>
+            </a:r>
+            <a:r>
+              <a:rPr lang="en-US" b="0" i="0" dirty="0">
+                <a:solidFill>
+                  <a:srgbClr val="212121"/>
+                </a:solidFill>
+                <a:effectLst/>
+                <a:latin typeface="Roboto"/>
+              </a:rPr>
+              <a:t>r2 -0.273 </a:t>
+            </a:r>
+            <a:r>
+              <a:rPr lang="ru-RU" b="0" i="0" dirty="0">
+                <a:solidFill>
+                  <a:srgbClr val="212121"/>
+                </a:solidFill>
+                <a:effectLst/>
+                <a:latin typeface="Roboto"/>
+              </a:rPr>
+              <a:t>говорит о слабо</a:t>
+            </a:r>
+            <a:r>
+              <a:rPr lang="ru-RU" dirty="0">
+                <a:solidFill>
+                  <a:srgbClr val="212121"/>
+                </a:solidFill>
+                <a:latin typeface="Roboto"/>
+              </a:rPr>
+              <a:t>й зависимости</a:t>
+            </a:r>
+            <a:r>
+              <a:rPr lang="ru-RU" b="0" i="0" dirty="0">
+                <a:solidFill>
+                  <a:srgbClr val="212121"/>
+                </a:solidFill>
+                <a:effectLst/>
+                <a:latin typeface="Roboto"/>
+              </a:rPr>
+              <a:t>.</a:t>
             </a:r>
           </a:p>
           <a:p>
@@ -15007,8 +15065,42 @@
                 <a:effectLst/>
                 <a:latin typeface="Roboto"/>
               </a:rPr>
-              <a:t>, но на пару единиц занижает среднее значение, а СТД остается довольно высоким, любопытно, что только 3 соседей дает такое значение в то время как остальные 2-10 чуть более близкое к истинному среднее и более низкую СТД. Тем не менее гистограмма вполне соответствует такой из наших первоначальных данных.</a:t>
-            </a:r>
+              <a:t>, но на пару единиц занижает среднее значение, а СТД остается довольно высоким, любопытно, что только 3 соседей дает такое значение в то время как остальные 2-10 чуть более близкое к истинному среднее и более низкую СТД. </a:t>
+            </a:r>
+            <a:r>
+              <a:rPr lang="en-US" dirty="0">
+                <a:solidFill>
+                  <a:srgbClr val="212121"/>
+                </a:solidFill>
+                <a:latin typeface="Roboto"/>
+              </a:rPr>
+              <a:t>R2 -0.632 </a:t>
+            </a:r>
+            <a:r>
+              <a:rPr lang="ru-RU" dirty="0">
+                <a:solidFill>
+                  <a:srgbClr val="212121"/>
+                </a:solidFill>
+                <a:latin typeface="Roboto"/>
+              </a:rPr>
+              <a:t>говорит об очень слабой зависимости </a:t>
+            </a:r>
+            <a:r>
+              <a:rPr lang="ru-RU">
+                <a:solidFill>
+                  <a:srgbClr val="212121"/>
+                </a:solidFill>
+                <a:latin typeface="Roboto"/>
+              </a:rPr>
+              <a:t>между данными.</a:t>
+            </a:r>
+            <a:endParaRPr lang="ru-RU" b="0" i="0" dirty="0">
+              <a:solidFill>
+                <a:srgbClr val="212121"/>
+              </a:solidFill>
+              <a:effectLst/>
+              <a:latin typeface="Roboto"/>
+            </a:endParaRPr>
           </a:p>
           <a:p>
             <a:pPr marL="114300" indent="0" algn="l">

--- a/EDA_group_slides.pptx
+++ b/EDA_group_slides.pptx
@@ -271,7 +271,7 @@
   </p:defaultTextStyle>
   <p:extLst>
     <p:ext uri="{EFAFB233-063F-42B5-8137-9DF3F51BA10A}">
-      <p15:sldGuideLst xmlns:p15="http://schemas.microsoft.com/office/powerpoint/2012/main">
+      <p15:sldGuideLst xmlns:p15="http://schemas.microsoft.com/office/powerpoint/2012/main" xmlns="">
         <p15:guide id="1" orient="horz" pos="1620">
           <p15:clr>
             <a:srgbClr val="A4A3A4"/>
@@ -285,7 +285,7 @@
       </p15:sldGuideLst>
     </p:ext>
     <p:ext uri="{2D200454-40CA-4A62-9FC3-DE9A4176ACB9}">
-      <p15:notesGuideLst xmlns:p15="http://schemas.microsoft.com/office/powerpoint/2012/main"/>
+      <p15:notesGuideLst xmlns:p15="http://schemas.microsoft.com/office/powerpoint/2012/main" xmlns=""/>
     </p:ext>
   </p:extLst>
 </p:presentation>
@@ -318,7 +318,7 @@
           <p:cNvPr id="2" name="Header Placeholder 1">
             <a:extLst>
               <a:ext uri="{FF2B5EF4-FFF2-40B4-BE49-F238E27FC236}">
-                <a16:creationId xmlns:a16="http://schemas.microsoft.com/office/drawing/2014/main" id="{649BEB62-B3AD-C332-0990-285269C787ED}"/>
+                <a16:creationId xmlns:a16="http://schemas.microsoft.com/office/drawing/2014/main" xmlns="" id="{649BEB62-B3AD-C332-0990-285269C787ED}"/>
               </a:ext>
             </a:extLst>
           </p:cNvPr>
@@ -355,7 +355,7 @@
           <p:cNvPr id="3" name="Date Placeholder 2">
             <a:extLst>
               <a:ext uri="{FF2B5EF4-FFF2-40B4-BE49-F238E27FC236}">
-                <a16:creationId xmlns:a16="http://schemas.microsoft.com/office/drawing/2014/main" id="{E7BC0ECB-1190-878E-AAD3-88A9A6085352}"/>
+                <a16:creationId xmlns:a16="http://schemas.microsoft.com/office/drawing/2014/main" xmlns="" id="{E7BC0ECB-1190-878E-AAD3-88A9A6085352}"/>
               </a:ext>
             </a:extLst>
           </p:cNvPr>
@@ -385,7 +385,7 @@
           <a:p>
             <a:fld id="{B9D76C9E-92E3-465F-A8DB-6D552604971A}" type="datetimeFigureOut">
               <a:rPr lang="en-US" smtClean="0"/>
-              <a:t>3/16/2023</a:t>
+              <a:t>3/15/2023</a:t>
             </a:fld>
             <a:endParaRPr lang="en-US"/>
           </a:p>
@@ -396,7 +396,7 @@
           <p:cNvPr id="4" name="Footer Placeholder 3">
             <a:extLst>
               <a:ext uri="{FF2B5EF4-FFF2-40B4-BE49-F238E27FC236}">
-                <a16:creationId xmlns:a16="http://schemas.microsoft.com/office/drawing/2014/main" id="{5E5AD23E-0A8E-20E2-591B-41A42FEFB9C6}"/>
+                <a16:creationId xmlns:a16="http://schemas.microsoft.com/office/drawing/2014/main" xmlns="" id="{5E5AD23E-0A8E-20E2-591B-41A42FEFB9C6}"/>
               </a:ext>
             </a:extLst>
           </p:cNvPr>
@@ -433,7 +433,7 @@
           <p:cNvPr id="5" name="Slide Number Placeholder 4">
             <a:extLst>
               <a:ext uri="{FF2B5EF4-FFF2-40B4-BE49-F238E27FC236}">
-                <a16:creationId xmlns:a16="http://schemas.microsoft.com/office/drawing/2014/main" id="{2A8781DE-F538-EEA6-55EF-AC9AAD1F44E3}"/>
+                <a16:creationId xmlns:a16="http://schemas.microsoft.com/office/drawing/2014/main" xmlns="" id="{2A8781DE-F538-EEA6-55EF-AC9AAD1F44E3}"/>
               </a:ext>
             </a:extLst>
           </p:cNvPr>
@@ -10529,7 +10529,23 @@
                   <a:schemeClr val="bg2"/>
                 </a:solidFill>
               </a:rPr>
-              <a:t> года присутствующие – 35, с 1989 нет ни одного пропущенного года.</a:t>
+              <a:t> года присутствующие – </a:t>
+            </a:r>
+            <a:r>
+              <a:rPr lang="ru-RU" dirty="0" smtClean="0">
+                <a:solidFill>
+                  <a:schemeClr val="bg2"/>
+                </a:solidFill>
+              </a:rPr>
+              <a:t>35; </a:t>
+            </a:r>
+            <a:r>
+              <a:rPr lang="ru-RU" dirty="0">
+                <a:solidFill>
+                  <a:schemeClr val="bg2"/>
+                </a:solidFill>
+              </a:rPr>
+              <a:t>с 1989 нет ни одного пропущенного года.</a:t>
             </a:r>
           </a:p>
           <a:p>
@@ -10731,7 +10747,7 @@
           <p:cNvPr id="5" name="Picture 4">
             <a:extLst>
               <a:ext uri="{FF2B5EF4-FFF2-40B4-BE49-F238E27FC236}">
-                <a16:creationId xmlns:a16="http://schemas.microsoft.com/office/drawing/2014/main" id="{9BAC15A5-8F00-65BB-9E3A-2B7FD8E1E214}"/>
+                <a16:creationId xmlns:a16="http://schemas.microsoft.com/office/drawing/2014/main" xmlns="" id="{9BAC15A5-8F00-65BB-9E3A-2B7FD8E1E214}"/>
               </a:ext>
             </a:extLst>
           </p:cNvPr>
@@ -11000,7 +11016,7 @@
           <p:cNvPr id="3" name="Text Placeholder 2">
             <a:extLst>
               <a:ext uri="{FF2B5EF4-FFF2-40B4-BE49-F238E27FC236}">
-                <a16:creationId xmlns:a16="http://schemas.microsoft.com/office/drawing/2014/main" id="{7F82DD87-77CB-D1C4-1F26-153CCF680404}"/>
+                <a16:creationId xmlns:a16="http://schemas.microsoft.com/office/drawing/2014/main" xmlns="" id="{7F82DD87-77CB-D1C4-1F26-153CCF680404}"/>
               </a:ext>
             </a:extLst>
           </p:cNvPr>
@@ -11032,7 +11048,27 @@
                 <a:effectLst/>
                 <a:latin typeface="Roboto"/>
               </a:rPr>
-              <a:t>Показатель количества 2017 ниже 2016 поскольку на момент формирования </a:t>
+              <a:t>Показатель количества 2017 ниже </a:t>
+            </a:r>
+            <a:r>
+              <a:rPr lang="ru-RU" b="0" i="0" dirty="0" smtClean="0">
+                <a:solidFill>
+                  <a:srgbClr val="212121"/>
+                </a:solidFill>
+                <a:effectLst/>
+                <a:latin typeface="Roboto"/>
+              </a:rPr>
+              <a:t>2016, </a:t>
+            </a:r>
+            <a:r>
+              <a:rPr lang="ru-RU" b="0" i="0" dirty="0">
+                <a:solidFill>
+                  <a:srgbClr val="212121"/>
+                </a:solidFill>
+                <a:effectLst/>
+                <a:latin typeface="Roboto"/>
+              </a:rPr>
+              <a:t>поскольку на момент формирования </a:t>
             </a:r>
             <a:r>
               <a:rPr lang="ru-RU" b="0" i="0" dirty="0" err="1">
@@ -11106,7 +11142,47 @@
                 <a:effectLst/>
                 <a:latin typeface="Roboto"/>
               </a:rPr>
-              <a:t>Количество шоу в 2017 (покупка лицензий + выпуск оригинальных шоу) в итоге было больше чем в 2016 (Данные </a:t>
+              <a:t>Количество шоу в 2017 (покупка лицензий + выпуск оригинальных шоу) в итоге было </a:t>
+            </a:r>
+            <a:r>
+              <a:rPr lang="ru-RU" b="0" i="0" dirty="0" smtClean="0">
+                <a:solidFill>
+                  <a:srgbClr val="212121"/>
+                </a:solidFill>
+                <a:effectLst/>
+                <a:latin typeface="Roboto"/>
+              </a:rPr>
+              <a:t>больше, </a:t>
+            </a:r>
+            <a:r>
+              <a:rPr lang="ru-RU" b="0" i="0" dirty="0">
+                <a:solidFill>
+                  <a:srgbClr val="212121"/>
+                </a:solidFill>
+                <a:effectLst/>
+                <a:latin typeface="Roboto"/>
+              </a:rPr>
+              <a:t>чем в </a:t>
+            </a:r>
+            <a:r>
+              <a:rPr lang="ru-RU" b="0" i="0" dirty="0" smtClean="0">
+                <a:solidFill>
+                  <a:srgbClr val="212121"/>
+                </a:solidFill>
+                <a:effectLst/>
+                <a:latin typeface="Roboto"/>
+              </a:rPr>
+              <a:t>2016. </a:t>
+            </a:r>
+            <a:r>
+              <a:rPr lang="ru-RU" b="0" i="0" dirty="0">
+                <a:solidFill>
+                  <a:srgbClr val="212121"/>
+                </a:solidFill>
+                <a:effectLst/>
+                <a:latin typeface="Roboto"/>
+              </a:rPr>
+              <a:t>(Данные </a:t>
             </a:r>
             <a:r>
               <a:rPr lang="en-US" b="0" i="0" dirty="0">
@@ -11150,7 +11226,7 @@
           <p:cNvPr id="7" name="Picture 6">
             <a:extLst>
               <a:ext uri="{FF2B5EF4-FFF2-40B4-BE49-F238E27FC236}">
-                <a16:creationId xmlns:a16="http://schemas.microsoft.com/office/drawing/2014/main" id="{5F4D010C-0CA1-D717-BEF9-7EFB6C282F63}"/>
+                <a16:creationId xmlns:a16="http://schemas.microsoft.com/office/drawing/2014/main" xmlns="" id="{5F4D010C-0CA1-D717-BEF9-7EFB6C282F63}"/>
               </a:ext>
             </a:extLst>
           </p:cNvPr>
@@ -11180,7 +11256,7 @@
           <p:cNvPr id="9" name="Picture 8">
             <a:extLst>
               <a:ext uri="{FF2B5EF4-FFF2-40B4-BE49-F238E27FC236}">
-                <a16:creationId xmlns:a16="http://schemas.microsoft.com/office/drawing/2014/main" id="{8C7F3568-4629-D940-8E8F-9FD560EC6728}"/>
+                <a16:creationId xmlns:a16="http://schemas.microsoft.com/office/drawing/2014/main" xmlns="" id="{8C7F3568-4629-D940-8E8F-9FD560EC6728}"/>
               </a:ext>
             </a:extLst>
           </p:cNvPr>
@@ -11506,7 +11582,27 @@
                 <a:effectLst/>
                 <a:latin typeface="Roboto"/>
               </a:rPr>
-              <a:t>оскольку рейтинговых групп у нас осталось 4, можно сказать что столбец </a:t>
+              <a:t>оскольку рейтинговых групп у нас осталось 4, можно </a:t>
+            </a:r>
+            <a:r>
+              <a:rPr lang="ru-RU" b="0" i="0" dirty="0" smtClean="0">
+                <a:solidFill>
+                  <a:srgbClr val="212121"/>
+                </a:solidFill>
+                <a:effectLst/>
+                <a:latin typeface="Roboto"/>
+              </a:rPr>
+              <a:t>сказать, </a:t>
+            </a:r>
+            <a:r>
+              <a:rPr lang="ru-RU" b="0" i="0" dirty="0">
+                <a:solidFill>
+                  <a:srgbClr val="212121"/>
+                </a:solidFill>
+                <a:effectLst/>
+                <a:latin typeface="Roboto"/>
+              </a:rPr>
+              <a:t>что столбец </a:t>
             </a:r>
             <a:r>
               <a:rPr lang="ru-RU" b="0" i="0" dirty="0" err="1">
@@ -11567,7 +11663,7 @@
           <p:cNvPr id="3" name="Picture 2">
             <a:extLst>
               <a:ext uri="{FF2B5EF4-FFF2-40B4-BE49-F238E27FC236}">
-                <a16:creationId xmlns:a16="http://schemas.microsoft.com/office/drawing/2014/main" id="{139F9FCC-093E-F32A-AF8B-8DBCE48E6E08}"/>
+                <a16:creationId xmlns:a16="http://schemas.microsoft.com/office/drawing/2014/main" xmlns="" id="{139F9FCC-093E-F32A-AF8B-8DBCE48E6E08}"/>
               </a:ext>
             </a:extLst>
           </p:cNvPr>
@@ -11656,6 +11752,10 @@
               <a:rPr lang="ru-RU" dirty="0"/>
               <a:t>Описательный портрет </a:t>
             </a:r>
+            <a:r>
+              <a:rPr lang="en-US" dirty="0"/>
+              <a:t/>
+            </a:r>
             <a:br>
               <a:rPr lang="en-US" dirty="0"/>
             </a:br>
@@ -11764,7 +11864,65 @@
                 <a:effectLst/>
                 <a:latin typeface="+mj-lt"/>
               </a:rPr>
-              <a:t>Первый сезон начал выходить в октябре 2008 году и закончился 20 марта 2009 года, а весь 6 сезон выпустили за один год и интересным может показаться, что второй сезон был выпущен полностью</a:t>
+              <a:t>Первый сезон начал выходить в октябре 2008 году и закончился 20 марта 2009 года, а весь 6 сезон выпустили за один </a:t>
+            </a:r>
+            <a:r>
+              <a:rPr lang="ru-RU" sz="1000" b="0" i="0" dirty="0" smtClean="0">
+                <a:solidFill>
+                  <a:srgbClr val="212121"/>
+                </a:solidFill>
+                <a:effectLst/>
+                <a:latin typeface="+mj-lt"/>
+              </a:rPr>
+              <a:t>год, </a:t>
+            </a:r>
+            <a:r>
+              <a:rPr lang="ru-RU" sz="1000" b="0" i="0" dirty="0">
+                <a:solidFill>
+                  <a:srgbClr val="212121"/>
+                </a:solidFill>
+                <a:effectLst/>
+                <a:latin typeface="+mj-lt"/>
+              </a:rPr>
+              <a:t>и </a:t>
+            </a:r>
+            <a:r>
+              <a:rPr lang="ru-RU" sz="1000" b="0" i="0" dirty="0" smtClean="0">
+                <a:solidFill>
+                  <a:srgbClr val="212121"/>
+                </a:solidFill>
+                <a:effectLst/>
+                <a:latin typeface="+mj-lt"/>
+              </a:rPr>
+              <a:t>может показаться</a:t>
+            </a:r>
+            <a:r>
+              <a:rPr lang="ru-RU" sz="1000" dirty="0">
+                <a:solidFill>
+                  <a:srgbClr val="212121"/>
+                </a:solidFill>
+              </a:rPr>
+              <a:t> интересным</a:t>
+            </a:r>
+            <a:r>
+              <a:rPr lang="ru-RU" sz="1000" b="0" i="0" dirty="0" smtClean="0">
+                <a:solidFill>
+                  <a:srgbClr val="212121"/>
+                </a:solidFill>
+                <a:effectLst/>
+                <a:latin typeface="+mj-lt"/>
+              </a:rPr>
+              <a:t>, </a:t>
+            </a:r>
+            <a:r>
+              <a:rPr lang="ru-RU" sz="1000" b="0" i="0" dirty="0">
+                <a:solidFill>
+                  <a:srgbClr val="212121"/>
+                </a:solidFill>
+                <a:effectLst/>
+                <a:latin typeface="+mj-lt"/>
+              </a:rPr>
+              <a:t>что второй сезон был выпущен полностью</a:t>
             </a:r>
             <a:r>
               <a:rPr lang="ru-RU" sz="1000" i="0" dirty="0">
@@ -11868,7 +12026,27 @@
                 <a:effectLst/>
                 <a:latin typeface="+mj-lt"/>
               </a:rPr>
-              <a:t>Стоит отметить огромную разницу в оценке пользователей, первый сезон получил в два раза меньшие результаты по сравнению с шестым сезоном. Причин этому много: возросло качество графики и съемки, увеличился бюджет и т.д.</a:t>
+              <a:t>Стоит отметить огромную разницу в оценке </a:t>
+            </a:r>
+            <a:r>
+              <a:rPr lang="ru-RU" sz="1000" b="0" i="0" dirty="0" smtClean="0">
+                <a:solidFill>
+                  <a:srgbClr val="212121"/>
+                </a:solidFill>
+                <a:effectLst/>
+                <a:latin typeface="+mj-lt"/>
+              </a:rPr>
+              <a:t>пользователей: </a:t>
+            </a:r>
+            <a:r>
+              <a:rPr lang="ru-RU" sz="1000" b="0" i="0" dirty="0">
+                <a:solidFill>
+                  <a:srgbClr val="212121"/>
+                </a:solidFill>
+                <a:effectLst/>
+                <a:latin typeface="+mj-lt"/>
+              </a:rPr>
+              <a:t>первый сезон получил в два раза меньшие результаты по сравнению с шестым сезоном. Причин этому много: возросло качество графики и съемки, увеличился бюджет и т.д.</a:t>
             </a:r>
           </a:p>
           <a:p>
@@ -11895,17 +12073,17 @@
                 <a:effectLst/>
                 <a:latin typeface="+mj-lt"/>
               </a:rPr>
-              <a:t>Единственное шоу, которое абсолютно дублирует все параметры нашего шоу - это «Белый воротничок» - использующий клише “детективный сериал про мошенника на службе </a:t>
-            </a:r>
-            <a:r>
-              <a:rPr lang="ru-RU" sz="1000" b="0" i="0" dirty="0" err="1">
+              <a:t>Единственное шоу, которое абсолютно дублирует все параметры нашего </a:t>
+            </a:r>
+            <a:r>
+              <a:rPr lang="ru-RU" sz="1000" b="0" i="0" dirty="0" smtClean="0">
                 <a:solidFill>
                   <a:srgbClr val="212121"/>
                 </a:solidFill>
                 <a:effectLst/>
                 <a:latin typeface="+mj-lt"/>
               </a:rPr>
-              <a:t>фбр</a:t>
+              <a:t>шоу, </a:t>
             </a:r>
             <a:r>
               <a:rPr lang="ru-RU" sz="1000" b="0" i="0" dirty="0">
@@ -11915,7 +12093,126 @@
                 <a:effectLst/>
                 <a:latin typeface="+mj-lt"/>
               </a:rPr>
-              <a:t>”. Так же совпадает (на1 бал выше) комедийный сериал «Как я встретил вашу маму»</a:t>
+              <a:t>- </a:t>
+            </a:r>
+            <a:r>
+              <a:rPr lang="ru-RU" sz="1000" b="0" i="0" dirty="0" smtClean="0">
+                <a:solidFill>
+                  <a:srgbClr val="212121"/>
+                </a:solidFill>
+                <a:effectLst/>
+                <a:latin typeface="+mj-lt"/>
+              </a:rPr>
+              <a:t>это </a:t>
+            </a:r>
+            <a:r>
+              <a:rPr lang="ru-RU" sz="1000" b="0" i="0" dirty="0">
+                <a:solidFill>
+                  <a:srgbClr val="212121"/>
+                </a:solidFill>
+                <a:effectLst/>
+                <a:latin typeface="+mj-lt"/>
+              </a:rPr>
+              <a:t>«Белый </a:t>
+            </a:r>
+            <a:r>
+              <a:rPr lang="ru-RU" sz="1000" b="0" i="0" dirty="0" smtClean="0">
+                <a:solidFill>
+                  <a:srgbClr val="212121"/>
+                </a:solidFill>
+                <a:effectLst/>
+                <a:latin typeface="+mj-lt"/>
+              </a:rPr>
+              <a:t>воротничок</a:t>
+            </a:r>
+            <a:r>
+              <a:rPr lang="ru-RU" sz="1000" dirty="0" smtClean="0">
+                <a:solidFill>
+                  <a:srgbClr val="212121"/>
+                </a:solidFill>
+                <a:latin typeface="+mj-lt"/>
+              </a:rPr>
+              <a:t>»,</a:t>
+            </a:r>
+            <a:r>
+              <a:rPr lang="ru-RU" sz="1000" b="0" i="0" dirty="0" smtClean="0">
+                <a:solidFill>
+                  <a:srgbClr val="212121"/>
+                </a:solidFill>
+                <a:effectLst/>
+                <a:latin typeface="+mj-lt"/>
+              </a:rPr>
+              <a:t> </a:t>
+            </a:r>
+            <a:r>
+              <a:rPr lang="ru-RU" sz="1000" b="0" i="0" dirty="0">
+                <a:solidFill>
+                  <a:srgbClr val="212121"/>
+                </a:solidFill>
+                <a:effectLst/>
+                <a:latin typeface="+mj-lt"/>
+              </a:rPr>
+              <a:t>использующий клише </a:t>
+            </a:r>
+            <a:r>
+              <a:rPr lang="ru-RU" sz="1000" b="0" i="0" dirty="0" smtClean="0">
+                <a:solidFill>
+                  <a:srgbClr val="212121"/>
+                </a:solidFill>
+                <a:effectLst/>
+                <a:latin typeface="+mj-lt"/>
+              </a:rPr>
+              <a:t>«детективный </a:t>
+            </a:r>
+            <a:r>
+              <a:rPr lang="ru-RU" sz="1000" b="0" i="0" dirty="0">
+                <a:solidFill>
+                  <a:srgbClr val="212121"/>
+                </a:solidFill>
+                <a:effectLst/>
+                <a:latin typeface="+mj-lt"/>
+              </a:rPr>
+              <a:t>сериал про мошенника на </a:t>
+            </a:r>
+            <a:r>
+              <a:rPr lang="ru-RU" sz="1000" b="0" i="0" dirty="0" smtClean="0">
+                <a:solidFill>
+                  <a:srgbClr val="212121"/>
+                </a:solidFill>
+                <a:effectLst/>
+                <a:latin typeface="+mj-lt"/>
+              </a:rPr>
+              <a:t>службе ФБР». Также </a:t>
+            </a:r>
+            <a:r>
+              <a:rPr lang="ru-RU" sz="1000" b="0" i="0" dirty="0">
+                <a:solidFill>
+                  <a:srgbClr val="212121"/>
+                </a:solidFill>
+                <a:effectLst/>
+                <a:latin typeface="+mj-lt"/>
+              </a:rPr>
+              <a:t>совпадает (</a:t>
+            </a:r>
+            <a:r>
+              <a:rPr lang="ru-RU" sz="1000" b="0" i="0" dirty="0" smtClean="0">
+                <a:solidFill>
+                  <a:srgbClr val="212121"/>
+                </a:solidFill>
+                <a:effectLst/>
+                <a:latin typeface="+mj-lt"/>
+              </a:rPr>
+              <a:t>на 1 балл </a:t>
+            </a:r>
+            <a:r>
+              <a:rPr lang="ru-RU" sz="1000" b="0" i="0" dirty="0">
+                <a:solidFill>
+                  <a:srgbClr val="212121"/>
+                </a:solidFill>
+                <a:effectLst/>
+                <a:latin typeface="+mj-lt"/>
+              </a:rPr>
+              <a:t>выше) комедийный сериал «Как я встретил вашу маму»</a:t>
             </a:r>
             <a:r>
               <a:rPr lang="en-US" sz="1000" b="0" i="0" dirty="0">
@@ -11978,14 +12275,34 @@
               <a:t>год, возрастной рейтинг, кластер </a:t>
             </a:r>
             <a:r>
-              <a:rPr lang="en-US" sz="1000" b="0" i="0" dirty="0">
+              <a:rPr lang="en-US" sz="1000" b="0" i="0" dirty="0" smtClean="0">
                 <a:solidFill>
                   <a:srgbClr val="212121"/>
                 </a:solidFill>
                 <a:effectLst/>
                 <a:latin typeface="+mj-lt"/>
               </a:rPr>
-              <a:t>DBSCAN.</a:t>
+              <a:t>DBSCAN</a:t>
+            </a:r>
+            <a:r>
+              <a:rPr lang="ru-RU" sz="1000" b="0" i="0" dirty="0" smtClean="0">
+                <a:solidFill>
+                  <a:srgbClr val="212121"/>
+                </a:solidFill>
+                <a:effectLst/>
+                <a:latin typeface="+mj-lt"/>
+              </a:rPr>
+              <a:t>)</a:t>
+            </a:r>
+            <a:r>
+              <a:rPr lang="en-US" sz="1000" b="0" i="0" dirty="0" smtClean="0">
+                <a:solidFill>
+                  <a:srgbClr val="212121"/>
+                </a:solidFill>
+                <a:effectLst/>
+                <a:latin typeface="+mj-lt"/>
+              </a:rPr>
+              <a:t>.</a:t>
             </a:r>
             <a:endParaRPr lang="ru-RU" sz="1000" b="0" i="0" dirty="0">
               <a:solidFill>
@@ -12012,6 +12329,16 @@
               <a:buNone/>
             </a:pPr>
             <a:r>
+              <a:rPr lang="ru-RU" sz="1000" b="0" i="0" dirty="0" smtClean="0">
+                <a:solidFill>
+                  <a:srgbClr val="212121"/>
+                </a:solidFill>
+                <a:effectLst/>
+                <a:latin typeface="+mj-lt"/>
+              </a:rPr>
+              <a:t>Также </a:t>
+            </a:r>
+            <a:r>
               <a:rPr lang="ru-RU" sz="1000" b="0" i="0" dirty="0">
                 <a:solidFill>
                   <a:srgbClr val="212121"/>
@@ -12019,7 +12346,66 @@
                 <a:effectLst/>
                 <a:latin typeface="+mj-lt"/>
               </a:rPr>
-              <a:t>Так же у шестого сезона можно заметить немного возросший возрастной рейтинг, это может быть связано с тем, что увеличилось количество сцен с сражениями.</a:t>
+              <a:t>у шестого сезона можно заметить немного возросший возрастной </a:t>
+            </a:r>
+            <a:r>
+              <a:rPr lang="ru-RU" sz="1000" b="0" i="0" dirty="0" smtClean="0">
+                <a:solidFill>
+                  <a:srgbClr val="212121"/>
+                </a:solidFill>
+                <a:effectLst/>
+                <a:latin typeface="+mj-lt"/>
+              </a:rPr>
+              <a:t>рейтинг. </a:t>
+            </a:r>
+            <a:r>
+              <a:rPr lang="ru-RU" sz="1000" dirty="0" smtClean="0">
+                <a:solidFill>
+                  <a:srgbClr val="212121"/>
+                </a:solidFill>
+                <a:latin typeface="+mj-lt"/>
+              </a:rPr>
+              <a:t>Э</a:t>
+            </a:r>
+            <a:r>
+              <a:rPr lang="ru-RU" sz="1000" b="0" i="0" dirty="0" smtClean="0">
+                <a:solidFill>
+                  <a:srgbClr val="212121"/>
+                </a:solidFill>
+                <a:effectLst/>
+                <a:latin typeface="+mj-lt"/>
+              </a:rPr>
+              <a:t>то </a:t>
+            </a:r>
+            <a:r>
+              <a:rPr lang="ru-RU" sz="1000" b="0" i="0" dirty="0">
+                <a:solidFill>
+                  <a:srgbClr val="212121"/>
+                </a:solidFill>
+                <a:effectLst/>
+                <a:latin typeface="+mj-lt"/>
+              </a:rPr>
+              <a:t>может быть связано с тем, что увеличилось количество сцен </a:t>
+            </a:r>
+            <a:r>
+              <a:rPr lang="ru-RU" sz="1000" b="0" i="0" dirty="0" smtClean="0">
+                <a:solidFill>
+                  <a:srgbClr val="212121"/>
+                </a:solidFill>
+                <a:effectLst/>
+                <a:latin typeface="+mj-lt"/>
+              </a:rPr>
+              <a:t>со </a:t>
+            </a:r>
+            <a:r>
+              <a:rPr lang="ru-RU" sz="1000" b="0" i="0" dirty="0">
+                <a:solidFill>
+                  <a:srgbClr val="212121"/>
+                </a:solidFill>
+                <a:effectLst/>
+                <a:latin typeface="+mj-lt"/>
+              </a:rPr>
+              <a:t>сражениями.</a:t>
             </a:r>
           </a:p>
         </p:txBody>
@@ -12029,7 +12415,7 @@
           <p:cNvPr id="9" name="Picture 8">
             <a:extLst>
               <a:ext uri="{FF2B5EF4-FFF2-40B4-BE49-F238E27FC236}">
-                <a16:creationId xmlns:a16="http://schemas.microsoft.com/office/drawing/2014/main" id="{94F84295-D98B-E5F9-56CD-F8E31D7C72FD}"/>
+                <a16:creationId xmlns:a16="http://schemas.microsoft.com/office/drawing/2014/main" xmlns="" id="{94F84295-D98B-E5F9-56CD-F8E31D7C72FD}"/>
               </a:ext>
             </a:extLst>
           </p:cNvPr>
@@ -12059,7 +12445,7 @@
           <p:cNvPr id="11" name="Picture 10">
             <a:extLst>
               <a:ext uri="{FF2B5EF4-FFF2-40B4-BE49-F238E27FC236}">
-                <a16:creationId xmlns:a16="http://schemas.microsoft.com/office/drawing/2014/main" id="{A6133501-F19B-4D66-0CE0-5C59FD7D7F2F}"/>
+                <a16:creationId xmlns:a16="http://schemas.microsoft.com/office/drawing/2014/main" xmlns="" id="{A6133501-F19B-4D66-0CE0-5C59FD7D7F2F}"/>
               </a:ext>
             </a:extLst>
           </p:cNvPr>
@@ -12089,7 +12475,7 @@
           <p:cNvPr id="13" name="Picture 12">
             <a:extLst>
               <a:ext uri="{FF2B5EF4-FFF2-40B4-BE49-F238E27FC236}">
-                <a16:creationId xmlns:a16="http://schemas.microsoft.com/office/drawing/2014/main" id="{AACCA2C5-21AC-A66F-EB08-1909EF163E31}"/>
+                <a16:creationId xmlns:a16="http://schemas.microsoft.com/office/drawing/2014/main" xmlns="" id="{AACCA2C5-21AC-A66F-EB08-1909EF163E31}"/>
               </a:ext>
             </a:extLst>
           </p:cNvPr>
@@ -12119,7 +12505,7 @@
           <p:cNvPr id="15" name="Picture 14">
             <a:extLst>
               <a:ext uri="{FF2B5EF4-FFF2-40B4-BE49-F238E27FC236}">
-                <a16:creationId xmlns:a16="http://schemas.microsoft.com/office/drawing/2014/main" id="{2FBB00BC-43E4-5442-9A1D-C1120102EC0F}"/>
+                <a16:creationId xmlns:a16="http://schemas.microsoft.com/office/drawing/2014/main" xmlns="" id="{2FBB00BC-43E4-5442-9A1D-C1120102EC0F}"/>
               </a:ext>
             </a:extLst>
           </p:cNvPr>
@@ -12149,7 +12535,7 @@
           <p:cNvPr id="17" name="Picture 16">
             <a:extLst>
               <a:ext uri="{FF2B5EF4-FFF2-40B4-BE49-F238E27FC236}">
-                <a16:creationId xmlns:a16="http://schemas.microsoft.com/office/drawing/2014/main" id="{AEFFEEC4-EED6-CFB2-B071-6A93A003A368}"/>
+                <a16:creationId xmlns:a16="http://schemas.microsoft.com/office/drawing/2014/main" xmlns="" id="{AEFFEEC4-EED6-CFB2-B071-6A93A003A368}"/>
               </a:ext>
             </a:extLst>
           </p:cNvPr>
@@ -12179,7 +12565,7 @@
           <p:cNvPr id="19" name="Picture 18">
             <a:extLst>
               <a:ext uri="{FF2B5EF4-FFF2-40B4-BE49-F238E27FC236}">
-                <a16:creationId xmlns:a16="http://schemas.microsoft.com/office/drawing/2014/main" id="{992595FE-5E45-4231-EC02-4DEE530F21C7}"/>
+                <a16:creationId xmlns:a16="http://schemas.microsoft.com/office/drawing/2014/main" xmlns="" id="{992595FE-5E45-4231-EC02-4DEE530F21C7}"/>
               </a:ext>
             </a:extLst>
           </p:cNvPr>
@@ -12278,7 +12664,15 @@
             </a:pPr>
             <a:r>
               <a:rPr lang="ru" dirty="0"/>
-              <a:t>Дополнительный анализ данных – пустые значения</a:t>
+              <a:t>Дополнительный анализ </a:t>
+            </a:r>
+            <a:r>
+              <a:rPr lang="ru" dirty="0" smtClean="0"/>
+              <a:t>данных: Пустые </a:t>
+            </a:r>
+            <a:r>
+              <a:rPr lang="ru" dirty="0"/>
+              <a:t>значения</a:t>
             </a:r>
             <a:endParaRPr dirty="0"/>
           </a:p>
@@ -12366,7 +12760,7 @@
           <p:cNvPr id="5" name="Picture 4">
             <a:extLst>
               <a:ext uri="{FF2B5EF4-FFF2-40B4-BE49-F238E27FC236}">
-                <a16:creationId xmlns:a16="http://schemas.microsoft.com/office/drawing/2014/main" id="{D2683ABC-5D35-EB8E-7F7A-F37980A1C67C}"/>
+                <a16:creationId xmlns:a16="http://schemas.microsoft.com/office/drawing/2014/main" xmlns="" id="{D2683ABC-5D35-EB8E-7F7A-F37980A1C67C}"/>
               </a:ext>
             </a:extLst>
           </p:cNvPr>
@@ -12421,7 +12815,7 @@
           <p:cNvPr id="2" name="Title 1">
             <a:extLst>
               <a:ext uri="{FF2B5EF4-FFF2-40B4-BE49-F238E27FC236}">
-                <a16:creationId xmlns:a16="http://schemas.microsoft.com/office/drawing/2014/main" id="{C2DE77D9-7967-7B3C-F174-444FE38E82EE}"/>
+                <a16:creationId xmlns:a16="http://schemas.microsoft.com/office/drawing/2014/main" xmlns="" id="{C2DE77D9-7967-7B3C-F174-444FE38E82EE}"/>
               </a:ext>
             </a:extLst>
           </p:cNvPr>
@@ -12446,72 +12840,559 @@
           <a:p>
             <a:r>
               <a:rPr lang="ru" dirty="0"/>
-              <a:t>Заполнение пустых значений - гипотезы</a:t>
+              <a:t>Заполнение пустых </a:t>
+            </a:r>
+            <a:r>
+              <a:rPr lang="ru" dirty="0" smtClean="0"/>
+              <a:t>значений: </a:t>
+            </a:r>
+            <a:r>
+              <a:rPr lang="ru" dirty="0"/>
+              <a:t>Г</a:t>
+            </a:r>
+            <a:r>
+              <a:rPr lang="ru" dirty="0" smtClean="0"/>
+              <a:t>ипотезы</a:t>
             </a:r>
             <a:endParaRPr lang="en-US" dirty="0"/>
           </a:p>
         </p:txBody>
       </p:sp>
-      <p:pic>
-        <p:nvPicPr>
-          <p:cNvPr id="7" name="Picture 6">
-            <a:extLst>
-              <a:ext uri="{FF2B5EF4-FFF2-40B4-BE49-F238E27FC236}">
-                <a16:creationId xmlns:a16="http://schemas.microsoft.com/office/drawing/2014/main" id="{A9BBD300-0824-FFB3-C283-78CD723B5F45}"/>
-              </a:ext>
-            </a:extLst>
-          </p:cNvPr>
-          <p:cNvPicPr>
-            <a:picLocks noChangeAspect="1"/>
-          </p:cNvPicPr>
-          <p:nvPr/>
-        </p:nvPicPr>
-        <p:blipFill>
-          <a:blip r:embed="rId2"/>
-          <a:stretch>
-            <a:fillRect/>
-          </a:stretch>
-        </p:blipFill>
+      <p:sp>
+        <p:nvSpPr>
+          <p:cNvPr id="8" name="Google Shape;92;p19"/>
+          <p:cNvSpPr txBox="1">
+            <a:spLocks noGrp="1"/>
+          </p:cNvSpPr>
+          <p:nvPr>
+            <p:ph type="body" idx="1"/>
+          </p:nvPr>
+        </p:nvSpPr>
         <p:spPr>
           <a:xfrm>
-            <a:off x="2332074" y="619208"/>
-            <a:ext cx="4352260" cy="2649202"/>
+            <a:off x="2132773" y="559864"/>
+            <a:ext cx="5493712" cy="2630808"/>
           </a:xfrm>
           <a:prstGeom prst="rect">
             <a:avLst/>
           </a:prstGeom>
+          <a:noFill/>
+          <a:ln>
+            <a:noFill/>
+          </a:ln>
         </p:spPr>
-      </p:pic>
-      <p:pic>
-        <p:nvPicPr>
-          <p:cNvPr id="9" name="Picture 8">
-            <a:extLst>
-              <a:ext uri="{FF2B5EF4-FFF2-40B4-BE49-F238E27FC236}">
-                <a16:creationId xmlns:a16="http://schemas.microsoft.com/office/drawing/2014/main" id="{AE0B6F7B-8C17-3EB9-5082-2D8ED484747F}"/>
-              </a:ext>
-            </a:extLst>
-          </p:cNvPr>
-          <p:cNvPicPr>
-            <a:picLocks noChangeAspect="1"/>
-          </p:cNvPicPr>
+        <p:txBody>
+          <a:bodyPr spcFirstLastPara="1" wrap="square" lIns="91425" tIns="91425" rIns="91425" bIns="91425" anchor="t" anchorCtr="0">
+            <a:normAutofit fontScale="85000" lnSpcReduction="20000"/>
+          </a:bodyPr>
+          <a:lstStyle/>
+          <a:p>
+            <a:pPr marL="342900" lvl="0" algn="just" rtl="0">
+              <a:lnSpc>
+                <a:spcPct val="115000"/>
+              </a:lnSpc>
+              <a:spcBef>
+                <a:spcPts val="0"/>
+              </a:spcBef>
+              <a:spcAft>
+                <a:spcPts val="600"/>
+              </a:spcAft>
+              <a:buSzPts val="1800"/>
+              <a:buAutoNum type="arabicPeriod"/>
+            </a:pPr>
+            <a:r>
+              <a:rPr lang="ru-RU" dirty="0" smtClean="0"/>
+              <a:t>Отбросить пустые значения</a:t>
+            </a:r>
+          </a:p>
+          <a:p>
+            <a:pPr marL="342900" lvl="0" algn="just" rtl="0">
+              <a:lnSpc>
+                <a:spcPct val="115000"/>
+              </a:lnSpc>
+              <a:spcBef>
+                <a:spcPts val="0"/>
+              </a:spcBef>
+              <a:spcAft>
+                <a:spcPts val="600"/>
+              </a:spcAft>
+              <a:buSzPts val="1800"/>
+              <a:buAutoNum type="arabicPeriod"/>
+            </a:pPr>
+            <a:r>
+              <a:rPr lang="ru-RU" dirty="0" smtClean="0"/>
+              <a:t>Заполнить средним по столбцу</a:t>
+            </a:r>
+          </a:p>
+          <a:p>
+            <a:pPr marL="342900" lvl="0" algn="just" rtl="0">
+              <a:lnSpc>
+                <a:spcPct val="115000"/>
+              </a:lnSpc>
+              <a:spcBef>
+                <a:spcPts val="0"/>
+              </a:spcBef>
+              <a:spcAft>
+                <a:spcPts val="600"/>
+              </a:spcAft>
+              <a:buSzPts val="1800"/>
+              <a:buAutoNum type="arabicPeriod"/>
+            </a:pPr>
+            <a:r>
+              <a:rPr lang="ru-RU" dirty="0" smtClean="0"/>
+              <a:t>Заполнить средним по году</a:t>
+            </a:r>
+          </a:p>
+          <a:p>
+            <a:pPr marL="342900" lvl="0" algn="just" rtl="0">
+              <a:lnSpc>
+                <a:spcPct val="115000"/>
+              </a:lnSpc>
+              <a:spcBef>
+                <a:spcPts val="0"/>
+              </a:spcBef>
+              <a:spcAft>
+                <a:spcPts val="600"/>
+              </a:spcAft>
+              <a:buSzPts val="1800"/>
+              <a:buAutoNum type="arabicPeriod"/>
+            </a:pPr>
+            <a:r>
+              <a:rPr lang="ru-RU" dirty="0" smtClean="0"/>
+              <a:t>Заполнить в пределах 1 </a:t>
+            </a:r>
+            <a:r>
+              <a:rPr lang="en-US" dirty="0" smtClean="0"/>
+              <a:t>STD</a:t>
+            </a:r>
+          </a:p>
+          <a:p>
+            <a:pPr marL="342900" lvl="0" algn="just" rtl="0">
+              <a:lnSpc>
+                <a:spcPct val="115000"/>
+              </a:lnSpc>
+              <a:spcBef>
+                <a:spcPts val="0"/>
+              </a:spcBef>
+              <a:spcAft>
+                <a:spcPts val="600"/>
+              </a:spcAft>
+              <a:buSzPts val="1800"/>
+              <a:buAutoNum type="arabicPeriod"/>
+            </a:pPr>
+            <a:r>
+              <a:rPr lang="ru-RU" dirty="0" smtClean="0"/>
+              <a:t>Заполнить в пределах </a:t>
+            </a:r>
+            <a:r>
+              <a:rPr lang="en-US" dirty="0" smtClean="0"/>
+              <a:t>IQR * 1.5</a:t>
+            </a:r>
+          </a:p>
+          <a:p>
+            <a:pPr marL="342900" lvl="0" algn="just" rtl="0">
+              <a:lnSpc>
+                <a:spcPct val="115000"/>
+              </a:lnSpc>
+              <a:spcBef>
+                <a:spcPts val="0"/>
+              </a:spcBef>
+              <a:spcAft>
+                <a:spcPts val="600"/>
+              </a:spcAft>
+              <a:buSzPts val="1800"/>
+              <a:buAutoNum type="arabicPeriod"/>
+            </a:pPr>
+            <a:r>
+              <a:rPr lang="ru-RU" dirty="0" smtClean="0"/>
+              <a:t>Заполнить, используя центр кластеров </a:t>
+            </a:r>
+            <a:r>
+              <a:rPr lang="en-US" dirty="0" err="1" smtClean="0"/>
+              <a:t>kmeans</a:t>
+            </a:r>
+            <a:endParaRPr lang="en-US" dirty="0" smtClean="0"/>
+          </a:p>
+          <a:p>
+            <a:pPr marL="342900" lvl="0" algn="just" rtl="0">
+              <a:lnSpc>
+                <a:spcPct val="115000"/>
+              </a:lnSpc>
+              <a:spcBef>
+                <a:spcPts val="0"/>
+              </a:spcBef>
+              <a:spcAft>
+                <a:spcPts val="600"/>
+              </a:spcAft>
+              <a:buSzPts val="1800"/>
+              <a:buAutoNum type="arabicPeriod"/>
+            </a:pPr>
+            <a:r>
+              <a:rPr lang="ru-RU" dirty="0" smtClean="0"/>
+              <a:t>Заполнить, используя </a:t>
+            </a:r>
+            <a:r>
+              <a:rPr lang="en-US" dirty="0" smtClean="0"/>
+              <a:t>k-nearest neighbors</a:t>
+            </a:r>
+          </a:p>
+          <a:p>
+            <a:pPr marL="342900" lvl="0" algn="just" rtl="0">
+              <a:lnSpc>
+                <a:spcPct val="115000"/>
+              </a:lnSpc>
+              <a:spcBef>
+                <a:spcPts val="0"/>
+              </a:spcBef>
+              <a:spcAft>
+                <a:spcPts val="600"/>
+              </a:spcAft>
+              <a:buSzPts val="1800"/>
+              <a:buAutoNum type="arabicPeriod"/>
+            </a:pPr>
+            <a:r>
+              <a:rPr lang="ru-RU" dirty="0" smtClean="0"/>
+              <a:t>Заполнить, используя линейную регрессию</a:t>
+            </a:r>
+            <a:endParaRPr lang="ru-RU" dirty="0"/>
+          </a:p>
+        </p:txBody>
+      </p:sp>
+      <p:sp>
+        <p:nvSpPr>
+          <p:cNvPr id="10" name="Google Shape;92;p19"/>
+          <p:cNvSpPr txBox="1">
+            <a:spLocks/>
+          </p:cNvSpPr>
           <p:nvPr/>
-        </p:nvPicPr>
-        <p:blipFill>
-          <a:blip r:embed="rId3"/>
-          <a:stretch>
-            <a:fillRect/>
-          </a:stretch>
-        </p:blipFill>
+        </p:nvSpPr>
         <p:spPr>
           <a:xfrm>
-            <a:off x="0" y="3416627"/>
-            <a:ext cx="9144000" cy="1711367"/>
+            <a:off x="0" y="2885896"/>
+            <a:ext cx="9144000" cy="2470802"/>
           </a:xfrm>
           <a:prstGeom prst="rect">
             <a:avLst/>
           </a:prstGeom>
+          <a:noFill/>
+          <a:ln>
+            <a:noFill/>
+          </a:ln>
         </p:spPr>
-      </p:pic>
+        <p:txBody>
+          <a:bodyPr spcFirstLastPara="1" wrap="square" lIns="91425" tIns="91425" rIns="91425" bIns="91425" anchor="t" anchorCtr="0">
+            <a:normAutofit fontScale="85000" lnSpcReduction="20000"/>
+          </a:bodyPr>
+          <a:lstStyle>
+            <a:defPPr marR="0" lvl="0" algn="l" rtl="0">
+              <a:lnSpc>
+                <a:spcPct val="100000"/>
+              </a:lnSpc>
+              <a:spcBef>
+                <a:spcPts val="0"/>
+              </a:spcBef>
+              <a:spcAft>
+                <a:spcPts val="0"/>
+              </a:spcAft>
+            </a:defPPr>
+            <a:lvl1pPr marL="457200" marR="0" lvl="0" indent="-342900" algn="l" rtl="0">
+              <a:lnSpc>
+                <a:spcPct val="115000"/>
+              </a:lnSpc>
+              <a:spcBef>
+                <a:spcPts val="0"/>
+              </a:spcBef>
+              <a:spcAft>
+                <a:spcPts val="0"/>
+              </a:spcAft>
+              <a:buClr>
+                <a:schemeClr val="dk2"/>
+              </a:buClr>
+              <a:buSzPts val="1800"/>
+              <a:buFont typeface="Arial"/>
+              <a:buChar char="●"/>
+              <a:defRPr sz="1800" b="0" i="0" u="none" strike="noStrike" cap="none">
+                <a:solidFill>
+                  <a:schemeClr val="dk2"/>
+                </a:solidFill>
+                <a:latin typeface="Arial"/>
+                <a:ea typeface="Arial"/>
+                <a:cs typeface="Arial"/>
+                <a:sym typeface="Arial"/>
+              </a:defRPr>
+            </a:lvl1pPr>
+            <a:lvl2pPr marL="914400" marR="0" lvl="1" indent="-317500" algn="l" rtl="0">
+              <a:lnSpc>
+                <a:spcPct val="115000"/>
+              </a:lnSpc>
+              <a:spcBef>
+                <a:spcPts val="0"/>
+              </a:spcBef>
+              <a:spcAft>
+                <a:spcPts val="0"/>
+              </a:spcAft>
+              <a:buClr>
+                <a:schemeClr val="dk2"/>
+              </a:buClr>
+              <a:buSzPts val="1400"/>
+              <a:buFont typeface="Arial"/>
+              <a:buChar char="○"/>
+              <a:defRPr sz="1400" b="0" i="0" u="none" strike="noStrike" cap="none">
+                <a:solidFill>
+                  <a:schemeClr val="dk2"/>
+                </a:solidFill>
+                <a:latin typeface="Arial"/>
+                <a:ea typeface="Arial"/>
+                <a:cs typeface="Arial"/>
+                <a:sym typeface="Arial"/>
+              </a:defRPr>
+            </a:lvl2pPr>
+            <a:lvl3pPr marL="1371600" marR="0" lvl="2" indent="-317500" algn="l" rtl="0">
+              <a:lnSpc>
+                <a:spcPct val="115000"/>
+              </a:lnSpc>
+              <a:spcBef>
+                <a:spcPts val="0"/>
+              </a:spcBef>
+              <a:spcAft>
+                <a:spcPts val="0"/>
+              </a:spcAft>
+              <a:buClr>
+                <a:schemeClr val="dk2"/>
+              </a:buClr>
+              <a:buSzPts val="1400"/>
+              <a:buFont typeface="Arial"/>
+              <a:buChar char="■"/>
+              <a:defRPr sz="1400" b="0" i="0" u="none" strike="noStrike" cap="none">
+                <a:solidFill>
+                  <a:schemeClr val="dk2"/>
+                </a:solidFill>
+                <a:latin typeface="Arial"/>
+                <a:ea typeface="Arial"/>
+                <a:cs typeface="Arial"/>
+                <a:sym typeface="Arial"/>
+              </a:defRPr>
+            </a:lvl3pPr>
+            <a:lvl4pPr marL="1828800" marR="0" lvl="3" indent="-317500" algn="l" rtl="0">
+              <a:lnSpc>
+                <a:spcPct val="115000"/>
+              </a:lnSpc>
+              <a:spcBef>
+                <a:spcPts val="0"/>
+              </a:spcBef>
+              <a:spcAft>
+                <a:spcPts val="0"/>
+              </a:spcAft>
+              <a:buClr>
+                <a:schemeClr val="dk2"/>
+              </a:buClr>
+              <a:buSzPts val="1400"/>
+              <a:buFont typeface="Arial"/>
+              <a:buChar char="●"/>
+              <a:defRPr sz="1400" b="0" i="0" u="none" strike="noStrike" cap="none">
+                <a:solidFill>
+                  <a:schemeClr val="dk2"/>
+                </a:solidFill>
+                <a:latin typeface="Arial"/>
+                <a:ea typeface="Arial"/>
+                <a:cs typeface="Arial"/>
+                <a:sym typeface="Arial"/>
+              </a:defRPr>
+            </a:lvl4pPr>
+            <a:lvl5pPr marL="2286000" marR="0" lvl="4" indent="-317500" algn="l" rtl="0">
+              <a:lnSpc>
+                <a:spcPct val="115000"/>
+              </a:lnSpc>
+              <a:spcBef>
+                <a:spcPts val="0"/>
+              </a:spcBef>
+              <a:spcAft>
+                <a:spcPts val="0"/>
+              </a:spcAft>
+              <a:buClr>
+                <a:schemeClr val="dk2"/>
+              </a:buClr>
+              <a:buSzPts val="1400"/>
+              <a:buFont typeface="Arial"/>
+              <a:buChar char="○"/>
+              <a:defRPr sz="1400" b="0" i="0" u="none" strike="noStrike" cap="none">
+                <a:solidFill>
+                  <a:schemeClr val="dk2"/>
+                </a:solidFill>
+                <a:latin typeface="Arial"/>
+                <a:ea typeface="Arial"/>
+                <a:cs typeface="Arial"/>
+                <a:sym typeface="Arial"/>
+              </a:defRPr>
+            </a:lvl5pPr>
+            <a:lvl6pPr marL="2743200" marR="0" lvl="5" indent="-317500" algn="l" rtl="0">
+              <a:lnSpc>
+                <a:spcPct val="115000"/>
+              </a:lnSpc>
+              <a:spcBef>
+                <a:spcPts val="0"/>
+              </a:spcBef>
+              <a:spcAft>
+                <a:spcPts val="0"/>
+              </a:spcAft>
+              <a:buClr>
+                <a:schemeClr val="dk2"/>
+              </a:buClr>
+              <a:buSzPts val="1400"/>
+              <a:buFont typeface="Arial"/>
+              <a:buChar char="■"/>
+              <a:defRPr sz="1400" b="0" i="0" u="none" strike="noStrike" cap="none">
+                <a:solidFill>
+                  <a:schemeClr val="dk2"/>
+                </a:solidFill>
+                <a:latin typeface="Arial"/>
+                <a:ea typeface="Arial"/>
+                <a:cs typeface="Arial"/>
+                <a:sym typeface="Arial"/>
+              </a:defRPr>
+            </a:lvl6pPr>
+            <a:lvl7pPr marL="3200400" marR="0" lvl="6" indent="-317500" algn="l" rtl="0">
+              <a:lnSpc>
+                <a:spcPct val="115000"/>
+              </a:lnSpc>
+              <a:spcBef>
+                <a:spcPts val="0"/>
+              </a:spcBef>
+              <a:spcAft>
+                <a:spcPts val="0"/>
+              </a:spcAft>
+              <a:buClr>
+                <a:schemeClr val="dk2"/>
+              </a:buClr>
+              <a:buSzPts val="1400"/>
+              <a:buFont typeface="Arial"/>
+              <a:buChar char="●"/>
+              <a:defRPr sz="1400" b="0" i="0" u="none" strike="noStrike" cap="none">
+                <a:solidFill>
+                  <a:schemeClr val="dk2"/>
+                </a:solidFill>
+                <a:latin typeface="Arial"/>
+                <a:ea typeface="Arial"/>
+                <a:cs typeface="Arial"/>
+                <a:sym typeface="Arial"/>
+              </a:defRPr>
+            </a:lvl7pPr>
+            <a:lvl8pPr marL="3657600" marR="0" lvl="7" indent="-317500" algn="l" rtl="0">
+              <a:lnSpc>
+                <a:spcPct val="115000"/>
+              </a:lnSpc>
+              <a:spcBef>
+                <a:spcPts val="0"/>
+              </a:spcBef>
+              <a:spcAft>
+                <a:spcPts val="0"/>
+              </a:spcAft>
+              <a:buClr>
+                <a:schemeClr val="dk2"/>
+              </a:buClr>
+              <a:buSzPts val="1400"/>
+              <a:buFont typeface="Arial"/>
+              <a:buChar char="○"/>
+              <a:defRPr sz="1400" b="0" i="0" u="none" strike="noStrike" cap="none">
+                <a:solidFill>
+                  <a:schemeClr val="dk2"/>
+                </a:solidFill>
+                <a:latin typeface="Arial"/>
+                <a:ea typeface="Arial"/>
+                <a:cs typeface="Arial"/>
+                <a:sym typeface="Arial"/>
+              </a:defRPr>
+            </a:lvl8pPr>
+            <a:lvl9pPr marL="4114800" marR="0" lvl="8" indent="-317500" algn="l" rtl="0">
+              <a:lnSpc>
+                <a:spcPct val="115000"/>
+              </a:lnSpc>
+              <a:spcBef>
+                <a:spcPts val="0"/>
+              </a:spcBef>
+              <a:spcAft>
+                <a:spcPts val="0"/>
+              </a:spcAft>
+              <a:buClr>
+                <a:schemeClr val="dk2"/>
+              </a:buClr>
+              <a:buSzPts val="1400"/>
+              <a:buFont typeface="Arial"/>
+              <a:buChar char="■"/>
+              <a:defRPr sz="1400" b="0" i="0" u="none" strike="noStrike" cap="none">
+                <a:solidFill>
+                  <a:schemeClr val="dk2"/>
+                </a:solidFill>
+                <a:latin typeface="Arial"/>
+                <a:ea typeface="Arial"/>
+                <a:cs typeface="Arial"/>
+                <a:sym typeface="Arial"/>
+              </a:defRPr>
+            </a:lvl9pPr>
+          </a:lstStyle>
+          <a:p>
+            <a:pPr marL="0" indent="0" algn="just">
+              <a:spcAft>
+                <a:spcPts val="1200"/>
+              </a:spcAft>
+              <a:buNone/>
+            </a:pPr>
+            <a:r>
+              <a:rPr lang="ru-RU" b="1" dirty="0" smtClean="0"/>
+              <a:t>Отдельно</a:t>
+            </a:r>
+            <a:r>
+              <a:rPr lang="ru-RU" dirty="0" smtClean="0"/>
+              <a:t> хотелось бы обратить внимание, что заполнение пустых ячеек в колонке рейтинга зрителей может быть бессмысленной работой, поскольку наличествующие у нас данные, а именно, год выпуска, возрастной рейтинг и его числовая интерпретация недостаточны для того, чтобы верно оценить шоу.</a:t>
+            </a:r>
+          </a:p>
+          <a:p>
+            <a:pPr marL="0" indent="0" algn="just">
+              <a:spcAft>
+                <a:spcPts val="1200"/>
+              </a:spcAft>
+              <a:buNone/>
+            </a:pPr>
+            <a:r>
+              <a:rPr lang="ru-RU" b="1" dirty="0" smtClean="0"/>
+              <a:t>Например</a:t>
+            </a:r>
+            <a:r>
+              <a:rPr lang="ru-RU" dirty="0" smtClean="0"/>
+              <a:t>, тот факт, что шоу вышло в год, когда было много успешных шоу с рейтингом, не означает, что данное шоу будет успешным.</a:t>
+            </a:r>
+          </a:p>
+          <a:p>
+            <a:pPr marL="0" indent="0" algn="just">
+              <a:spcAft>
+                <a:spcPts val="1200"/>
+              </a:spcAft>
+              <a:buNone/>
+            </a:pPr>
+            <a:r>
+              <a:rPr lang="ru-RU" dirty="0" smtClean="0"/>
+              <a:t>Помимо всего прочего, сам факт отсутствия </a:t>
+            </a:r>
+            <a:r>
+              <a:rPr lang="ru-RU" dirty="0" err="1" smtClean="0"/>
+              <a:t>рейтинка</a:t>
+            </a:r>
+            <a:r>
+              <a:rPr lang="ru-RU" dirty="0" smtClean="0"/>
+              <a:t> – как зрителей, так и возрастного, - </a:t>
+            </a:r>
+            <a:r>
+              <a:rPr lang="ru-RU" i="1" dirty="0" smtClean="0"/>
+              <a:t>может</a:t>
+            </a:r>
+            <a:r>
+              <a:rPr lang="ru-RU" dirty="0" smtClean="0"/>
+              <a:t> говорить о том, что шоу мало кому интересно (если речь не идет о самых новых шоу).</a:t>
+            </a:r>
+            <a:endParaRPr lang="ru-RU" dirty="0"/>
+          </a:p>
+        </p:txBody>
+      </p:sp>
     </p:spTree>
     <p:extLst>
       <p:ext uri="{BB962C8B-B14F-4D97-AF65-F5344CB8AC3E}">
@@ -12547,7 +13428,7 @@
           <p:cNvPr id="2" name="Title 1">
             <a:extLst>
               <a:ext uri="{FF2B5EF4-FFF2-40B4-BE49-F238E27FC236}">
-                <a16:creationId xmlns:a16="http://schemas.microsoft.com/office/drawing/2014/main" id="{A439441D-A9C9-3B3D-A854-A3A91EA56E4F}"/>
+                <a16:creationId xmlns:a16="http://schemas.microsoft.com/office/drawing/2014/main" xmlns="" id="{A439441D-A9C9-3B3D-A854-A3A91EA56E4F}"/>
               </a:ext>
             </a:extLst>
           </p:cNvPr>
@@ -12583,7 +13464,7 @@
           <p:cNvPr id="3" name="Text Placeholder 2">
             <a:extLst>
               <a:ext uri="{FF2B5EF4-FFF2-40B4-BE49-F238E27FC236}">
-                <a16:creationId xmlns:a16="http://schemas.microsoft.com/office/drawing/2014/main" id="{DA8032A0-A432-02E6-DBDB-AE131A8EF049}"/>
+                <a16:creationId xmlns:a16="http://schemas.microsoft.com/office/drawing/2014/main" xmlns="" id="{DA8032A0-A432-02E6-DBDB-AE131A8EF049}"/>
               </a:ext>
             </a:extLst>
           </p:cNvPr>
@@ -12617,7 +13498,47 @@
                 <a:effectLst/>
                 <a:latin typeface="Roboto"/>
               </a:rPr>
-              <a:t>Как видим, пусть и количество данных значительно сократилось, на графиках это выглядит вполне неплохо.</a:t>
+              <a:t>Как видим, пусть </a:t>
+            </a:r>
+            <a:r>
+              <a:rPr lang="ru-RU" b="0" i="0" dirty="0" smtClean="0">
+                <a:solidFill>
+                  <a:srgbClr val="212121"/>
+                </a:solidFill>
+                <a:effectLst/>
+                <a:latin typeface="Roboto"/>
+              </a:rPr>
+              <a:t>количество </a:t>
+            </a:r>
+            <a:r>
+              <a:rPr lang="ru-RU" b="0" i="0" dirty="0">
+                <a:solidFill>
+                  <a:srgbClr val="212121"/>
+                </a:solidFill>
+                <a:effectLst/>
+                <a:latin typeface="Roboto"/>
+              </a:rPr>
+              <a:t>данных </a:t>
+            </a:r>
+            <a:r>
+              <a:rPr lang="ru-RU" b="0" i="0" dirty="0" smtClean="0">
+                <a:solidFill>
+                  <a:srgbClr val="212121"/>
+                </a:solidFill>
+                <a:effectLst/>
+                <a:latin typeface="Roboto"/>
+              </a:rPr>
+              <a:t>и значительно </a:t>
+            </a:r>
+            <a:r>
+              <a:rPr lang="ru-RU" b="0" i="0" dirty="0">
+                <a:solidFill>
+                  <a:srgbClr val="212121"/>
+                </a:solidFill>
+                <a:effectLst/>
+                <a:latin typeface="Roboto"/>
+              </a:rPr>
+              <a:t>сократилось, на графиках это выглядит вполне неплохо.</a:t>
             </a:r>
           </a:p>
           <a:p>
@@ -12654,7 +13575,26 @@
                 <a:effectLst/>
                 <a:latin typeface="Roboto"/>
               </a:rPr>
-              <a:t>: Вариант “</a:t>
+              <a:t>: Вариант </a:t>
+            </a:r>
+            <a:r>
+              <a:rPr lang="ru-RU" b="0" i="0" dirty="0" smtClean="0">
+                <a:solidFill>
+                  <a:srgbClr val="212121"/>
+                </a:solidFill>
+                <a:effectLst/>
+                <a:latin typeface="Roboto"/>
+              </a:rPr>
+              <a:t>«</a:t>
+            </a:r>
+            <a:r>
+              <a:rPr lang="ru-RU" dirty="0" smtClean="0">
+                <a:solidFill>
+                  <a:srgbClr val="212121"/>
+                </a:solidFill>
+                <a:latin typeface="Roboto"/>
+              </a:rPr>
+              <a:t>отбросить </a:t>
             </a:r>
             <a:r>
               <a:rPr lang="ru-RU" dirty="0">
@@ -12663,7 +13603,7 @@
                 </a:solidFill>
                 <a:latin typeface="Roboto"/>
               </a:rPr>
-              <a:t>отбросить пустые</a:t>
+              <a:t>пустые</a:t>
             </a:r>
             <a:r>
               <a:rPr lang="ru-RU" b="0" i="0" dirty="0">
@@ -12673,7 +13613,27 @@
                 <a:effectLst/>
                 <a:latin typeface="Roboto"/>
               </a:rPr>
-              <a:t> значения" имеет смысл.</a:t>
+              <a:t> </a:t>
+            </a:r>
+            <a:r>
+              <a:rPr lang="ru-RU" b="0" i="0" dirty="0" smtClean="0">
+                <a:solidFill>
+                  <a:srgbClr val="212121"/>
+                </a:solidFill>
+                <a:effectLst/>
+                <a:latin typeface="Roboto"/>
+              </a:rPr>
+              <a:t>значения» </a:t>
+            </a:r>
+            <a:r>
+              <a:rPr lang="ru-RU" b="0" i="0" dirty="0">
+                <a:solidFill>
+                  <a:srgbClr val="212121"/>
+                </a:solidFill>
+                <a:effectLst/>
+                <a:latin typeface="Roboto"/>
+              </a:rPr>
+              <a:t>имеет смысл.</a:t>
             </a:r>
           </a:p>
           <a:p>
@@ -12689,7 +13649,7 @@
           <p:cNvPr id="5" name="Picture 4">
             <a:extLst>
               <a:ext uri="{FF2B5EF4-FFF2-40B4-BE49-F238E27FC236}">
-                <a16:creationId xmlns:a16="http://schemas.microsoft.com/office/drawing/2014/main" id="{32FDB23A-938E-4778-99DE-95E664238C5D}"/>
+                <a16:creationId xmlns:a16="http://schemas.microsoft.com/office/drawing/2014/main" xmlns="" id="{32FDB23A-938E-4778-99DE-95E664238C5D}"/>
               </a:ext>
             </a:extLst>
           </p:cNvPr>
@@ -12719,7 +13679,7 @@
           <p:cNvPr id="7" name="Picture 6">
             <a:extLst>
               <a:ext uri="{FF2B5EF4-FFF2-40B4-BE49-F238E27FC236}">
-                <a16:creationId xmlns:a16="http://schemas.microsoft.com/office/drawing/2014/main" id="{B50BD784-F0C4-026E-D00D-15867ACA94F1}"/>
+                <a16:creationId xmlns:a16="http://schemas.microsoft.com/office/drawing/2014/main" xmlns="" id="{B50BD784-F0C4-026E-D00D-15867ACA94F1}"/>
               </a:ext>
             </a:extLst>
           </p:cNvPr>
@@ -12749,7 +13709,7 @@
           <p:cNvPr id="9" name="Picture 8">
             <a:extLst>
               <a:ext uri="{FF2B5EF4-FFF2-40B4-BE49-F238E27FC236}">
-                <a16:creationId xmlns:a16="http://schemas.microsoft.com/office/drawing/2014/main" id="{1B35381C-2FA6-BB26-B768-F0BFB856EDF0}"/>
+                <a16:creationId xmlns:a16="http://schemas.microsoft.com/office/drawing/2014/main" xmlns="" id="{1B35381C-2FA6-BB26-B768-F0BFB856EDF0}"/>
               </a:ext>
             </a:extLst>
           </p:cNvPr>
@@ -13050,7 +14010,7 @@
           <p:cNvPr id="2" name="Title 1">
             <a:extLst>
               <a:ext uri="{FF2B5EF4-FFF2-40B4-BE49-F238E27FC236}">
-                <a16:creationId xmlns:a16="http://schemas.microsoft.com/office/drawing/2014/main" id="{3BCBADDA-99C5-595E-8C60-4D7AAD010C83}"/>
+                <a16:creationId xmlns:a16="http://schemas.microsoft.com/office/drawing/2014/main" xmlns="" id="{3BCBADDA-99C5-595E-8C60-4D7AAD010C83}"/>
               </a:ext>
             </a:extLst>
           </p:cNvPr>
@@ -13086,7 +14046,7 @@
           <p:cNvPr id="3" name="Text Placeholder 2">
             <a:extLst>
               <a:ext uri="{FF2B5EF4-FFF2-40B4-BE49-F238E27FC236}">
-                <a16:creationId xmlns:a16="http://schemas.microsoft.com/office/drawing/2014/main" id="{426FD8A0-CD1D-5260-207C-5BA0AFE14516}"/>
+                <a16:creationId xmlns:a16="http://schemas.microsoft.com/office/drawing/2014/main" xmlns="" id="{426FD8A0-CD1D-5260-207C-5BA0AFE14516}"/>
               </a:ext>
             </a:extLst>
           </p:cNvPr>
@@ -13157,8 +14117,45 @@
                 <a:effectLst/>
                 <a:latin typeface="Roboto"/>
               </a:rPr>
-              <a:t>: Вариант с заменой пропущенных значений на среднее по столбцу - не лучшая идея</a:t>
-            </a:r>
+              <a:t>: Вариант с заменой пропущенных значений на среднее по столбцу </a:t>
+            </a:r>
+            <a:r>
+              <a:rPr lang="ru-RU" b="0" i="0" dirty="0" smtClean="0">
+                <a:solidFill>
+                  <a:srgbClr val="212121"/>
+                </a:solidFill>
+                <a:effectLst/>
+                <a:latin typeface="Roboto"/>
+              </a:rPr>
+              <a:t>– не </a:t>
+            </a:r>
+            <a:r>
+              <a:rPr lang="ru-RU" b="0" i="0" dirty="0">
+                <a:solidFill>
+                  <a:srgbClr val="212121"/>
+                </a:solidFill>
+                <a:effectLst/>
+                <a:latin typeface="Roboto"/>
+              </a:rPr>
+              <a:t>лучшая </a:t>
+            </a:r>
+            <a:r>
+              <a:rPr lang="ru-RU" b="0" i="0" dirty="0" smtClean="0">
+                <a:solidFill>
+                  <a:srgbClr val="212121"/>
+                </a:solidFill>
+                <a:effectLst/>
+                <a:latin typeface="Roboto"/>
+              </a:rPr>
+              <a:t>идея.</a:t>
+            </a:r>
+            <a:endParaRPr lang="ru-RU" b="0" i="0" dirty="0">
+              <a:solidFill>
+                <a:srgbClr val="212121"/>
+              </a:solidFill>
+              <a:effectLst/>
+              <a:latin typeface="Roboto"/>
+            </a:endParaRPr>
           </a:p>
           <a:p>
             <a:pPr algn="just"/>
@@ -13171,7 +14168,7 @@
           <p:cNvPr id="5" name="Picture 4">
             <a:extLst>
               <a:ext uri="{FF2B5EF4-FFF2-40B4-BE49-F238E27FC236}">
-                <a16:creationId xmlns:a16="http://schemas.microsoft.com/office/drawing/2014/main" id="{0379F902-33DC-3CD6-8AF9-4A2BF08F81EB}"/>
+                <a16:creationId xmlns:a16="http://schemas.microsoft.com/office/drawing/2014/main" xmlns="" id="{0379F902-33DC-3CD6-8AF9-4A2BF08F81EB}"/>
               </a:ext>
             </a:extLst>
           </p:cNvPr>
@@ -13201,7 +14198,7 @@
           <p:cNvPr id="7" name="Picture 6">
             <a:extLst>
               <a:ext uri="{FF2B5EF4-FFF2-40B4-BE49-F238E27FC236}">
-                <a16:creationId xmlns:a16="http://schemas.microsoft.com/office/drawing/2014/main" id="{7115E348-9E0D-253C-1AFA-2AAAC742B73C}"/>
+                <a16:creationId xmlns:a16="http://schemas.microsoft.com/office/drawing/2014/main" xmlns="" id="{7115E348-9E0D-253C-1AFA-2AAAC742B73C}"/>
               </a:ext>
             </a:extLst>
           </p:cNvPr>
@@ -13231,7 +14228,7 @@
           <p:cNvPr id="9" name="Picture 8">
             <a:extLst>
               <a:ext uri="{FF2B5EF4-FFF2-40B4-BE49-F238E27FC236}">
-                <a16:creationId xmlns:a16="http://schemas.microsoft.com/office/drawing/2014/main" id="{AB4265FE-BC3E-FB81-F098-5EDBE9A5DE93}"/>
+                <a16:creationId xmlns:a16="http://schemas.microsoft.com/office/drawing/2014/main" xmlns="" id="{AB4265FE-BC3E-FB81-F098-5EDBE9A5DE93}"/>
               </a:ext>
             </a:extLst>
           </p:cNvPr>
@@ -13291,7 +14288,7 @@
           <p:cNvPr id="2" name="Title 1">
             <a:extLst>
               <a:ext uri="{FF2B5EF4-FFF2-40B4-BE49-F238E27FC236}">
-                <a16:creationId xmlns:a16="http://schemas.microsoft.com/office/drawing/2014/main" id="{FDB34FE8-F8D7-029A-55FA-5F634A1CCDF9}"/>
+                <a16:creationId xmlns:a16="http://schemas.microsoft.com/office/drawing/2014/main" xmlns="" id="{FDB34FE8-F8D7-029A-55FA-5F634A1CCDF9}"/>
               </a:ext>
             </a:extLst>
           </p:cNvPr>
@@ -13330,7 +14327,7 @@
           <p:cNvPr id="3" name="Text Placeholder 2">
             <a:extLst>
               <a:ext uri="{FF2B5EF4-FFF2-40B4-BE49-F238E27FC236}">
-                <a16:creationId xmlns:a16="http://schemas.microsoft.com/office/drawing/2014/main" id="{0113F6B6-0378-C5CB-7BE1-F6A9FEC3AB1A}"/>
+                <a16:creationId xmlns:a16="http://schemas.microsoft.com/office/drawing/2014/main" xmlns="" id="{0113F6B6-0378-C5CB-7BE1-F6A9FEC3AB1A}"/>
               </a:ext>
             </a:extLst>
           </p:cNvPr>
@@ -13364,19 +14361,87 @@
                 <a:effectLst/>
                 <a:latin typeface="Roboto"/>
               </a:rPr>
-              <a:t>Как видим теперь значения распределены более равномерно, использовалась </a:t>
-            </a:r>
-            <a:r>
-              <a:rPr lang="ru-RU" b="0" i="0" dirty="0" err="1">
+              <a:t>Как </a:t>
+            </a:r>
+            <a:r>
+              <a:rPr lang="ru-RU" b="0" i="0" dirty="0" smtClean="0">
                 <a:solidFill>
                   <a:srgbClr val="212121"/>
                 </a:solidFill>
                 <a:effectLst/>
                 <a:latin typeface="Roboto"/>
               </a:rPr>
+              <a:t>видим, </a:t>
+            </a:r>
+            <a:r>
+              <a:rPr lang="ru-RU" b="0" i="0" dirty="0">
+                <a:solidFill>
+                  <a:srgbClr val="212121"/>
+                </a:solidFill>
+                <a:effectLst/>
+                <a:latin typeface="Roboto"/>
+              </a:rPr>
+              <a:t>теперь значения распределены более </a:t>
+            </a:r>
+            <a:r>
+              <a:rPr lang="ru-RU" b="0" i="0" dirty="0" smtClean="0">
+                <a:solidFill>
+                  <a:srgbClr val="212121"/>
+                </a:solidFill>
+                <a:effectLst/>
+                <a:latin typeface="Roboto"/>
+              </a:rPr>
+              <a:t>равномерно</a:t>
+            </a:r>
+            <a:r>
+              <a:rPr lang="ru-RU" dirty="0">
+                <a:solidFill>
+                  <a:srgbClr val="212121"/>
+                </a:solidFill>
+                <a:latin typeface="Roboto"/>
+              </a:rPr>
+              <a:t>.</a:t>
+            </a:r>
+            <a:r>
+              <a:rPr lang="ru-RU" b="0" i="0" dirty="0" smtClean="0">
+                <a:solidFill>
+                  <a:srgbClr val="212121"/>
+                </a:solidFill>
+                <a:effectLst/>
+                <a:latin typeface="Roboto"/>
+              </a:rPr>
+              <a:t> Использовалось </a:t>
+            </a:r>
+            <a:r>
+              <a:rPr lang="ru-RU" b="0" i="0" dirty="0" err="1" smtClean="0">
+                <a:solidFill>
+                  <a:srgbClr val="212121"/>
+                </a:solidFill>
+                <a:effectLst/>
+                <a:latin typeface="Roboto"/>
+              </a:rPr>
               <a:t>uniform</a:t>
             </a:r>
             <a:r>
+              <a:rPr lang="ru-RU" dirty="0">
+                <a:solidFill>
+                  <a:srgbClr val="212121"/>
+                </a:solidFill>
+                <a:latin typeface="Roboto"/>
+              </a:rPr>
+              <a:t>-</a:t>
+            </a:r>
+            <a:r>
+              <a:rPr lang="ru-RU" b="0" i="0" dirty="0" smtClean="0">
+                <a:solidFill>
+                  <a:srgbClr val="212121"/>
+                </a:solidFill>
+                <a:effectLst/>
+                <a:latin typeface="Roboto"/>
+              </a:rPr>
+              <a:t>распределение</a:t>
+            </a:r>
+            <a:r>
               <a:rPr lang="ru-RU" b="0" i="0" dirty="0">
                 <a:solidFill>
                   <a:srgbClr val="212121"/>
@@ -13384,7 +14449,7 @@
                 <a:effectLst/>
                 <a:latin typeface="Roboto"/>
               </a:rPr>
-              <a:t> распределение, в пределах одной стандартной девиации. Данные  распределены ровно. Понизилось общее </a:t>
+              <a:t>, в пределах одной стандартной девиации. Данные  распределены ровно. Понизилось общее </a:t>
             </a:r>
             <a:r>
               <a:rPr lang="ru-RU" b="0" i="0" dirty="0" err="1">
@@ -13457,7 +14522,7 @@
           <p:cNvPr id="5" name="Picture 4">
             <a:extLst>
               <a:ext uri="{FF2B5EF4-FFF2-40B4-BE49-F238E27FC236}">
-                <a16:creationId xmlns:a16="http://schemas.microsoft.com/office/drawing/2014/main" id="{118CD1EC-1CF5-53F4-BC6A-88FE2D1C1BCE}"/>
+                <a16:creationId xmlns:a16="http://schemas.microsoft.com/office/drawing/2014/main" xmlns="" id="{118CD1EC-1CF5-53F4-BC6A-88FE2D1C1BCE}"/>
               </a:ext>
             </a:extLst>
           </p:cNvPr>
@@ -13487,7 +14552,7 @@
           <p:cNvPr id="7" name="Picture 6">
             <a:extLst>
               <a:ext uri="{FF2B5EF4-FFF2-40B4-BE49-F238E27FC236}">
-                <a16:creationId xmlns:a16="http://schemas.microsoft.com/office/drawing/2014/main" id="{C0B0041A-631F-13C4-D0AD-5E208508BD3B}"/>
+                <a16:creationId xmlns:a16="http://schemas.microsoft.com/office/drawing/2014/main" xmlns="" id="{C0B0041A-631F-13C4-D0AD-5E208508BD3B}"/>
               </a:ext>
             </a:extLst>
           </p:cNvPr>
@@ -13517,7 +14582,7 @@
           <p:cNvPr id="9" name="Picture 8">
             <a:extLst>
               <a:ext uri="{FF2B5EF4-FFF2-40B4-BE49-F238E27FC236}">
-                <a16:creationId xmlns:a16="http://schemas.microsoft.com/office/drawing/2014/main" id="{99389B2C-1902-32C0-CF05-04B4E065EBBB}"/>
+                <a16:creationId xmlns:a16="http://schemas.microsoft.com/office/drawing/2014/main" xmlns="" id="{99389B2C-1902-32C0-CF05-04B4E065EBBB}"/>
               </a:ext>
             </a:extLst>
           </p:cNvPr>
@@ -13547,7 +14612,7 @@
           <p:cNvPr id="11" name="Picture 10">
             <a:extLst>
               <a:ext uri="{FF2B5EF4-FFF2-40B4-BE49-F238E27FC236}">
-                <a16:creationId xmlns:a16="http://schemas.microsoft.com/office/drawing/2014/main" id="{EE798E70-57BE-09EA-36DE-80FD5DD546D9}"/>
+                <a16:creationId xmlns:a16="http://schemas.microsoft.com/office/drawing/2014/main" xmlns="" id="{EE798E70-57BE-09EA-36DE-80FD5DD546D9}"/>
               </a:ext>
             </a:extLst>
           </p:cNvPr>
@@ -13607,7 +14672,7 @@
           <p:cNvPr id="2" name="Title 1">
             <a:extLst>
               <a:ext uri="{FF2B5EF4-FFF2-40B4-BE49-F238E27FC236}">
-                <a16:creationId xmlns:a16="http://schemas.microsoft.com/office/drawing/2014/main" id="{FDB34FE8-F8D7-029A-55FA-5F634A1CCDF9}"/>
+                <a16:creationId xmlns:a16="http://schemas.microsoft.com/office/drawing/2014/main" xmlns="" id="{FDB34FE8-F8D7-029A-55FA-5F634A1CCDF9}"/>
               </a:ext>
             </a:extLst>
           </p:cNvPr>
@@ -13646,7 +14711,7 @@
           <p:cNvPr id="3" name="Text Placeholder 2">
             <a:extLst>
               <a:ext uri="{FF2B5EF4-FFF2-40B4-BE49-F238E27FC236}">
-                <a16:creationId xmlns:a16="http://schemas.microsoft.com/office/drawing/2014/main" id="{0113F6B6-0378-C5CB-7BE1-F6A9FEC3AB1A}"/>
+                <a16:creationId xmlns:a16="http://schemas.microsoft.com/office/drawing/2014/main" xmlns="" id="{0113F6B6-0378-C5CB-7BE1-F6A9FEC3AB1A}"/>
               </a:ext>
             </a:extLst>
           </p:cNvPr>
@@ -13700,17 +14765,76 @@
                 <a:effectLst/>
                 <a:latin typeface="Roboto"/>
               </a:rPr>
-              <a:t> - большая часть сосредоточенна справа), и обрезаны в промежутке от 55 до 100, то интерквантильный интервал * 1.5 в нашем случае будет около 31, а среднее значение 81, и если мы заполняем пустые места с помощью случайного значения </a:t>
-            </a:r>
-            <a:r>
-              <a:rPr lang="ru-RU" b="0" i="0" dirty="0" err="1">
+              <a:t> - большая часть </a:t>
+            </a:r>
+            <a:r>
+              <a:rPr lang="ru-RU" b="0" i="0" dirty="0" smtClean="0">
                 <a:solidFill>
                   <a:srgbClr val="212121"/>
                 </a:solidFill>
                 <a:effectLst/>
                 <a:latin typeface="Roboto"/>
               </a:rPr>
-              <a:t>iqr</a:t>
+              <a:t>сосредоточена </a:t>
+            </a:r>
+            <a:r>
+              <a:rPr lang="ru-RU" b="0" i="0" dirty="0">
+                <a:solidFill>
+                  <a:srgbClr val="212121"/>
+                </a:solidFill>
+                <a:effectLst/>
+                <a:latin typeface="Roboto"/>
+              </a:rPr>
+              <a:t>справа</a:t>
+            </a:r>
+            <a:r>
+              <a:rPr lang="ru-RU" b="0" i="0" dirty="0" smtClean="0">
+                <a:solidFill>
+                  <a:srgbClr val="212121"/>
+                </a:solidFill>
+                <a:effectLst/>
+                <a:latin typeface="Roboto"/>
+              </a:rPr>
+              <a:t>) </a:t>
+            </a:r>
+            <a:r>
+              <a:rPr lang="ru-RU" b="0" i="0" dirty="0">
+                <a:solidFill>
+                  <a:srgbClr val="212121"/>
+                </a:solidFill>
+                <a:effectLst/>
+                <a:latin typeface="Roboto"/>
+              </a:rPr>
+              <a:t>и обрезаны в промежутке от 55 до 100, то интерквантильный интервал * 1.5 в нашем случае будет около 31, а среднее значение </a:t>
+            </a:r>
+            <a:r>
+              <a:rPr lang="ru-RU" b="0" i="0" dirty="0" smtClean="0">
+                <a:solidFill>
+                  <a:srgbClr val="212121"/>
+                </a:solidFill>
+                <a:effectLst/>
+                <a:latin typeface="Roboto"/>
+              </a:rPr>
+              <a:t>81</a:t>
+            </a:r>
+            <a:r>
+              <a:rPr lang="en-US" dirty="0" smtClean="0">
+                <a:solidFill>
+                  <a:srgbClr val="212121"/>
+                </a:solidFill>
+                <a:latin typeface="Roboto"/>
+              </a:rPr>
+              <a:t>.</a:t>
+            </a:r>
+            <a:r>
+              <a:rPr lang="ru-RU" b="0" i="0" dirty="0" smtClean="0">
+                <a:solidFill>
+                  <a:srgbClr val="212121"/>
+                </a:solidFill>
+                <a:effectLst/>
+                <a:latin typeface="Roboto"/>
+              </a:rPr>
+              <a:t> </a:t>
             </a:r>
             <a:r>
               <a:rPr lang="ru-RU" dirty="0">
@@ -13719,9 +14843,57 @@
                 </a:solidFill>
                 <a:latin typeface="Roboto"/>
               </a:rPr>
+              <a:t>Е</a:t>
+            </a:r>
+            <a:r>
+              <a:rPr lang="ru-RU" b="0" i="0" dirty="0" smtClean="0">
+                <a:solidFill>
+                  <a:srgbClr val="212121"/>
+                </a:solidFill>
+                <a:effectLst/>
+                <a:latin typeface="Roboto"/>
+              </a:rPr>
+              <a:t>сли </a:t>
+            </a:r>
+            <a:r>
+              <a:rPr lang="ru-RU" b="0" i="0" dirty="0">
+                <a:solidFill>
+                  <a:srgbClr val="212121"/>
+                </a:solidFill>
+                <a:effectLst/>
+                <a:latin typeface="Roboto"/>
+              </a:rPr>
+              <a:t>мы заполняем пустые места с помощью случайного значения </a:t>
+            </a:r>
+            <a:r>
+              <a:rPr lang="en-US" dirty="0" smtClean="0">
+                <a:solidFill>
+                  <a:srgbClr val="212121"/>
+                </a:solidFill>
+                <a:latin typeface="Roboto"/>
+              </a:rPr>
+              <a:t>IQR</a:t>
+            </a:r>
+            <a:r>
+              <a:rPr lang="ru-RU" dirty="0" smtClean="0">
+                <a:solidFill>
+                  <a:srgbClr val="212121"/>
+                </a:solidFill>
+                <a:latin typeface="Roboto"/>
+              </a:rPr>
               <a:t>*1</a:t>
             </a:r>
             <a:r>
+              <a:rPr lang="ru-RU" b="0" i="0" dirty="0" smtClean="0">
+                <a:solidFill>
+                  <a:srgbClr val="212121"/>
+                </a:solidFill>
+                <a:effectLst/>
+                <a:latin typeface="Roboto"/>
+              </a:rPr>
+              <a:t>.5</a:t>
+            </a:r>
+            <a:r>
               <a:rPr lang="ru-RU" b="0" i="0" dirty="0">
                 <a:solidFill>
                   <a:srgbClr val="212121"/>
@@ -13729,16 +14901,35 @@
                 <a:effectLst/>
                 <a:latin typeface="Roboto"/>
               </a:rPr>
-              <a:t>.5, то иногда результат выйдет за пределы нашего минимума и максимума</a:t>
-            </a:r>
-            <a:r>
-              <a:rPr lang="en-US" dirty="0">
-                <a:solidFill>
-                  <a:srgbClr val="212121"/>
-                </a:solidFill>
+              <a:t>, то иногда результат выйдет за пределы нашего минимума и </a:t>
+            </a:r>
+            <a:r>
+              <a:rPr lang="ru-RU" b="0" i="0" dirty="0" smtClean="0">
+                <a:solidFill>
+                  <a:srgbClr val="212121"/>
+                </a:solidFill>
+                <a:effectLst/>
                 <a:latin typeface="Roboto"/>
               </a:rPr>
-              <a:t> </a:t>
+              <a:t>максимума</a:t>
+            </a:r>
+            <a:r>
+              <a:rPr lang="ru-RU" dirty="0" smtClean="0">
+                <a:solidFill>
+                  <a:srgbClr val="212121"/>
+                </a:solidFill>
+                <a:latin typeface="Roboto"/>
+              </a:rPr>
+              <a:t>, поэтому</a:t>
+            </a:r>
+            <a:r>
+              <a:rPr lang="ru-RU" dirty="0" smtClean="0">
+                <a:solidFill>
+                  <a:srgbClr val="212121"/>
+                </a:solidFill>
+                <a:latin typeface="Roboto"/>
+              </a:rPr>
+              <a:t> введем </a:t>
             </a:r>
             <a:r>
               <a:rPr lang="ru-RU" dirty="0">
@@ -13747,7 +14938,7 @@
                 </a:solidFill>
                 <a:latin typeface="Roboto"/>
               </a:rPr>
-              <a:t>и вводим функцию генерации в рекурсию для генерации подходящего числа.</a:t>
+              <a:t>функцию генерации в рекурсию для генерации подходящего числа.</a:t>
             </a:r>
             <a:endParaRPr lang="en-US" b="0" i="0" dirty="0">
               <a:solidFill>
@@ -13783,6 +14974,16 @@
               <a:t>Для этого метода мы использовали генерацию числа в нормальном распределении. В данном случае </a:t>
             </a:r>
             <a:r>
+              <a:rPr lang="ru-RU" b="0" i="0" dirty="0" smtClean="0">
+                <a:solidFill>
+                  <a:srgbClr val="212121"/>
+                </a:solidFill>
+                <a:effectLst/>
+                <a:latin typeface="Roboto"/>
+              </a:rPr>
+              <a:t>слишком </a:t>
+            </a:r>
+            <a:r>
               <a:rPr lang="ru-RU" b="0" i="0" dirty="0">
                 <a:solidFill>
                   <a:srgbClr val="212121"/>
@@ -13790,7 +14991,27 @@
                 <a:effectLst/>
                 <a:latin typeface="Roboto"/>
               </a:rPr>
-              <a:t>- слишком много значения попадают на среднее и этот метод лишь слегка лучше замены средним по столбцу.</a:t>
+              <a:t>много </a:t>
+            </a:r>
+            <a:r>
+              <a:rPr lang="ru-RU" b="0" i="0" dirty="0" smtClean="0">
+                <a:solidFill>
+                  <a:srgbClr val="212121"/>
+                </a:solidFill>
+                <a:effectLst/>
+                <a:latin typeface="Roboto"/>
+              </a:rPr>
+              <a:t>значений </a:t>
+            </a:r>
+            <a:r>
+              <a:rPr lang="ru-RU" b="0" i="0" dirty="0">
+                <a:solidFill>
+                  <a:srgbClr val="212121"/>
+                </a:solidFill>
+                <a:effectLst/>
+                <a:latin typeface="Roboto"/>
+              </a:rPr>
+              <a:t>попадают на среднее и этот метод лишь слегка лучше замены средним по столбцу.</a:t>
             </a:r>
             <a:endParaRPr lang="en-US" b="0" i="0" dirty="0">
               <a:solidFill>
@@ -13834,7 +15055,27 @@
                 <a:effectLst/>
                 <a:latin typeface="Roboto"/>
               </a:rPr>
-              <a:t>: Этот метод приносит слишком много искажения и им пользоваться не стоит.</a:t>
+              <a:t>: Этот метод приносит слишком много </a:t>
+            </a:r>
+            <a:r>
+              <a:rPr lang="ru-RU" b="0" i="0" dirty="0" smtClean="0">
+                <a:solidFill>
+                  <a:srgbClr val="212121"/>
+                </a:solidFill>
+                <a:effectLst/>
+                <a:latin typeface="Roboto"/>
+              </a:rPr>
+              <a:t>искажения, </a:t>
+            </a:r>
+            <a:r>
+              <a:rPr lang="ru-RU" b="0" i="0" dirty="0">
+                <a:solidFill>
+                  <a:srgbClr val="212121"/>
+                </a:solidFill>
+                <a:effectLst/>
+                <a:latin typeface="Roboto"/>
+              </a:rPr>
+              <a:t>и им пользоваться не стоит.</a:t>
             </a:r>
           </a:p>
         </p:txBody>
@@ -13844,7 +15085,7 @@
           <p:cNvPr id="10" name="Picture 9">
             <a:extLst>
               <a:ext uri="{FF2B5EF4-FFF2-40B4-BE49-F238E27FC236}">
-                <a16:creationId xmlns:a16="http://schemas.microsoft.com/office/drawing/2014/main" id="{D85A7DCE-FDB6-660A-56D8-7A40ACD0C59E}"/>
+                <a16:creationId xmlns:a16="http://schemas.microsoft.com/office/drawing/2014/main" xmlns="" id="{D85A7DCE-FDB6-660A-56D8-7A40ACD0C59E}"/>
               </a:ext>
             </a:extLst>
           </p:cNvPr>
@@ -13874,7 +15115,7 @@
           <p:cNvPr id="12" name="Picture 11">
             <a:extLst>
               <a:ext uri="{FF2B5EF4-FFF2-40B4-BE49-F238E27FC236}">
-                <a16:creationId xmlns:a16="http://schemas.microsoft.com/office/drawing/2014/main" id="{4DEADFD0-556D-73B7-9103-B4CCD2CFD570}"/>
+                <a16:creationId xmlns:a16="http://schemas.microsoft.com/office/drawing/2014/main" xmlns="" id="{4DEADFD0-556D-73B7-9103-B4CCD2CFD570}"/>
               </a:ext>
             </a:extLst>
           </p:cNvPr>
@@ -13904,7 +15145,7 @@
           <p:cNvPr id="14" name="Picture 13">
             <a:extLst>
               <a:ext uri="{FF2B5EF4-FFF2-40B4-BE49-F238E27FC236}">
-                <a16:creationId xmlns:a16="http://schemas.microsoft.com/office/drawing/2014/main" id="{145A83E2-E290-6872-8414-839E908BD283}"/>
+                <a16:creationId xmlns:a16="http://schemas.microsoft.com/office/drawing/2014/main" xmlns="" id="{145A83E2-E290-6872-8414-839E908BD283}"/>
               </a:ext>
             </a:extLst>
           </p:cNvPr>
@@ -13934,7 +15175,7 @@
           <p:cNvPr id="20" name="Picture 19">
             <a:extLst>
               <a:ext uri="{FF2B5EF4-FFF2-40B4-BE49-F238E27FC236}">
-                <a16:creationId xmlns:a16="http://schemas.microsoft.com/office/drawing/2014/main" id="{6851A968-7A9E-3377-F2CB-81FD31283E46}"/>
+                <a16:creationId xmlns:a16="http://schemas.microsoft.com/office/drawing/2014/main" xmlns="" id="{6851A968-7A9E-3377-F2CB-81FD31283E46}"/>
               </a:ext>
             </a:extLst>
           </p:cNvPr>
@@ -13964,7 +15205,7 @@
           <p:cNvPr id="24" name="Picture 23">
             <a:extLst>
               <a:ext uri="{FF2B5EF4-FFF2-40B4-BE49-F238E27FC236}">
-                <a16:creationId xmlns:a16="http://schemas.microsoft.com/office/drawing/2014/main" id="{37E8DC8D-1278-74FC-F597-F2CC028EDF65}"/>
+                <a16:creationId xmlns:a16="http://schemas.microsoft.com/office/drawing/2014/main" xmlns="" id="{37E8DC8D-1278-74FC-F597-F2CC028EDF65}"/>
               </a:ext>
             </a:extLst>
           </p:cNvPr>
@@ -14024,7 +15265,7 @@
           <p:cNvPr id="2" name="Title 1">
             <a:extLst>
               <a:ext uri="{FF2B5EF4-FFF2-40B4-BE49-F238E27FC236}">
-                <a16:creationId xmlns:a16="http://schemas.microsoft.com/office/drawing/2014/main" id="{5DCE9C8B-F510-95E6-F41E-6654C9C360DF}"/>
+                <a16:creationId xmlns:a16="http://schemas.microsoft.com/office/drawing/2014/main" xmlns="" id="{5DCE9C8B-F510-95E6-F41E-6654C9C360DF}"/>
               </a:ext>
             </a:extLst>
           </p:cNvPr>
@@ -14060,7 +15301,7 @@
           <p:cNvPr id="3" name="Text Placeholder 2">
             <a:extLst>
               <a:ext uri="{FF2B5EF4-FFF2-40B4-BE49-F238E27FC236}">
-                <a16:creationId xmlns:a16="http://schemas.microsoft.com/office/drawing/2014/main" id="{7AA7FD51-6E03-7790-0D17-73CEF71694E3}"/>
+                <a16:creationId xmlns:a16="http://schemas.microsoft.com/office/drawing/2014/main" xmlns="" id="{7AA7FD51-6E03-7790-0D17-73CEF71694E3}"/>
               </a:ext>
             </a:extLst>
           </p:cNvPr>
@@ -14073,8 +15314,8 @@
         </p:nvSpPr>
         <p:spPr>
           <a:xfrm>
-            <a:off x="2528746" y="2554559"/>
-            <a:ext cx="6693226" cy="2169042"/>
+            <a:off x="2223946" y="2551667"/>
+            <a:ext cx="6861688" cy="2169042"/>
           </a:xfrm>
         </p:spPr>
         <p:txBody>
@@ -14173,7 +15414,47 @@
                 <a:effectLst/>
                 <a:latin typeface="+mj-lt"/>
               </a:rPr>
-              <a:t> стоит обратить внимание, что большое количество хороших фильмов в году не означает что отдельно взятый фильм будет тоже хорошим. Более того, поскольку мы заменяем средним по году, даже один плохой фильм может значительно понизить рейтинг, а если в году было мало фильмов, то его влияние еще выше. Создавать искусственно пороговые значения для подсчета нецелесообразно поскольку этот метод рассматривается исключительно в эмпирических целях.</a:t>
+              <a:t> стоит обратить внимание, что большое количество хороших фильмов в году не означает что отдельно взятый фильм </a:t>
+            </a:r>
+            <a:r>
+              <a:rPr lang="ru-RU" sz="1050" b="0" i="0" dirty="0" smtClean="0">
+                <a:solidFill>
+                  <a:srgbClr val="212121"/>
+                </a:solidFill>
+                <a:effectLst/>
+                <a:latin typeface="+mj-lt"/>
+              </a:rPr>
+              <a:t>тоже будет хорошим</a:t>
+            </a:r>
+            <a:r>
+              <a:rPr lang="ru-RU" sz="1050" b="0" i="0" dirty="0">
+                <a:solidFill>
+                  <a:srgbClr val="212121"/>
+                </a:solidFill>
+                <a:effectLst/>
+                <a:latin typeface="+mj-lt"/>
+              </a:rPr>
+              <a:t>. Более того, поскольку мы заменяем средним по году, даже один плохой фильм может значительно понизить рейтинг, а если в году было мало фильмов, то его влияние еще выше. Создавать искусственно пороговые значения для подсчета </a:t>
+            </a:r>
+            <a:r>
+              <a:rPr lang="ru-RU" sz="1050" b="0" i="0" dirty="0" smtClean="0">
+                <a:solidFill>
+                  <a:srgbClr val="212121"/>
+                </a:solidFill>
+                <a:effectLst/>
+                <a:latin typeface="+mj-lt"/>
+              </a:rPr>
+              <a:t>нецелесообразно, </a:t>
+            </a:r>
+            <a:r>
+              <a:rPr lang="ru-RU" sz="1050" b="0" i="0" dirty="0">
+                <a:solidFill>
+                  <a:srgbClr val="212121"/>
+                </a:solidFill>
+                <a:effectLst/>
+                <a:latin typeface="+mj-lt"/>
+              </a:rPr>
+              <a:t>поскольку этот метод рассматривается исключительно в эмпирических целях.</a:t>
             </a:r>
           </a:p>
           <a:p>
@@ -14210,7 +15491,27 @@
                 <a:effectLst/>
                 <a:latin typeface="+mj-lt"/>
               </a:rPr>
-              <a:t>: Довольно интересный метод, которым можно воспользоваться, с вышеописанными оговорками.</a:t>
+              <a:t>: Довольно интересный метод, которым можно </a:t>
+            </a:r>
+            <a:r>
+              <a:rPr lang="ru-RU" sz="1050" b="0" i="0" dirty="0" smtClean="0">
+                <a:solidFill>
+                  <a:srgbClr val="212121"/>
+                </a:solidFill>
+                <a:effectLst/>
+                <a:latin typeface="+mj-lt"/>
+              </a:rPr>
+              <a:t>воспользоваться </a:t>
+            </a:r>
+            <a:r>
+              <a:rPr lang="ru-RU" sz="1050" b="0" i="0" dirty="0">
+                <a:solidFill>
+                  <a:srgbClr val="212121"/>
+                </a:solidFill>
+                <a:effectLst/>
+                <a:latin typeface="+mj-lt"/>
+              </a:rPr>
+              <a:t>с вышеописанными оговорками.</a:t>
             </a:r>
           </a:p>
           <a:p>
@@ -14228,7 +15529,7 @@
           <p:cNvPr id="5" name="Picture 4">
             <a:extLst>
               <a:ext uri="{FF2B5EF4-FFF2-40B4-BE49-F238E27FC236}">
-                <a16:creationId xmlns:a16="http://schemas.microsoft.com/office/drawing/2014/main" id="{139C198D-0A67-6503-A0AA-A952783C91C8}"/>
+                <a16:creationId xmlns:a16="http://schemas.microsoft.com/office/drawing/2014/main" xmlns="" id="{139C198D-0A67-6503-A0AA-A952783C91C8}"/>
               </a:ext>
             </a:extLst>
           </p:cNvPr>
@@ -14258,7 +15559,7 @@
           <p:cNvPr id="7" name="Picture 6">
             <a:extLst>
               <a:ext uri="{FF2B5EF4-FFF2-40B4-BE49-F238E27FC236}">
-                <a16:creationId xmlns:a16="http://schemas.microsoft.com/office/drawing/2014/main" id="{97FC37D0-A874-7AD9-2407-CE69F9E8DC2D}"/>
+                <a16:creationId xmlns:a16="http://schemas.microsoft.com/office/drawing/2014/main" xmlns="" id="{97FC37D0-A874-7AD9-2407-CE69F9E8DC2D}"/>
               </a:ext>
             </a:extLst>
           </p:cNvPr>
@@ -14288,7 +15589,7 @@
           <p:cNvPr id="12" name="Picture 11">
             <a:extLst>
               <a:ext uri="{FF2B5EF4-FFF2-40B4-BE49-F238E27FC236}">
-                <a16:creationId xmlns:a16="http://schemas.microsoft.com/office/drawing/2014/main" id="{5B846F73-6056-51F2-EC69-388BD2996E27}"/>
+                <a16:creationId xmlns:a16="http://schemas.microsoft.com/office/drawing/2014/main" xmlns="" id="{5B846F73-6056-51F2-EC69-388BD2996E27}"/>
               </a:ext>
             </a:extLst>
           </p:cNvPr>
@@ -14348,7 +15649,7 @@
           <p:cNvPr id="2" name="Title 1">
             <a:extLst>
               <a:ext uri="{FF2B5EF4-FFF2-40B4-BE49-F238E27FC236}">
-                <a16:creationId xmlns:a16="http://schemas.microsoft.com/office/drawing/2014/main" id="{DA84A9AF-6E3B-12C5-0967-5AE4622A1FC8}"/>
+                <a16:creationId xmlns:a16="http://schemas.microsoft.com/office/drawing/2014/main" xmlns="" id="{DA84A9AF-6E3B-12C5-0967-5AE4622A1FC8}"/>
               </a:ext>
             </a:extLst>
           </p:cNvPr>
@@ -14361,8 +15662,8 @@
         </p:nvSpPr>
         <p:spPr>
           <a:xfrm>
-            <a:off x="106137" y="140225"/>
-            <a:ext cx="8832300" cy="572700"/>
+            <a:off x="106136" y="140225"/>
+            <a:ext cx="8979498" cy="572700"/>
           </a:xfrm>
         </p:spPr>
         <p:txBody>
@@ -14373,7 +15674,23 @@
           <a:p>
             <a:r>
               <a:rPr lang="ru-RU" dirty="0"/>
-              <a:t>Гипотеза: Заполнить используя центра кластеров</a:t>
+              <a:t>Гипотеза: </a:t>
+            </a:r>
+            <a:r>
+              <a:rPr lang="ru-RU" dirty="0" smtClean="0"/>
+              <a:t>Заполнить, </a:t>
+            </a:r>
+            <a:r>
+              <a:rPr lang="ru-RU" dirty="0"/>
+              <a:t>используя </a:t>
+            </a:r>
+            <a:r>
+              <a:rPr lang="ru-RU" dirty="0" smtClean="0"/>
+              <a:t>центры </a:t>
+            </a:r>
+            <a:r>
+              <a:rPr lang="ru-RU" dirty="0"/>
+              <a:t>кластеров</a:t>
             </a:r>
             <a:r>
               <a:rPr lang="en-US" dirty="0"/>
@@ -14396,7 +15713,7 @@
           <p:cNvPr id="3" name="Text Placeholder 2">
             <a:extLst>
               <a:ext uri="{FF2B5EF4-FFF2-40B4-BE49-F238E27FC236}">
-                <a16:creationId xmlns:a16="http://schemas.microsoft.com/office/drawing/2014/main" id="{1B2AB65B-752D-E176-7C52-9D580929A766}"/>
+                <a16:creationId xmlns:a16="http://schemas.microsoft.com/office/drawing/2014/main" xmlns="" id="{1B2AB65B-752D-E176-7C52-9D580929A766}"/>
               </a:ext>
             </a:extLst>
           </p:cNvPr>
@@ -14440,7 +15757,47 @@
                 <a:effectLst/>
                 <a:latin typeface="Roboto"/>
               </a:rPr>
-              <a:t> можно было бы использовать для того что бы назначить среднее по центру кластера, но не похоже, что этот метод даст нам ожидаемый результат, исходя из </a:t>
+              <a:t> можно было бы </a:t>
+            </a:r>
+            <a:r>
+              <a:rPr lang="ru-RU" b="0" i="0" dirty="0" smtClean="0">
+                <a:solidFill>
+                  <a:srgbClr val="212121"/>
+                </a:solidFill>
+                <a:effectLst/>
+                <a:latin typeface="Roboto"/>
+              </a:rPr>
+              <a:t>использовать, </a:t>
+            </a:r>
+            <a:r>
+              <a:rPr lang="ru-RU" b="0" i="0" dirty="0">
+                <a:solidFill>
+                  <a:srgbClr val="212121"/>
+                </a:solidFill>
+                <a:effectLst/>
+                <a:latin typeface="Roboto"/>
+              </a:rPr>
+              <a:t>для того </a:t>
+            </a:r>
+            <a:r>
+              <a:rPr lang="ru-RU" b="0" i="0" dirty="0" smtClean="0">
+                <a:solidFill>
+                  <a:srgbClr val="212121"/>
+                </a:solidFill>
+                <a:effectLst/>
+                <a:latin typeface="Roboto"/>
+              </a:rPr>
+              <a:t>чтобы </a:t>
+            </a:r>
+            <a:r>
+              <a:rPr lang="ru-RU" b="0" i="0" dirty="0">
+                <a:solidFill>
+                  <a:srgbClr val="212121"/>
+                </a:solidFill>
+                <a:effectLst/>
+                <a:latin typeface="Roboto"/>
+              </a:rPr>
+              <a:t>назначить среднее по центру кластера, но не похоже, что этот метод даст нам ожидаемый результат, исходя из </a:t>
             </a:r>
             <a:r>
               <a:rPr lang="ru-RU" dirty="0">
@@ -14496,7 +15853,7 @@
           <p:cNvPr id="5" name="Picture 4">
             <a:extLst>
               <a:ext uri="{FF2B5EF4-FFF2-40B4-BE49-F238E27FC236}">
-                <a16:creationId xmlns:a16="http://schemas.microsoft.com/office/drawing/2014/main" id="{2948475E-F9D7-7C6B-8EBB-0725B675ECA9}"/>
+                <a16:creationId xmlns:a16="http://schemas.microsoft.com/office/drawing/2014/main" xmlns="" id="{2948475E-F9D7-7C6B-8EBB-0725B675ECA9}"/>
               </a:ext>
             </a:extLst>
           </p:cNvPr>
@@ -14556,7 +15913,7 @@
           <p:cNvPr id="2" name="Title 1">
             <a:extLst>
               <a:ext uri="{FF2B5EF4-FFF2-40B4-BE49-F238E27FC236}">
-                <a16:creationId xmlns:a16="http://schemas.microsoft.com/office/drawing/2014/main" id="{69A94E37-A5B4-2739-880D-901FA2A40DAB}"/>
+                <a16:creationId xmlns:a16="http://schemas.microsoft.com/office/drawing/2014/main" xmlns="" id="{69A94E37-A5B4-2739-880D-901FA2A40DAB}"/>
               </a:ext>
             </a:extLst>
           </p:cNvPr>
@@ -14581,7 +15938,15 @@
           <a:p>
             <a:r>
               <a:rPr lang="ru-RU" dirty="0"/>
-              <a:t>Гипотеза: Заполнить используя линейную регрессию</a:t>
+              <a:t>Гипотеза: </a:t>
+            </a:r>
+            <a:r>
+              <a:rPr lang="ru-RU" dirty="0" smtClean="0"/>
+              <a:t>Заполнить, </a:t>
+            </a:r>
+            <a:r>
+              <a:rPr lang="ru-RU" dirty="0"/>
+              <a:t>используя линейную регрессию</a:t>
             </a:r>
             <a:endParaRPr lang="en-US" dirty="0"/>
           </a:p>
@@ -14592,7 +15957,7 @@
           <p:cNvPr id="3" name="Text Placeholder 2">
             <a:extLst>
               <a:ext uri="{FF2B5EF4-FFF2-40B4-BE49-F238E27FC236}">
-                <a16:creationId xmlns:a16="http://schemas.microsoft.com/office/drawing/2014/main" id="{D36860E9-9A76-2043-4DF7-4762258A54D7}"/>
+                <a16:creationId xmlns:a16="http://schemas.microsoft.com/office/drawing/2014/main" xmlns="" id="{D36860E9-9A76-2043-4DF7-4762258A54D7}"/>
               </a:ext>
             </a:extLst>
           </p:cNvPr>
@@ -14626,7 +15991,27 @@
                 <a:effectLst/>
                 <a:latin typeface="Roboto"/>
               </a:rPr>
-              <a:t>Как можем наблюдать, линейная регрессия распределила тоже вполне равномерно, нельзя утверждать что произошел </a:t>
+              <a:t>Как можем наблюдать, линейная регрессия распределила тоже вполне равномерно, </a:t>
+            </a:r>
+            <a:r>
+              <a:rPr lang="ru-RU" b="0" i="0" dirty="0" smtClean="0">
+                <a:solidFill>
+                  <a:srgbClr val="212121"/>
+                </a:solidFill>
+                <a:effectLst/>
+                <a:latin typeface="Roboto"/>
+              </a:rPr>
+              <a:t>и нельзя утверждать, </a:t>
+            </a:r>
+            <a:r>
+              <a:rPr lang="ru-RU" b="0" i="0" dirty="0">
+                <a:solidFill>
+                  <a:srgbClr val="212121"/>
+                </a:solidFill>
+                <a:effectLst/>
+                <a:latin typeface="Roboto"/>
+              </a:rPr>
+              <a:t>что произошел </a:t>
             </a:r>
             <a:r>
               <a:rPr lang="ru-RU" b="0" i="0" dirty="0" err="1">
@@ -14725,24 +16110,24 @@
               <a:t>ы влиять на рейтинги шоу, линейная регрессия справила</a:t>
             </a:r>
             <a:r>
-              <a:rPr lang="en-US" b="0" i="0" dirty="0">
+              <a:rPr lang="en-US" b="0" i="0" dirty="0" smtClean="0">
                 <a:solidFill>
                   <a:srgbClr val="212121"/>
                 </a:solidFill>
                 <a:effectLst/>
                 <a:latin typeface="Roboto"/>
               </a:rPr>
-              <a:t>cm</a:t>
-            </a:r>
-            <a:r>
-              <a:rPr lang="ru-RU" b="0" i="0" dirty="0">
+              <a:t>c</a:t>
+            </a:r>
+            <a:r>
+              <a:rPr lang="ru-RU" b="0" i="0" dirty="0" smtClean="0">
                 <a:solidFill>
                   <a:srgbClr val="212121"/>
                 </a:solidFill>
                 <a:effectLst/>
                 <a:latin typeface="Roboto"/>
               </a:rPr>
-              <a:t>, </a:t>
+              <a:t>ь, </a:t>
             </a:r>
             <a:r>
               <a:rPr lang="en-US" b="0" i="0" dirty="0">
@@ -14797,7 +16182,7 @@
           <p:cNvPr id="7" name="Picture 6">
             <a:extLst>
               <a:ext uri="{FF2B5EF4-FFF2-40B4-BE49-F238E27FC236}">
-                <a16:creationId xmlns:a16="http://schemas.microsoft.com/office/drawing/2014/main" id="{5D73DB90-E708-698A-E1B1-88A6C7F30CAA}"/>
+                <a16:creationId xmlns:a16="http://schemas.microsoft.com/office/drawing/2014/main" xmlns="" id="{5D73DB90-E708-698A-E1B1-88A6C7F30CAA}"/>
               </a:ext>
             </a:extLst>
           </p:cNvPr>
@@ -14827,7 +16212,7 @@
           <p:cNvPr id="9" name="Picture 8">
             <a:extLst>
               <a:ext uri="{FF2B5EF4-FFF2-40B4-BE49-F238E27FC236}">
-                <a16:creationId xmlns:a16="http://schemas.microsoft.com/office/drawing/2014/main" id="{FA3C0A9C-DCBC-44BD-1327-146F639FF4EA}"/>
+                <a16:creationId xmlns:a16="http://schemas.microsoft.com/office/drawing/2014/main" xmlns="" id="{FA3C0A9C-DCBC-44BD-1327-146F639FF4EA}"/>
               </a:ext>
             </a:extLst>
           </p:cNvPr>
@@ -14857,7 +16242,7 @@
           <p:cNvPr id="11" name="Picture 10">
             <a:extLst>
               <a:ext uri="{FF2B5EF4-FFF2-40B4-BE49-F238E27FC236}">
-                <a16:creationId xmlns:a16="http://schemas.microsoft.com/office/drawing/2014/main" id="{E4A8E003-40D7-4966-8F72-BAFEDD72A685}"/>
+                <a16:creationId xmlns:a16="http://schemas.microsoft.com/office/drawing/2014/main" xmlns="" id="{E4A8E003-40D7-4966-8F72-BAFEDD72A685}"/>
               </a:ext>
             </a:extLst>
           </p:cNvPr>
@@ -14887,7 +16272,7 @@
           <p:cNvPr id="13" name="Picture 12">
             <a:extLst>
               <a:ext uri="{FF2B5EF4-FFF2-40B4-BE49-F238E27FC236}">
-                <a16:creationId xmlns:a16="http://schemas.microsoft.com/office/drawing/2014/main" id="{69B3C03F-AD25-C72B-E63B-E0B4B5C352AF}"/>
+                <a16:creationId xmlns:a16="http://schemas.microsoft.com/office/drawing/2014/main" xmlns="" id="{69B3C03F-AD25-C72B-E63B-E0B4B5C352AF}"/>
               </a:ext>
             </a:extLst>
           </p:cNvPr>
@@ -14917,7 +16302,7 @@
           <p:cNvPr id="15" name="Picture 14">
             <a:extLst>
               <a:ext uri="{FF2B5EF4-FFF2-40B4-BE49-F238E27FC236}">
-                <a16:creationId xmlns:a16="http://schemas.microsoft.com/office/drawing/2014/main" id="{93293175-45FC-4E6E-A0BE-B151BB9FBEE8}"/>
+                <a16:creationId xmlns:a16="http://schemas.microsoft.com/office/drawing/2014/main" xmlns="" id="{93293175-45FC-4E6E-A0BE-B151BB9FBEE8}"/>
               </a:ext>
             </a:extLst>
           </p:cNvPr>
@@ -14977,7 +16362,7 @@
           <p:cNvPr id="2" name="Title 1">
             <a:extLst>
               <a:ext uri="{FF2B5EF4-FFF2-40B4-BE49-F238E27FC236}">
-                <a16:creationId xmlns:a16="http://schemas.microsoft.com/office/drawing/2014/main" id="{7BFD19EF-1B7A-D7DD-028B-8F194B5D4B32}"/>
+                <a16:creationId xmlns:a16="http://schemas.microsoft.com/office/drawing/2014/main" xmlns="" id="{7BFD19EF-1B7A-D7DD-028B-8F194B5D4B32}"/>
               </a:ext>
             </a:extLst>
           </p:cNvPr>
@@ -14997,7 +16382,15 @@
           <a:p>
             <a:r>
               <a:rPr lang="ru-RU" dirty="0"/>
-              <a:t>Гипотеза: Заполнить используя </a:t>
+              <a:t>Гипотеза: </a:t>
+            </a:r>
+            <a:r>
+              <a:rPr lang="ru-RU" dirty="0" smtClean="0"/>
+              <a:t>Заполнить, </a:t>
+            </a:r>
+            <a:r>
+              <a:rPr lang="ru-RU" dirty="0"/>
+              <a:t>используя </a:t>
             </a:r>
             <a:r>
               <a:rPr lang="en-US" dirty="0"/>
@@ -15011,7 +16404,7 @@
           <p:cNvPr id="3" name="Text Placeholder 2">
             <a:extLst>
               <a:ext uri="{FF2B5EF4-FFF2-40B4-BE49-F238E27FC236}">
-                <a16:creationId xmlns:a16="http://schemas.microsoft.com/office/drawing/2014/main" id="{0E747AB4-4FB2-4401-D70F-9C52E80D4A58}"/>
+                <a16:creationId xmlns:a16="http://schemas.microsoft.com/office/drawing/2014/main" xmlns="" id="{0E747AB4-4FB2-4401-D70F-9C52E80D4A58}"/>
               </a:ext>
             </a:extLst>
           </p:cNvPr>
@@ -15038,6 +16431,25 @@
               <a:buNone/>
             </a:pPr>
             <a:r>
+              <a:rPr lang="en-US" dirty="0" smtClean="0">
+                <a:solidFill>
+                  <a:srgbClr val="212121"/>
+                </a:solidFill>
+                <a:latin typeface="Roboto"/>
+              </a:rPr>
+              <a:t>KNN</a:t>
+            </a:r>
+            <a:r>
+              <a:rPr lang="ru-RU" b="0" i="0" dirty="0" smtClean="0">
+                <a:solidFill>
+                  <a:srgbClr val="212121"/>
+                </a:solidFill>
+                <a:effectLst/>
+                <a:latin typeface="Roboto"/>
+              </a:rPr>
+              <a:t> </a:t>
+            </a:r>
+            <a:r>
               <a:rPr lang="ru-RU" b="0" i="0" dirty="0">
                 <a:solidFill>
                   <a:srgbClr val="212121"/>
@@ -15045,7 +16457,7 @@
                 <a:effectLst/>
                 <a:latin typeface="Roboto"/>
               </a:rPr>
-              <a:t>КНН не выдает выбросов на </a:t>
+              <a:t>не выдает выбросов на </a:t>
             </a:r>
             <a:r>
               <a:rPr lang="ru-RU" b="0" i="0" dirty="0" err="1">
@@ -15065,7 +16477,46 @@
                 <a:effectLst/>
                 <a:latin typeface="Roboto"/>
               </a:rPr>
-              <a:t>, но на пару единиц занижает среднее значение, а СТД остается довольно высоким, любопытно, что только 3 соседей дает такое значение в то время как остальные 2-10 чуть более близкое к истинному среднее и более низкую СТД. </a:t>
+              <a:t>, но на пару единиц занижает среднее значение, а </a:t>
+            </a:r>
+            <a:r>
+              <a:rPr lang="en-US" dirty="0" smtClean="0">
+                <a:solidFill>
+                  <a:srgbClr val="212121"/>
+                </a:solidFill>
+                <a:latin typeface="Roboto"/>
+              </a:rPr>
+              <a:t>STD</a:t>
+            </a:r>
+            <a:r>
+              <a:rPr lang="ru-RU" b="0" i="0" dirty="0" smtClean="0">
+                <a:solidFill>
+                  <a:srgbClr val="212121"/>
+                </a:solidFill>
+                <a:effectLst/>
+                <a:latin typeface="Roboto"/>
+              </a:rPr>
+              <a:t> </a:t>
+            </a:r>
+            <a:r>
+              <a:rPr lang="ru-RU" b="0" i="0" dirty="0">
+                <a:solidFill>
+                  <a:srgbClr val="212121"/>
+                </a:solidFill>
+                <a:effectLst/>
+                <a:latin typeface="Roboto"/>
+              </a:rPr>
+              <a:t>остается довольно </a:t>
+            </a:r>
+            <a:r>
+              <a:rPr lang="ru-RU" b="0" i="0" dirty="0" smtClean="0">
+                <a:solidFill>
+                  <a:srgbClr val="212121"/>
+                </a:solidFill>
+                <a:effectLst/>
+                <a:latin typeface="Roboto"/>
+              </a:rPr>
+              <a:t>высоким</a:t>
             </a:r>
             <a:r>
               <a:rPr lang="en-US" dirty="0">
@@ -15074,6 +16525,124 @@
                 </a:solidFill>
                 <a:latin typeface="Roboto"/>
               </a:rPr>
+              <a:t>.</a:t>
+            </a:r>
+            <a:r>
+              <a:rPr lang="ru-RU" b="0" i="0" dirty="0" smtClean="0">
+                <a:solidFill>
+                  <a:srgbClr val="212121"/>
+                </a:solidFill>
+                <a:effectLst/>
+                <a:latin typeface="Roboto"/>
+              </a:rPr>
+              <a:t> </a:t>
+            </a:r>
+            <a:r>
+              <a:rPr lang="ru-RU" dirty="0">
+                <a:solidFill>
+                  <a:srgbClr val="212121"/>
+                </a:solidFill>
+                <a:latin typeface="Roboto"/>
+              </a:rPr>
+              <a:t>Л</a:t>
+            </a:r>
+            <a:r>
+              <a:rPr lang="ru-RU" b="0" i="0" dirty="0" smtClean="0">
+                <a:solidFill>
+                  <a:srgbClr val="212121"/>
+                </a:solidFill>
+                <a:effectLst/>
+                <a:latin typeface="Roboto"/>
+              </a:rPr>
+              <a:t>юбопытно</a:t>
+            </a:r>
+            <a:r>
+              <a:rPr lang="ru-RU" b="0" i="0" dirty="0">
+                <a:solidFill>
+                  <a:srgbClr val="212121"/>
+                </a:solidFill>
+                <a:effectLst/>
+                <a:latin typeface="Roboto"/>
+              </a:rPr>
+              <a:t>, что только 3 соседей дает такое </a:t>
+            </a:r>
+            <a:r>
+              <a:rPr lang="ru-RU" b="0" i="0" dirty="0" smtClean="0">
+                <a:solidFill>
+                  <a:srgbClr val="212121"/>
+                </a:solidFill>
+                <a:effectLst/>
+                <a:latin typeface="Roboto"/>
+              </a:rPr>
+              <a:t>значение, </a:t>
+            </a:r>
+            <a:r>
+              <a:rPr lang="ru-RU" b="0" i="0" dirty="0">
+                <a:solidFill>
+                  <a:srgbClr val="212121"/>
+                </a:solidFill>
+                <a:effectLst/>
+                <a:latin typeface="Roboto"/>
+              </a:rPr>
+              <a:t>в то время как остальные 2-10 </a:t>
+            </a:r>
+            <a:r>
+              <a:rPr lang="ru-RU" b="0" i="0" dirty="0" smtClean="0">
+                <a:solidFill>
+                  <a:srgbClr val="212121"/>
+                </a:solidFill>
+                <a:effectLst/>
+                <a:latin typeface="Roboto"/>
+              </a:rPr>
+              <a:t>– чуть более </a:t>
+            </a:r>
+            <a:r>
+              <a:rPr lang="ru-RU" b="0" i="0" dirty="0">
+                <a:solidFill>
+                  <a:srgbClr val="212121"/>
+                </a:solidFill>
+                <a:effectLst/>
+                <a:latin typeface="Roboto"/>
+              </a:rPr>
+              <a:t>близкое к истинному среднее и более </a:t>
+            </a:r>
+            <a:r>
+              <a:rPr lang="ru-RU" b="0" i="0" dirty="0" smtClean="0">
+                <a:solidFill>
+                  <a:srgbClr val="212121"/>
+                </a:solidFill>
+                <a:effectLst/>
+                <a:latin typeface="Roboto"/>
+              </a:rPr>
+              <a:t>низкое </a:t>
+            </a:r>
+            <a:r>
+              <a:rPr lang="en-US" b="0" i="0" dirty="0" smtClean="0">
+                <a:solidFill>
+                  <a:srgbClr val="212121"/>
+                </a:solidFill>
+                <a:effectLst/>
+                <a:latin typeface="Roboto"/>
+              </a:rPr>
+              <a:t>STD</a:t>
+            </a:r>
+            <a:r>
+              <a:rPr lang="ru-RU" b="0" i="0" dirty="0" smtClean="0">
+                <a:solidFill>
+                  <a:srgbClr val="212121"/>
+                </a:solidFill>
+                <a:effectLst/>
+                <a:latin typeface="Roboto"/>
+              </a:rPr>
+              <a:t>. </a:t>
+            </a:r>
+            <a:r>
+              <a:rPr lang="en-US" dirty="0">
+                <a:solidFill>
+                  <a:srgbClr val="212121"/>
+                </a:solidFill>
+                <a:latin typeface="Roboto"/>
+              </a:rPr>
               <a:t>R2 -0.632 </a:t>
             </a:r>
             <a:r>
@@ -15083,16 +16652,7 @@
                 </a:solidFill>
                 <a:latin typeface="Roboto"/>
               </a:rPr>
-              <a:t>говорит об очень слабой зависимости </a:t>
-            </a:r>
-            <a:r>
-              <a:rPr lang="ru-RU">
-                <a:solidFill>
-                  <a:srgbClr val="212121"/>
-                </a:solidFill>
-                <a:latin typeface="Roboto"/>
-              </a:rPr>
-              <a:t>между данными.</a:t>
+              <a:t>говорит об очень слабой зависимости между данными.</a:t>
             </a:r>
             <a:endParaRPr lang="ru-RU" b="0" i="0" dirty="0">
               <a:solidFill>
@@ -15152,7 +16712,7 @@
           <p:cNvPr id="5" name="Picture 4">
             <a:extLst>
               <a:ext uri="{FF2B5EF4-FFF2-40B4-BE49-F238E27FC236}">
-                <a16:creationId xmlns:a16="http://schemas.microsoft.com/office/drawing/2014/main" id="{25685E80-D4B6-4C1F-C296-F4726F8A6979}"/>
+                <a16:creationId xmlns:a16="http://schemas.microsoft.com/office/drawing/2014/main" xmlns="" id="{25685E80-D4B6-4C1F-C296-F4726F8A6979}"/>
               </a:ext>
             </a:extLst>
           </p:cNvPr>
@@ -15182,7 +16742,7 @@
           <p:cNvPr id="7" name="Picture 6">
             <a:extLst>
               <a:ext uri="{FF2B5EF4-FFF2-40B4-BE49-F238E27FC236}">
-                <a16:creationId xmlns:a16="http://schemas.microsoft.com/office/drawing/2014/main" id="{3CCCA0A9-C2B5-8668-7C1F-07C998EE2626}"/>
+                <a16:creationId xmlns:a16="http://schemas.microsoft.com/office/drawing/2014/main" xmlns="" id="{3CCCA0A9-C2B5-8668-7C1F-07C998EE2626}"/>
               </a:ext>
             </a:extLst>
           </p:cNvPr>
@@ -15212,7 +16772,7 @@
           <p:cNvPr id="11" name="Picture 10">
             <a:extLst>
               <a:ext uri="{FF2B5EF4-FFF2-40B4-BE49-F238E27FC236}">
-                <a16:creationId xmlns:a16="http://schemas.microsoft.com/office/drawing/2014/main" id="{4F65D333-94BF-EF3C-0CA5-D508E0FF59B5}"/>
+                <a16:creationId xmlns:a16="http://schemas.microsoft.com/office/drawing/2014/main" xmlns="" id="{4F65D333-94BF-EF3C-0CA5-D508E0FF59B5}"/>
               </a:ext>
             </a:extLst>
           </p:cNvPr>
@@ -15242,7 +16802,7 @@
           <p:cNvPr id="13" name="Picture 12">
             <a:extLst>
               <a:ext uri="{FF2B5EF4-FFF2-40B4-BE49-F238E27FC236}">
-                <a16:creationId xmlns:a16="http://schemas.microsoft.com/office/drawing/2014/main" id="{68065950-F991-B008-3ED5-29D2D246F24F}"/>
+                <a16:creationId xmlns:a16="http://schemas.microsoft.com/office/drawing/2014/main" xmlns="" id="{68065950-F991-B008-3ED5-29D2D246F24F}"/>
               </a:ext>
             </a:extLst>
           </p:cNvPr>
@@ -15272,7 +16832,7 @@
           <p:cNvPr id="15" name="Picture 14">
             <a:extLst>
               <a:ext uri="{FF2B5EF4-FFF2-40B4-BE49-F238E27FC236}">
-                <a16:creationId xmlns:a16="http://schemas.microsoft.com/office/drawing/2014/main" id="{10274669-D3D6-A3EA-FE0F-E9CD3042F4D9}"/>
+                <a16:creationId xmlns:a16="http://schemas.microsoft.com/office/drawing/2014/main" xmlns="" id="{10274669-D3D6-A3EA-FE0F-E9CD3042F4D9}"/>
               </a:ext>
             </a:extLst>
           </p:cNvPr>
@@ -15332,7 +16892,7 @@
           <p:cNvPr id="2" name="Title 1">
             <a:extLst>
               <a:ext uri="{FF2B5EF4-FFF2-40B4-BE49-F238E27FC236}">
-                <a16:creationId xmlns:a16="http://schemas.microsoft.com/office/drawing/2014/main" id="{E355908F-B894-0017-00D2-6185D16DC8BF}"/>
+                <a16:creationId xmlns:a16="http://schemas.microsoft.com/office/drawing/2014/main" xmlns="" id="{E355908F-B894-0017-00D2-6185D16DC8BF}"/>
               </a:ext>
             </a:extLst>
           </p:cNvPr>
@@ -15360,12 +16920,20 @@
               <a:t>Чистка данных в </a:t>
             </a:r>
             <a:r>
-              <a:rPr lang="ru-RU" dirty="0" err="1"/>
+              <a:rPr lang="ru-RU" dirty="0" err="1" smtClean="0"/>
               <a:t>датасете</a:t>
             </a:r>
             <a:r>
               <a:rPr lang="ru-RU" dirty="0"/>
-              <a:t> - дубликаты</a:t>
+              <a:t>:</a:t>
+            </a:r>
+            <a:r>
+              <a:rPr lang="ru-RU" dirty="0" smtClean="0"/>
+              <a:t> </a:t>
+            </a:r>
+            <a:r>
+              <a:rPr lang="ru-RU" dirty="0"/>
+              <a:t>дубликаты</a:t>
             </a:r>
             <a:endParaRPr lang="en-US" dirty="0"/>
           </a:p>
@@ -15376,7 +16944,7 @@
           <p:cNvPr id="3" name="Text Placeholder 2">
             <a:extLst>
               <a:ext uri="{FF2B5EF4-FFF2-40B4-BE49-F238E27FC236}">
-                <a16:creationId xmlns:a16="http://schemas.microsoft.com/office/drawing/2014/main" id="{B6F6E2BF-C372-B6CB-4BB6-30115AD0084E}"/>
+                <a16:creationId xmlns:a16="http://schemas.microsoft.com/office/drawing/2014/main" xmlns="" id="{B6F6E2BF-C372-B6CB-4BB6-30115AD0084E}"/>
               </a:ext>
             </a:extLst>
           </p:cNvPr>
@@ -15403,8 +16971,41 @@
               <a:buNone/>
             </a:pPr>
             <a:r>
-              <a:rPr lang="ru-RU" dirty="0"/>
-              <a:t>Удаление дубликатов -  </a:t>
+              <a:rPr lang="ru-RU" u="sng" dirty="0">
+                <a:solidFill>
+                  <a:srgbClr val="212121"/>
+                </a:solidFill>
+                <a:latin typeface="Roboto"/>
+              </a:rPr>
+              <a:t>Удаление </a:t>
+            </a:r>
+            <a:r>
+              <a:rPr lang="ru-RU" u="sng" dirty="0">
+                <a:solidFill>
+                  <a:srgbClr val="212121"/>
+                </a:solidFill>
+                <a:latin typeface="Roboto"/>
+              </a:rPr>
+              <a:t>дубликатов</a:t>
+            </a:r>
+            <a:r>
+              <a:rPr lang="ru-RU" dirty="0">
+                <a:solidFill>
+                  <a:srgbClr val="212121"/>
+                </a:solidFill>
+                <a:latin typeface="Roboto"/>
+              </a:rPr>
+              <a:t>: либо </a:t>
+            </a:r>
+            <a:r>
+              <a:rPr lang="ru-RU" b="0" i="0" dirty="0" smtClean="0">
+                <a:solidFill>
+                  <a:srgbClr val="212121"/>
+                </a:solidFill>
+                <a:effectLst/>
+                <a:latin typeface="Roboto"/>
+              </a:rPr>
+              <a:t>некоторые </a:t>
             </a:r>
             <a:r>
               <a:rPr lang="ru-RU" b="0" i="0" dirty="0">
@@ -15414,7 +17015,47 @@
                 <a:effectLst/>
                 <a:latin typeface="Roboto"/>
               </a:rPr>
-              <a:t>в список некоторые фильмы были внесены несколько раз либо это произошло из-за совмещения двух </a:t>
+              <a:t>фильмы были </a:t>
+            </a:r>
+            <a:r>
+              <a:rPr lang="ru-RU" b="0" i="0" dirty="0" smtClean="0">
+                <a:solidFill>
+                  <a:srgbClr val="212121"/>
+                </a:solidFill>
+                <a:effectLst/>
+                <a:latin typeface="Roboto"/>
+              </a:rPr>
+              <a:t>внесены в список </a:t>
+            </a:r>
+            <a:r>
+              <a:rPr lang="ru-RU" b="0" i="0" dirty="0">
+                <a:solidFill>
+                  <a:srgbClr val="212121"/>
+                </a:solidFill>
+                <a:effectLst/>
+                <a:latin typeface="Roboto"/>
+              </a:rPr>
+              <a:t>несколько </a:t>
+            </a:r>
+            <a:r>
+              <a:rPr lang="ru-RU" b="0" i="0" dirty="0" smtClean="0">
+                <a:solidFill>
+                  <a:srgbClr val="212121"/>
+                </a:solidFill>
+                <a:effectLst/>
+                <a:latin typeface="Roboto"/>
+              </a:rPr>
+              <a:t>раз, </a:t>
+            </a:r>
+            <a:r>
+              <a:rPr lang="ru-RU" b="0" i="0" dirty="0">
+                <a:solidFill>
+                  <a:srgbClr val="212121"/>
+                </a:solidFill>
+                <a:effectLst/>
+                <a:latin typeface="Roboto"/>
+              </a:rPr>
+              <a:t>либо это произошло из-за совмещения двух </a:t>
             </a:r>
             <a:r>
               <a:rPr lang="ru-RU" b="0" i="0" dirty="0" err="1">
@@ -15455,7 +17096,7 @@
           <p:cNvPr id="6" name="TextBox 5">
             <a:extLst>
               <a:ext uri="{FF2B5EF4-FFF2-40B4-BE49-F238E27FC236}">
-                <a16:creationId xmlns:a16="http://schemas.microsoft.com/office/drawing/2014/main" id="{3DEBE1D6-F28A-8736-04CE-DEC991CC1D23}"/>
+                <a16:creationId xmlns:a16="http://schemas.microsoft.com/office/drawing/2014/main" xmlns="" id="{3DEBE1D6-F28A-8736-04CE-DEC991CC1D23}"/>
               </a:ext>
             </a:extLst>
           </p:cNvPr>
@@ -15465,7 +17106,7 @@
         <p:spPr>
           <a:xfrm flipH="1">
             <a:off x="241000" y="3220245"/>
-            <a:ext cx="4104356" cy="954107"/>
+            <a:ext cx="4104356" cy="738664"/>
           </a:xfrm>
           <a:prstGeom prst="rect">
             <a:avLst/>
@@ -15499,7 +17140,27 @@
                 <a:effectLst/>
                 <a:latin typeface="Roboto"/>
               </a:rPr>
-              <a:t>азные шоу с тем же названием но разные годы выпуска - </a:t>
+              <a:t>азные шоу с тем же </a:t>
+            </a:r>
+            <a:r>
+              <a:rPr lang="ru-RU" b="0" i="0" dirty="0" smtClean="0">
+                <a:solidFill>
+                  <a:srgbClr val="212121"/>
+                </a:solidFill>
+                <a:effectLst/>
+                <a:latin typeface="Roboto"/>
+              </a:rPr>
+              <a:t>названием, </a:t>
+            </a:r>
+            <a:r>
+              <a:rPr lang="ru-RU" b="0" i="0" dirty="0">
+                <a:solidFill>
+                  <a:srgbClr val="212121"/>
+                </a:solidFill>
+                <a:effectLst/>
+                <a:latin typeface="Roboto"/>
+              </a:rPr>
+              <a:t>но разные годы выпуска - </a:t>
             </a:r>
             <a:r>
               <a:rPr lang="ru-RU" b="1" i="0" dirty="0" err="1">
@@ -15519,11 +17180,25 @@
                 <a:effectLst/>
                 <a:latin typeface="Roboto"/>
               </a:rPr>
-              <a:t>. Эти шоу мы оставляем.</a:t>
-            </a:r>
-          </a:p>
-          <a:p>
-            <a:endParaRPr lang="en-US" dirty="0"/>
+              <a:t>. Эти шоу мы оставляем</a:t>
+            </a:r>
+            <a:r>
+              <a:rPr lang="ru-RU" b="0" i="0" dirty="0" smtClean="0">
+                <a:solidFill>
+                  <a:srgbClr val="212121"/>
+                </a:solidFill>
+                <a:effectLst/>
+                <a:latin typeface="Roboto"/>
+              </a:rPr>
+              <a:t>.</a:t>
+            </a:r>
+            <a:endParaRPr lang="ru-RU" b="0" i="0" dirty="0">
+              <a:solidFill>
+                <a:srgbClr val="212121"/>
+              </a:solidFill>
+              <a:effectLst/>
+              <a:latin typeface="Roboto"/>
+            </a:endParaRPr>
           </a:p>
         </p:txBody>
       </p:sp>
@@ -15532,7 +17207,7 @@
           <p:cNvPr id="7" name="TextBox 6">
             <a:extLst>
               <a:ext uri="{FF2B5EF4-FFF2-40B4-BE49-F238E27FC236}">
-                <a16:creationId xmlns:a16="http://schemas.microsoft.com/office/drawing/2014/main" id="{4348543D-9339-70E5-C799-EEDED87A58A6}"/>
+                <a16:creationId xmlns:a16="http://schemas.microsoft.com/office/drawing/2014/main" xmlns="" id="{4348543D-9339-70E5-C799-EEDED87A58A6}"/>
               </a:ext>
             </a:extLst>
           </p:cNvPr>
@@ -15668,7 +17343,7 @@
           <p:cNvPr id="8" name="TextBox 7">
             <a:extLst>
               <a:ext uri="{FF2B5EF4-FFF2-40B4-BE49-F238E27FC236}">
-                <a16:creationId xmlns:a16="http://schemas.microsoft.com/office/drawing/2014/main" id="{4DCB96ED-4574-062F-2102-2AD19B5AE39B}"/>
+                <a16:creationId xmlns:a16="http://schemas.microsoft.com/office/drawing/2014/main" xmlns="" id="{4DCB96ED-4574-062F-2102-2AD19B5AE39B}"/>
               </a:ext>
             </a:extLst>
           </p:cNvPr>
@@ -15712,7 +17387,27 @@
                 <a:effectLst/>
                 <a:latin typeface="Roboto"/>
               </a:rPr>
-              <a:t>еверно введенные данные об одном и том же шоу -возрастной рейтинг и оценки другие, но шоу то же - </a:t>
+              <a:t>еверно введенные данные об одном и том же </a:t>
+            </a:r>
+            <a:r>
+              <a:rPr lang="ru-RU" b="0" i="0" dirty="0" smtClean="0">
+                <a:solidFill>
+                  <a:srgbClr val="212121"/>
+                </a:solidFill>
+                <a:effectLst/>
+                <a:latin typeface="Roboto"/>
+              </a:rPr>
+              <a:t>шоу: возрастной </a:t>
+            </a:r>
+            <a:r>
+              <a:rPr lang="ru-RU" b="0" i="0" dirty="0">
+                <a:solidFill>
+                  <a:srgbClr val="212121"/>
+                </a:solidFill>
+                <a:effectLst/>
+                <a:latin typeface="Roboto"/>
+              </a:rPr>
+              <a:t>рейтинг и оценки другие, но шоу то же - </a:t>
             </a:r>
             <a:r>
               <a:rPr lang="ru-RU" b="1" i="0" dirty="0" err="1">
@@ -15742,7 +17437,7 @@
           <p:cNvPr id="12" name="Picture 11">
             <a:extLst>
               <a:ext uri="{FF2B5EF4-FFF2-40B4-BE49-F238E27FC236}">
-                <a16:creationId xmlns:a16="http://schemas.microsoft.com/office/drawing/2014/main" id="{15A0E5E7-C61B-A3AF-08D6-93B060932D96}"/>
+                <a16:creationId xmlns:a16="http://schemas.microsoft.com/office/drawing/2014/main" xmlns="" id="{15A0E5E7-C61B-A3AF-08D6-93B060932D96}"/>
               </a:ext>
             </a:extLst>
           </p:cNvPr>
@@ -15802,7 +17497,7 @@
           <p:cNvPr id="2" name="Title 1">
             <a:extLst>
               <a:ext uri="{FF2B5EF4-FFF2-40B4-BE49-F238E27FC236}">
-                <a16:creationId xmlns:a16="http://schemas.microsoft.com/office/drawing/2014/main" id="{EAE10EBF-9A40-FB85-5AD9-0DA16F5BAC5C}"/>
+                <a16:creationId xmlns:a16="http://schemas.microsoft.com/office/drawing/2014/main" xmlns="" id="{EAE10EBF-9A40-FB85-5AD9-0DA16F5BAC5C}"/>
               </a:ext>
             </a:extLst>
           </p:cNvPr>
@@ -15830,15 +17525,15 @@
               <a:t>Чистка данных в </a:t>
             </a:r>
             <a:r>
-              <a:rPr lang="ru-RU" dirty="0" err="1"/>
+              <a:rPr lang="ru-RU" dirty="0" err="1" smtClean="0"/>
               <a:t>датасете</a:t>
             </a:r>
             <a:r>
               <a:rPr lang="ru-RU" dirty="0"/>
-              <a:t> –</a:t>
-            </a:r>
-            <a:r>
-              <a:rPr lang="en-US" dirty="0"/>
+              <a:t>:</a:t>
+            </a:r>
+            <a:r>
+              <a:rPr lang="en-US" dirty="0" smtClean="0"/>
               <a:t> </a:t>
             </a:r>
             <a:r>
@@ -15862,7 +17557,7 @@
           <p:cNvPr id="3" name="Text Placeholder 2">
             <a:extLst>
               <a:ext uri="{FF2B5EF4-FFF2-40B4-BE49-F238E27FC236}">
-                <a16:creationId xmlns:a16="http://schemas.microsoft.com/office/drawing/2014/main" id="{F217C188-3BF3-5BA3-312B-6A70F75C7237}"/>
+                <a16:creationId xmlns:a16="http://schemas.microsoft.com/office/drawing/2014/main" xmlns="" id="{F217C188-3BF3-5BA3-312B-6A70F75C7237}"/>
               </a:ext>
             </a:extLst>
           </p:cNvPr>
@@ -15917,8 +17612,34 @@
                 <a:effectLst/>
                 <a:latin typeface="+mj-lt"/>
               </a:rPr>
-              <a:t>G, PG, PG-13, R</a:t>
-            </a:r>
+              <a:t>G, PG, PG-13, </a:t>
+            </a:r>
+            <a:r>
+              <a:rPr lang="en-US" sz="1600" b="1" i="0" dirty="0" smtClean="0">
+                <a:solidFill>
+                  <a:srgbClr val="212121"/>
+                </a:solidFill>
+                <a:effectLst/>
+                <a:latin typeface="+mj-lt"/>
+              </a:rPr>
+              <a:t>R</a:t>
+            </a:r>
+            <a:r>
+              <a:rPr lang="ru-RU" sz="1600" b="1" dirty="0">
+                <a:solidFill>
+                  <a:srgbClr val="212121"/>
+                </a:solidFill>
+                <a:latin typeface="+mj-lt"/>
+              </a:rPr>
+              <a:t>.</a:t>
+            </a:r>
+            <a:endParaRPr lang="en-US" sz="1600" b="1" i="0" dirty="0">
+              <a:solidFill>
+                <a:srgbClr val="212121"/>
+              </a:solidFill>
+              <a:effectLst/>
+              <a:latin typeface="+mj-lt"/>
+            </a:endParaRPr>
           </a:p>
           <a:p>
             <a:pPr algn="just">
@@ -15946,14 +17667,23 @@
               <a:t>оценка </a:t>
             </a:r>
             <a:r>
-              <a:rPr lang="ru-RU" sz="1600" b="0" i="0" dirty="0" err="1">
-                <a:solidFill>
-                  <a:srgbClr val="212121"/>
-                </a:solidFill>
-                <a:effectLst/>
+              <a:rPr lang="ru-RU" sz="1600" dirty="0" smtClean="0">
+                <a:solidFill>
+                  <a:srgbClr val="212121"/>
+                </a:solidFill>
                 <a:latin typeface="+mj-lt"/>
               </a:rPr>
-              <a:t>тв</a:t>
+              <a:t>ТВ-</a:t>
+            </a:r>
+            <a:r>
+              <a:rPr lang="ru-RU" sz="1600" b="0" i="0" dirty="0" smtClean="0">
+                <a:solidFill>
+                  <a:srgbClr val="212121"/>
+                </a:solidFill>
+                <a:effectLst/>
+                <a:latin typeface="+mj-lt"/>
+              </a:rPr>
+              <a:t>шоу </a:t>
             </a:r>
             <a:r>
               <a:rPr lang="ru-RU" sz="1600" b="0" i="0" dirty="0">
@@ -15963,7 +17693,7 @@
                 <a:effectLst/>
                 <a:latin typeface="+mj-lt"/>
               </a:rPr>
-              <a:t> шоу и сериалов, куда входят </a:t>
+              <a:t>и сериалов, куда входят </a:t>
             </a:r>
             <a:r>
               <a:rPr lang="en-US" sz="1600" b="1" i="0" dirty="0">
@@ -15973,8 +17703,35 @@
                 <a:effectLst/>
                 <a:latin typeface="+mj-lt"/>
               </a:rPr>
-              <a:t>TV-Y, TV-Y7, TV-G, TV-Y7-FV, TV-PG, TV-14, TV-MA</a:t>
-            </a:r>
+              <a:t>TV-Y, TV-Y7, TV-G, TV-Y7-FV, TV-PG, TV-14, </a:t>
+            </a:r>
+            <a:r>
+              <a:rPr lang="en-US" sz="1600" b="1" i="0" dirty="0" smtClean="0">
+                <a:solidFill>
+                  <a:srgbClr val="212121"/>
+                </a:solidFill>
+                <a:effectLst/>
+                <a:latin typeface="+mj-lt"/>
+              </a:rPr>
+              <a:t>TV-MA</a:t>
+            </a:r>
+            <a:r>
+              <a:rPr lang="ru-RU" sz="1600" b="1" i="0" dirty="0" smtClean="0">
+                <a:solidFill>
+                  <a:srgbClr val="212121"/>
+                </a:solidFill>
+                <a:effectLst/>
+                <a:latin typeface="+mj-lt"/>
+              </a:rPr>
+              <a:t>.</a:t>
+            </a:r>
+            <a:endParaRPr lang="en-US" sz="1600" b="1" i="0" dirty="0">
+              <a:solidFill>
+                <a:srgbClr val="212121"/>
+              </a:solidFill>
+              <a:effectLst/>
+              <a:latin typeface="+mj-lt"/>
+            </a:endParaRPr>
           </a:p>
           <a:p>
             <a:pPr algn="just">
@@ -16055,7 +17812,7 @@
           <p:cNvPr id="4" name="TextBox 3">
             <a:extLst>
               <a:ext uri="{FF2B5EF4-FFF2-40B4-BE49-F238E27FC236}">
-                <a16:creationId xmlns:a16="http://schemas.microsoft.com/office/drawing/2014/main" id="{6E8083A6-6A85-29D1-D009-9A7721CE822F}"/>
+                <a16:creationId xmlns:a16="http://schemas.microsoft.com/office/drawing/2014/main" xmlns="" id="{6E8083A6-6A85-29D1-D009-9A7721CE822F}"/>
               </a:ext>
             </a:extLst>
           </p:cNvPr>
@@ -16095,11 +17852,15 @@
               <a:t>и </a:t>
             </a:r>
             <a:r>
-              <a:rPr lang="en-US" b="1" dirty="0"/>
+              <a:rPr lang="en-US" b="1" dirty="0" smtClean="0"/>
               <a:t>TVPG</a:t>
             </a:r>
             <a:r>
-              <a:rPr lang="en-US" dirty="0"/>
+              <a:rPr lang="ru-RU" dirty="0"/>
+              <a:t>,</a:t>
+            </a:r>
+            <a:r>
+              <a:rPr lang="en-US" dirty="0" smtClean="0"/>
               <a:t> </a:t>
             </a:r>
             <a:r>
@@ -16156,7 +17917,7 @@
           <p:cNvPr id="2" name="Title 1">
             <a:extLst>
               <a:ext uri="{FF2B5EF4-FFF2-40B4-BE49-F238E27FC236}">
-                <a16:creationId xmlns:a16="http://schemas.microsoft.com/office/drawing/2014/main" id="{3652DAE1-1449-10E1-5CCA-48A4385DEB0A}"/>
+                <a16:creationId xmlns:a16="http://schemas.microsoft.com/office/drawing/2014/main" xmlns="" id="{3652DAE1-1449-10E1-5CCA-48A4385DEB0A}"/>
               </a:ext>
             </a:extLst>
           </p:cNvPr>
@@ -16181,7 +17942,15 @@
           <a:p>
             <a:r>
               <a:rPr lang="ru-RU" dirty="0"/>
-              <a:t>Чистка данных – порог </a:t>
+              <a:t>Чистка </a:t>
+            </a:r>
+            <a:r>
+              <a:rPr lang="ru-RU" dirty="0" smtClean="0"/>
+              <a:t>данных: </a:t>
+            </a:r>
+            <a:r>
+              <a:rPr lang="ru-RU" dirty="0"/>
+              <a:t>порог </a:t>
             </a:r>
             <a:r>
               <a:rPr lang="en-US" dirty="0"/>
@@ -16195,7 +17964,7 @@
           <p:cNvPr id="3" name="Text Placeholder 2">
             <a:extLst>
               <a:ext uri="{FF2B5EF4-FFF2-40B4-BE49-F238E27FC236}">
-                <a16:creationId xmlns:a16="http://schemas.microsoft.com/office/drawing/2014/main" id="{3F79E639-A304-A533-D7E0-CFCFE0715BA0}"/>
+                <a16:creationId xmlns:a16="http://schemas.microsoft.com/office/drawing/2014/main" xmlns="" id="{3F79E639-A304-A533-D7E0-CFCFE0715BA0}"/>
               </a:ext>
             </a:extLst>
           </p:cNvPr>
@@ -16249,7 +18018,66 @@
                 <a:effectLst/>
                 <a:latin typeface="+mj-lt"/>
               </a:rPr>
-              <a:t> явно есть выбросы по годам, которые могут помешать нам построить регрессию. Сделаем нижний порог равный </a:t>
+              <a:t> явно есть выбросы по годам, которые могут помешать нам построить регрессию. Сделаем нижний порог </a:t>
+            </a:r>
+            <a:r>
+              <a:rPr lang="ru-RU" sz="1600" b="0" i="0" dirty="0" smtClean="0">
+                <a:solidFill>
+                  <a:srgbClr val="212121"/>
+                </a:solidFill>
+                <a:effectLst/>
+                <a:latin typeface="+mj-lt"/>
+              </a:rPr>
+              <a:t>равным </a:t>
+            </a:r>
+            <a:r>
+              <a:rPr lang="en-US" sz="1600" b="0" i="0" dirty="0" smtClean="0">
+                <a:solidFill>
+                  <a:srgbClr val="212121"/>
+                </a:solidFill>
+                <a:effectLst/>
+                <a:latin typeface="+mj-lt"/>
+              </a:rPr>
+              <a:t>IQR</a:t>
+            </a:r>
+            <a:r>
+              <a:rPr lang="ru-RU" sz="1600" b="0" i="0" dirty="0" smtClean="0">
+                <a:solidFill>
+                  <a:srgbClr val="212121"/>
+                </a:solidFill>
+                <a:effectLst/>
+                <a:latin typeface="+mj-lt"/>
+              </a:rPr>
+              <a:t>*1.5</a:t>
+            </a:r>
+            <a:r>
+              <a:rPr lang="en-US" sz="1600" dirty="0">
+                <a:solidFill>
+                  <a:srgbClr val="212121"/>
+                </a:solidFill>
+                <a:latin typeface="+mj-lt"/>
+              </a:rPr>
+              <a:t>,</a:t>
+            </a:r>
+            <a:r>
+              <a:rPr lang="ru-RU" sz="1600" b="0" i="0" dirty="0" smtClean="0">
+                <a:solidFill>
+                  <a:srgbClr val="212121"/>
+                </a:solidFill>
+                <a:effectLst/>
+                <a:latin typeface="+mj-lt"/>
+              </a:rPr>
+              <a:t> </a:t>
+            </a:r>
+            <a:r>
+              <a:rPr lang="ru-RU" sz="1600" b="0" i="0" dirty="0">
+                <a:solidFill>
+                  <a:srgbClr val="212121"/>
+                </a:solidFill>
+                <a:effectLst/>
+                <a:latin typeface="+mj-lt"/>
+              </a:rPr>
+              <a:t>это отрежет менее 10% фильмов. </a:t>
             </a:r>
             <a:r>
               <a:rPr lang="ru-RU" sz="1600" b="0" i="0" dirty="0" err="1">
@@ -16259,7 +18087,7 @@
                 <a:effectLst/>
                 <a:latin typeface="+mj-lt"/>
               </a:rPr>
-              <a:t>iqr</a:t>
+              <a:t>Netflix</a:t>
             </a:r>
             <a:r>
               <a:rPr lang="ru-RU" sz="1600" b="0" i="0" dirty="0">
@@ -16269,17 +18097,17 @@
                 <a:effectLst/>
                 <a:latin typeface="+mj-lt"/>
               </a:rPr>
-              <a:t>*1.5. это отрежет менее 10% фильмов. </a:t>
-            </a:r>
-            <a:r>
-              <a:rPr lang="ru-RU" sz="1600" b="0" i="0" dirty="0" err="1">
+              <a:t> появился в 1997 </a:t>
+            </a:r>
+            <a:r>
+              <a:rPr lang="ru-RU" sz="1600" b="0" i="0" dirty="0" smtClean="0">
                 <a:solidFill>
                   <a:srgbClr val="212121"/>
                 </a:solidFill>
                 <a:effectLst/>
                 <a:latin typeface="+mj-lt"/>
               </a:rPr>
-              <a:t>Netflix</a:t>
+              <a:t>году и </a:t>
             </a:r>
             <a:r>
               <a:rPr lang="ru-RU" sz="1600" b="0" i="0" dirty="0">
@@ -16289,7 +18117,27 @@
                 <a:effectLst/>
                 <a:latin typeface="+mj-lt"/>
               </a:rPr>
-              <a:t> появился в 1997 и все шоу с датой выпуска ранее - это шоу позже выкупленные компанией.</a:t>
+              <a:t>все шоу с датой выпуска ранее </a:t>
+            </a:r>
+            <a:r>
+              <a:rPr lang="ru-RU" sz="1600" b="0" i="0" dirty="0" smtClean="0">
+                <a:solidFill>
+                  <a:srgbClr val="212121"/>
+                </a:solidFill>
+                <a:effectLst/>
+                <a:latin typeface="+mj-lt"/>
+              </a:rPr>
+              <a:t>– это шоу, </a:t>
+            </a:r>
+            <a:r>
+              <a:rPr lang="ru-RU" sz="1600" b="0" i="0" dirty="0">
+                <a:solidFill>
+                  <a:srgbClr val="212121"/>
+                </a:solidFill>
+                <a:effectLst/>
+                <a:latin typeface="+mj-lt"/>
+              </a:rPr>
+              <a:t>позже выкупленные компанией.</a:t>
             </a:r>
           </a:p>
           <a:p>
@@ -16304,7 +18152,7 @@
           <p:cNvPr id="5" name="Picture 4">
             <a:extLst>
               <a:ext uri="{FF2B5EF4-FFF2-40B4-BE49-F238E27FC236}">
-                <a16:creationId xmlns:a16="http://schemas.microsoft.com/office/drawing/2014/main" id="{46775506-6A6A-D61C-17B2-63DCCAE6CC41}"/>
+                <a16:creationId xmlns:a16="http://schemas.microsoft.com/office/drawing/2014/main" xmlns="" id="{46775506-6A6A-D61C-17B2-63DCCAE6CC41}"/>
               </a:ext>
             </a:extLst>
           </p:cNvPr>
@@ -16459,11 +18307,19 @@
             </a:r>
             <a:r>
               <a:rPr lang="en-US" dirty="0"/>
-              <a:t> TVPG</a:t>
+              <a:t> </a:t>
+            </a:r>
+            <a:r>
+              <a:rPr lang="en-US" dirty="0" smtClean="0"/>
+              <a:t>TVPG</a:t>
+            </a:r>
+            <a:r>
+              <a:rPr lang="ru-RU" dirty="0" smtClean="0"/>
+              <a:t>, </a:t>
             </a:r>
             <a:r>
               <a:rPr lang="ru-RU" dirty="0"/>
-              <a:t> получаем только 4 группы.</a:t>
+              <a:t>получаем только 4 группы.</a:t>
             </a:r>
             <a:r>
               <a:rPr lang="en-US" dirty="0"/>
@@ -16542,7 +18398,7 @@
           <p:cNvPr id="5" name="Picture 4">
             <a:extLst>
               <a:ext uri="{FF2B5EF4-FFF2-40B4-BE49-F238E27FC236}">
-                <a16:creationId xmlns:a16="http://schemas.microsoft.com/office/drawing/2014/main" id="{05DB70CD-2237-650F-2050-D0B07ABEEA54}"/>
+                <a16:creationId xmlns:a16="http://schemas.microsoft.com/office/drawing/2014/main" xmlns="" id="{05DB70CD-2237-650F-2050-D0B07ABEEA54}"/>
               </a:ext>
             </a:extLst>
           </p:cNvPr>
@@ -16691,7 +18547,7 @@
           <p:cNvPr id="3" name="Picture 2">
             <a:extLst>
               <a:ext uri="{FF2B5EF4-FFF2-40B4-BE49-F238E27FC236}">
-                <a16:creationId xmlns:a16="http://schemas.microsoft.com/office/drawing/2014/main" id="{C38B551E-81E1-6697-1E44-C65CFA5C3D78}"/>
+                <a16:creationId xmlns:a16="http://schemas.microsoft.com/office/drawing/2014/main" xmlns="" id="{C38B551E-81E1-6697-1E44-C65CFA5C3D78}"/>
               </a:ext>
             </a:extLst>
           </p:cNvPr>
@@ -16746,7 +18602,7 @@
           <p:cNvPr id="2" name="Title 1">
             <a:extLst>
               <a:ext uri="{FF2B5EF4-FFF2-40B4-BE49-F238E27FC236}">
-                <a16:creationId xmlns:a16="http://schemas.microsoft.com/office/drawing/2014/main" id="{E6E0AB18-E3E0-652A-CC57-70462929FD57}"/>
+                <a16:creationId xmlns:a16="http://schemas.microsoft.com/office/drawing/2014/main" xmlns="" id="{E6E0AB18-E3E0-652A-CC57-70462929FD57}"/>
               </a:ext>
             </a:extLst>
           </p:cNvPr>
@@ -16782,7 +18638,7 @@
           <p:cNvPr id="3" name="Text Placeholder 2">
             <a:extLst>
               <a:ext uri="{FF2B5EF4-FFF2-40B4-BE49-F238E27FC236}">
-                <a16:creationId xmlns:a16="http://schemas.microsoft.com/office/drawing/2014/main" id="{AFAB9317-0CC6-88AF-A8C7-CF46523386D0}"/>
+                <a16:creationId xmlns:a16="http://schemas.microsoft.com/office/drawing/2014/main" xmlns="" id="{AFAB9317-0CC6-88AF-A8C7-CF46523386D0}"/>
               </a:ext>
             </a:extLst>
           </p:cNvPr>
@@ -16829,7 +18685,47 @@
                 <a:effectLst/>
                 <a:latin typeface="Roboto"/>
               </a:rPr>
-              <a:t> для сравнения и понимания где просадки (рейтинг 76-77 и 87-88). Чем больше корзин тем лучше это видно на фоне меньшего количества корзин.</a:t>
+              <a:t> для сравнения и </a:t>
+            </a:r>
+            <a:r>
+              <a:rPr lang="ru-RU" b="0" i="0" dirty="0" smtClean="0">
+                <a:solidFill>
+                  <a:srgbClr val="212121"/>
+                </a:solidFill>
+                <a:effectLst/>
+                <a:latin typeface="Roboto"/>
+              </a:rPr>
+              <a:t>понимания, </a:t>
+            </a:r>
+            <a:r>
+              <a:rPr lang="ru-RU" b="0" i="0" dirty="0">
+                <a:solidFill>
+                  <a:srgbClr val="212121"/>
+                </a:solidFill>
+                <a:effectLst/>
+                <a:latin typeface="Roboto"/>
+              </a:rPr>
+              <a:t>где просадки (рейтинг 76-77 и 87-88). Чем больше </a:t>
+            </a:r>
+            <a:r>
+              <a:rPr lang="ru-RU" b="0" i="0" dirty="0" smtClean="0">
+                <a:solidFill>
+                  <a:srgbClr val="212121"/>
+                </a:solidFill>
+                <a:effectLst/>
+                <a:latin typeface="Roboto"/>
+              </a:rPr>
+              <a:t>корзин, </a:t>
+            </a:r>
+            <a:r>
+              <a:rPr lang="ru-RU" b="0" i="0" dirty="0">
+                <a:solidFill>
+                  <a:srgbClr val="212121"/>
+                </a:solidFill>
+                <a:effectLst/>
+                <a:latin typeface="Roboto"/>
+              </a:rPr>
+              <a:t>тем лучше это видно на фоне меньшего количества корзин.</a:t>
             </a:r>
             <a:endParaRPr lang="en-US" dirty="0"/>
           </a:p>
@@ -16840,7 +18736,7 @@
           <p:cNvPr id="5" name="Picture 4">
             <a:extLst>
               <a:ext uri="{FF2B5EF4-FFF2-40B4-BE49-F238E27FC236}">
-                <a16:creationId xmlns:a16="http://schemas.microsoft.com/office/drawing/2014/main" id="{EBD8756B-60C4-C577-4A8D-2A1C41DA34BF}"/>
+                <a16:creationId xmlns:a16="http://schemas.microsoft.com/office/drawing/2014/main" xmlns="" id="{EBD8756B-60C4-C577-4A8D-2A1C41DA34BF}"/>
               </a:ext>
             </a:extLst>
           </p:cNvPr>
@@ -17066,7 +18962,107 @@
                 <a:effectLst/>
                 <a:latin typeface="+mj-lt"/>
               </a:rPr>
-              <a:t> большое количество шоу было выпущено в 2016 году, что сильно сместило график, в связи с чем медиана выше чем среднее. Чем больше шоу в 2016 тем ближе медиана к 2016, но если бы у нас учитывалось, например шоу 1940го, то это бы сильно повлияло на среднее, и почти никак на медиану.</a:t>
+              <a:t> большое количество шоу было выпущено в 2016 году, что сильно сместило график, в связи с чем медиана </a:t>
+            </a:r>
+            <a:r>
+              <a:rPr lang="ru-RU" b="0" i="0" dirty="0" smtClean="0">
+                <a:solidFill>
+                  <a:schemeClr val="bg2"/>
+                </a:solidFill>
+                <a:effectLst/>
+                <a:latin typeface="+mj-lt"/>
+              </a:rPr>
+              <a:t>выше, чем </a:t>
+            </a:r>
+            <a:r>
+              <a:rPr lang="ru-RU" b="0" i="0" dirty="0">
+                <a:solidFill>
+                  <a:schemeClr val="bg2"/>
+                </a:solidFill>
+                <a:effectLst/>
+                <a:latin typeface="+mj-lt"/>
+              </a:rPr>
+              <a:t>среднее. Чем больше шоу в </a:t>
+            </a:r>
+            <a:r>
+              <a:rPr lang="ru-RU" b="0" i="0" dirty="0" smtClean="0">
+                <a:solidFill>
+                  <a:schemeClr val="bg2"/>
+                </a:solidFill>
+                <a:effectLst/>
+                <a:latin typeface="+mj-lt"/>
+              </a:rPr>
+              <a:t>2016, </a:t>
+            </a:r>
+            <a:r>
+              <a:rPr lang="ru-RU" b="0" i="0" dirty="0">
+                <a:solidFill>
+                  <a:schemeClr val="bg2"/>
+                </a:solidFill>
+                <a:effectLst/>
+                <a:latin typeface="+mj-lt"/>
+              </a:rPr>
+              <a:t>тем ближе медиана к 2016, но если бы у нас учитывалось, </a:t>
+            </a:r>
+            <a:r>
+              <a:rPr lang="ru-RU" b="0" i="0" dirty="0" smtClean="0">
+                <a:solidFill>
+                  <a:schemeClr val="bg2"/>
+                </a:solidFill>
+                <a:effectLst/>
+                <a:latin typeface="+mj-lt"/>
+              </a:rPr>
+              <a:t>например, </a:t>
+            </a:r>
+            <a:r>
+              <a:rPr lang="ru-RU" b="0" i="0" dirty="0">
+                <a:solidFill>
+                  <a:schemeClr val="bg2"/>
+                </a:solidFill>
+                <a:effectLst/>
+                <a:latin typeface="+mj-lt"/>
+              </a:rPr>
+              <a:t>шоу </a:t>
+            </a:r>
+            <a:r>
+              <a:rPr lang="ru-RU" b="0" i="0" dirty="0" smtClean="0">
+                <a:solidFill>
+                  <a:schemeClr val="bg2"/>
+                </a:solidFill>
+                <a:effectLst/>
+                <a:latin typeface="+mj-lt"/>
+              </a:rPr>
+              <a:t>1940-го</a:t>
+            </a:r>
+            <a:r>
+              <a:rPr lang="ru-RU" b="0" i="0" dirty="0">
+                <a:solidFill>
+                  <a:schemeClr val="bg2"/>
+                </a:solidFill>
+                <a:effectLst/>
+                <a:latin typeface="+mj-lt"/>
+              </a:rPr>
+              <a:t>, то это бы сильно повлияло на </a:t>
+            </a:r>
+            <a:r>
+              <a:rPr lang="ru-RU" b="0" i="0" dirty="0" smtClean="0">
+                <a:solidFill>
+                  <a:schemeClr val="bg2"/>
+                </a:solidFill>
+                <a:effectLst/>
+                <a:latin typeface="+mj-lt"/>
+              </a:rPr>
+              <a:t>среднее </a:t>
+            </a:r>
+            <a:r>
+              <a:rPr lang="ru-RU" b="0" i="0" dirty="0">
+                <a:solidFill>
+                  <a:schemeClr val="bg2"/>
+                </a:solidFill>
+                <a:effectLst/>
+                <a:latin typeface="+mj-lt"/>
+              </a:rPr>
+              <a:t>и почти никак на медиану.</a:t>
             </a:r>
             <a:endParaRPr dirty="0">
               <a:solidFill>
@@ -17146,7 +19142,7 @@
           <p:cNvPr id="3" name="Picture 2">
             <a:extLst>
               <a:ext uri="{FF2B5EF4-FFF2-40B4-BE49-F238E27FC236}">
-                <a16:creationId xmlns:a16="http://schemas.microsoft.com/office/drawing/2014/main" id="{FEBCCF0D-502A-C4B0-9C51-0731B42F74B1}"/>
+                <a16:creationId xmlns:a16="http://schemas.microsoft.com/office/drawing/2014/main" xmlns="" id="{FEBCCF0D-502A-C4B0-9C51-0731B42F74B1}"/>
               </a:ext>
             </a:extLst>
           </p:cNvPr>
@@ -18030,7 +20026,7 @@
   <a:extraClrSchemeLst/>
   <a:extLst>
     <a:ext uri="{05A4C25C-085E-4340-85A3-A5531E510DB2}">
-      <thm15:themeFamily xmlns:thm15="http://schemas.microsoft.com/office/thememl/2012/main" name="Office Theme" id="{62F939B6-93AF-4DB8-9C6B-D6C7DFDC589F}" vid="{4A3C46E8-61CC-4603-A589-7422A47A8E4A}"/>
+      <thm15:themeFamily xmlns:thm15="http://schemas.microsoft.com/office/thememl/2012/main" xmlns="" name="Office Theme" id="{62F939B6-93AF-4DB8-9C6B-D6C7DFDC589F}" vid="{4A3C46E8-61CC-4603-A589-7422A47A8E4A}"/>
     </a:ext>
   </a:extLst>
 </a:theme>

--- a/EDA_group_slides.pptx
+++ b/EDA_group_slides.pptx
@@ -385,7 +385,7 @@
           <a:p>
             <a:fld id="{B9D76C9E-92E3-465F-A8DB-6D552604971A}" type="datetimeFigureOut">
               <a:rPr lang="en-US" smtClean="0"/>
-              <a:t>3/15/2023</a:t>
+              <a:t>3/16/2023</a:t>
             </a:fld>
             <a:endParaRPr lang="en-US"/>
           </a:p>
@@ -10529,23 +10529,7 @@
                   <a:schemeClr val="bg2"/>
                 </a:solidFill>
               </a:rPr>
-              <a:t> года присутствующие – </a:t>
-            </a:r>
-            <a:r>
-              <a:rPr lang="ru-RU" dirty="0" smtClean="0">
-                <a:solidFill>
-                  <a:schemeClr val="bg2"/>
-                </a:solidFill>
-              </a:rPr>
-              <a:t>35; </a:t>
-            </a:r>
-            <a:r>
-              <a:rPr lang="ru-RU" dirty="0">
-                <a:solidFill>
-                  <a:schemeClr val="bg2"/>
-                </a:solidFill>
-              </a:rPr>
-              <a:t>с 1989 нет ни одного пропущенного года.</a:t>
+              <a:t> года присутствующие – 35; с 1989 нет ни одного пропущенного года.</a:t>
             </a:r>
           </a:p>
           <a:p>
@@ -11048,47 +11032,7 @@
                 <a:effectLst/>
                 <a:latin typeface="Roboto"/>
               </a:rPr>
-              <a:t>Показатель количества 2017 ниже </a:t>
-            </a:r>
-            <a:r>
-              <a:rPr lang="ru-RU" b="0" i="0" dirty="0" smtClean="0">
-                <a:solidFill>
-                  <a:srgbClr val="212121"/>
-                </a:solidFill>
-                <a:effectLst/>
-                <a:latin typeface="Roboto"/>
-              </a:rPr>
-              <a:t>2016, </a:t>
-            </a:r>
-            <a:r>
-              <a:rPr lang="ru-RU" b="0" i="0" dirty="0">
-                <a:solidFill>
-                  <a:srgbClr val="212121"/>
-                </a:solidFill>
-                <a:effectLst/>
-                <a:latin typeface="Roboto"/>
-              </a:rPr>
-              <a:t>поскольку на момент формирования </a:t>
-            </a:r>
-            <a:r>
-              <a:rPr lang="ru-RU" b="0" i="0" dirty="0" err="1">
-                <a:solidFill>
-                  <a:srgbClr val="212121"/>
-                </a:solidFill>
-                <a:effectLst/>
-                <a:latin typeface="Roboto"/>
-              </a:rPr>
-              <a:t>датасета</a:t>
-            </a:r>
-            <a:r>
-              <a:rPr lang="ru-RU" b="0" i="0" dirty="0">
-                <a:solidFill>
-                  <a:srgbClr val="212121"/>
-                </a:solidFill>
-                <a:effectLst/>
-                <a:latin typeface="Roboto"/>
-              </a:rPr>
-              <a:t> год еще не закончился, что можно увидеть по большому количеству шоу без рейтинга (</a:t>
+              <a:t>Показатель количества 2017 ниже 2016, поскольку на момент формирования датасета год еще не закончился, что можно увидеть по большому количеству шоу без рейтинга (</a:t>
             </a:r>
             <a:r>
               <a:rPr lang="en-US" b="0" i="0" dirty="0">
@@ -11142,47 +11086,7 @@
                 <a:effectLst/>
                 <a:latin typeface="Roboto"/>
               </a:rPr>
-              <a:t>Количество шоу в 2017 (покупка лицензий + выпуск оригинальных шоу) в итоге было </a:t>
-            </a:r>
-            <a:r>
-              <a:rPr lang="ru-RU" b="0" i="0" dirty="0" smtClean="0">
-                <a:solidFill>
-                  <a:srgbClr val="212121"/>
-                </a:solidFill>
-                <a:effectLst/>
-                <a:latin typeface="Roboto"/>
-              </a:rPr>
-              <a:t>больше, </a:t>
-            </a:r>
-            <a:r>
-              <a:rPr lang="ru-RU" b="0" i="0" dirty="0">
-                <a:solidFill>
-                  <a:srgbClr val="212121"/>
-                </a:solidFill>
-                <a:effectLst/>
-                <a:latin typeface="Roboto"/>
-              </a:rPr>
-              <a:t>чем в </a:t>
-            </a:r>
-            <a:r>
-              <a:rPr lang="ru-RU" b="0" i="0" dirty="0" smtClean="0">
-                <a:solidFill>
-                  <a:srgbClr val="212121"/>
-                </a:solidFill>
-                <a:effectLst/>
-                <a:latin typeface="Roboto"/>
-              </a:rPr>
-              <a:t>2016. </a:t>
-            </a:r>
-            <a:r>
-              <a:rPr lang="ru-RU" b="0" i="0" dirty="0">
-                <a:solidFill>
-                  <a:srgbClr val="212121"/>
-                </a:solidFill>
-                <a:effectLst/>
-                <a:latin typeface="Roboto"/>
-              </a:rPr>
-              <a:t>(Данные </a:t>
+              <a:t>Количество шоу в 2017 (покупка лицензий + выпуск оригинальных шоу) в итоге было больше, чем в 2016. (Данные </a:t>
             </a:r>
             <a:r>
               <a:rPr lang="en-US" b="0" i="0" dirty="0">
@@ -11523,6 +11427,36 @@
           <a:chExt cx="0" cy="0"/>
         </a:xfrm>
       </p:grpSpPr>
+      <p:pic>
+        <p:nvPicPr>
+          <p:cNvPr id="3" name="Picture 2">
+            <a:extLst>
+              <a:ext uri="{FF2B5EF4-FFF2-40B4-BE49-F238E27FC236}">
+                <a16:creationId xmlns:a16="http://schemas.microsoft.com/office/drawing/2014/main" xmlns="" id="{139F9FCC-093E-F32A-AF8B-8DBCE48E6E08}"/>
+              </a:ext>
+            </a:extLst>
+          </p:cNvPr>
+          <p:cNvPicPr>
+            <a:picLocks noChangeAspect="1"/>
+          </p:cNvPicPr>
+          <p:nvPr/>
+        </p:nvPicPr>
+        <p:blipFill>
+          <a:blip r:embed="rId3"/>
+          <a:stretch>
+            <a:fillRect/>
+          </a:stretch>
+        </p:blipFill>
+        <p:spPr>
+          <a:xfrm>
+            <a:off x="0" y="1511956"/>
+            <a:ext cx="8591294" cy="3631544"/>
+          </a:xfrm>
+          <a:prstGeom prst="rect">
+            <a:avLst/>
+          </a:prstGeom>
+        </p:spPr>
+      </p:pic>
       <p:sp>
         <p:nvSpPr>
           <p:cNvPr id="86" name="Google Shape;86;p18"/>
@@ -11582,27 +11516,7 @@
                 <a:effectLst/>
                 <a:latin typeface="Roboto"/>
               </a:rPr>
-              <a:t>оскольку рейтинговых групп у нас осталось 4, можно </a:t>
-            </a:r>
-            <a:r>
-              <a:rPr lang="ru-RU" b="0" i="0" dirty="0" smtClean="0">
-                <a:solidFill>
-                  <a:srgbClr val="212121"/>
-                </a:solidFill>
-                <a:effectLst/>
-                <a:latin typeface="Roboto"/>
-              </a:rPr>
-              <a:t>сказать, </a:t>
-            </a:r>
-            <a:r>
-              <a:rPr lang="ru-RU" b="0" i="0" dirty="0">
-                <a:solidFill>
-                  <a:srgbClr val="212121"/>
-                </a:solidFill>
-                <a:effectLst/>
-                <a:latin typeface="Roboto"/>
-              </a:rPr>
-              <a:t>что столбец </a:t>
+              <a:t>оскольку рейтинговых групп у нас осталось 4, можно сказать, что столбец </a:t>
             </a:r>
             <a:r>
               <a:rPr lang="ru-RU" b="0" i="0" dirty="0" err="1">
@@ -11658,36 +11572,6 @@
           </a:p>
         </p:txBody>
       </p:sp>
-      <p:pic>
-        <p:nvPicPr>
-          <p:cNvPr id="3" name="Picture 2">
-            <a:extLst>
-              <a:ext uri="{FF2B5EF4-FFF2-40B4-BE49-F238E27FC236}">
-                <a16:creationId xmlns:a16="http://schemas.microsoft.com/office/drawing/2014/main" xmlns="" id="{139F9FCC-093E-F32A-AF8B-8DBCE48E6E08}"/>
-              </a:ext>
-            </a:extLst>
-          </p:cNvPr>
-          <p:cNvPicPr>
-            <a:picLocks noChangeAspect="1"/>
-          </p:cNvPicPr>
-          <p:nvPr/>
-        </p:nvPicPr>
-        <p:blipFill>
-          <a:blip r:embed="rId3"/>
-          <a:stretch>
-            <a:fillRect/>
-          </a:stretch>
-        </p:blipFill>
-        <p:spPr>
-          <a:xfrm>
-            <a:off x="0" y="1511956"/>
-            <a:ext cx="8591294" cy="3631544"/>
-          </a:xfrm>
-          <a:prstGeom prst="rect">
-            <a:avLst/>
-          </a:prstGeom>
-        </p:spPr>
-      </p:pic>
     </p:spTree>
     <p:extLst>
       <p:ext uri="{BB962C8B-B14F-4D97-AF65-F5344CB8AC3E}">
@@ -11864,65 +11748,25 @@
                 <a:effectLst/>
                 <a:latin typeface="+mj-lt"/>
               </a:rPr>
-              <a:t>Первый сезон начал выходить в октябре 2008 году и закончился 20 марта 2009 года, а весь 6 сезон выпустили за один </a:t>
-            </a:r>
-            <a:r>
-              <a:rPr lang="ru-RU" sz="1000" b="0" i="0" dirty="0" smtClean="0">
+              <a:t>Первый сезон начал выходить в октябре 2008 году и закончился 20 марта 2009 года, а весь 6 сезон выпустили за один год, и может показаться</a:t>
+            </a:r>
+            <a:r>
+              <a:rPr lang="ru-RU" sz="1000" dirty="0">
+                <a:solidFill>
+                  <a:srgbClr val="212121"/>
+                </a:solidFill>
+              </a:rPr>
+              <a:t> интересным</a:t>
+            </a:r>
+            <a:r>
+              <a:rPr lang="ru-RU" sz="1000" b="0" i="0" dirty="0">
                 <a:solidFill>
                   <a:srgbClr val="212121"/>
                 </a:solidFill>
                 <a:effectLst/>
                 <a:latin typeface="+mj-lt"/>
               </a:rPr>
-              <a:t>год, </a:t>
-            </a:r>
-            <a:r>
-              <a:rPr lang="ru-RU" sz="1000" b="0" i="0" dirty="0">
-                <a:solidFill>
-                  <a:srgbClr val="212121"/>
-                </a:solidFill>
-                <a:effectLst/>
-                <a:latin typeface="+mj-lt"/>
-              </a:rPr>
-              <a:t>и </a:t>
-            </a:r>
-            <a:r>
-              <a:rPr lang="ru-RU" sz="1000" b="0" i="0" dirty="0" smtClean="0">
-                <a:solidFill>
-                  <a:srgbClr val="212121"/>
-                </a:solidFill>
-                <a:effectLst/>
-                <a:latin typeface="+mj-lt"/>
-              </a:rPr>
-              <a:t>может показаться</a:t>
-            </a:r>
-            <a:r>
-              <a:rPr lang="ru-RU" sz="1000" dirty="0">
-                <a:solidFill>
-                  <a:srgbClr val="212121"/>
-                </a:solidFill>
-              </a:rPr>
-              <a:t> интересным</a:t>
-            </a:r>
-            <a:r>
-              <a:rPr lang="ru-RU" sz="1000" b="0" i="0" dirty="0" smtClean="0">
-                <a:solidFill>
-                  <a:srgbClr val="212121"/>
-                </a:solidFill>
-                <a:effectLst/>
-                <a:latin typeface="+mj-lt"/>
-              </a:rPr>
-              <a:t>, </a:t>
-            </a:r>
-            <a:r>
-              <a:rPr lang="ru-RU" sz="1000" b="0" i="0" dirty="0">
-                <a:solidFill>
-                  <a:srgbClr val="212121"/>
-                </a:solidFill>
-                <a:effectLst/>
-                <a:latin typeface="+mj-lt"/>
-              </a:rPr>
-              <a:t>что второй сезон был выпущен полностью</a:t>
+              <a:t>, что второй сезон был выпущен полностью</a:t>
             </a:r>
             <a:r>
               <a:rPr lang="ru-RU" sz="1000" i="0" dirty="0">
@@ -12026,27 +11870,7 @@
                 <a:effectLst/>
                 <a:latin typeface="+mj-lt"/>
               </a:rPr>
-              <a:t>Стоит отметить огромную разницу в оценке </a:t>
-            </a:r>
-            <a:r>
-              <a:rPr lang="ru-RU" sz="1000" b="0" i="0" dirty="0" smtClean="0">
-                <a:solidFill>
-                  <a:srgbClr val="212121"/>
-                </a:solidFill>
-                <a:effectLst/>
-                <a:latin typeface="+mj-lt"/>
-              </a:rPr>
-              <a:t>пользователей: </a:t>
-            </a:r>
-            <a:r>
-              <a:rPr lang="ru-RU" sz="1000" b="0" i="0" dirty="0">
-                <a:solidFill>
-                  <a:srgbClr val="212121"/>
-                </a:solidFill>
-                <a:effectLst/>
-                <a:latin typeface="+mj-lt"/>
-              </a:rPr>
-              <a:t>первый сезон получил в два раза меньшие результаты по сравнению с шестым сезоном. Причин этому много: возросло качество графики и съемки, увеличился бюджет и т.д.</a:t>
+              <a:t>Стоит отметить огромную разницу в оценке пользователей: первый сезон получил в два раза меньшие результаты по сравнению с шестым сезоном. Причин этому много: возросло качество графики и съемки, увеличился бюджет и т.д.</a:t>
             </a:r>
           </a:p>
           <a:p>
@@ -12073,76 +11897,76 @@
                 <a:effectLst/>
                 <a:latin typeface="+mj-lt"/>
               </a:rPr>
-              <a:t>Единственное шоу, которое абсолютно дублирует все параметры нашего </a:t>
-            </a:r>
-            <a:r>
-              <a:rPr lang="ru-RU" sz="1000" b="0" i="0" dirty="0" smtClean="0">
+              <a:t>Единственное шоу, которое абсолютно дублирует все параметры нашего шоу, - это «Белый воротничок</a:t>
+            </a:r>
+            <a:r>
+              <a:rPr lang="ru-RU" sz="1000" dirty="0">
+                <a:solidFill>
+                  <a:srgbClr val="212121"/>
+                </a:solidFill>
+                <a:latin typeface="+mj-lt"/>
+              </a:rPr>
+              <a:t>»,</a:t>
+            </a:r>
+            <a:r>
+              <a:rPr lang="ru-RU" sz="1000" b="0" i="0" dirty="0">
                 <a:solidFill>
                   <a:srgbClr val="212121"/>
                 </a:solidFill>
                 <a:effectLst/>
                 <a:latin typeface="+mj-lt"/>
               </a:rPr>
-              <a:t>шоу, </a:t>
-            </a:r>
-            <a:r>
-              <a:rPr lang="ru-RU" sz="1000" b="0" i="0" dirty="0">
+              <a:t> использующий клише «детективный сериал про мошенника на службе ФБР». Также совпадает (на 1 балл выше) комедийный сериал «Как я встретил вашу маму»</a:t>
+            </a:r>
+            <a:r>
+              <a:rPr lang="en-US" sz="1000" b="0" i="0" dirty="0">
                 <a:solidFill>
                   <a:srgbClr val="212121"/>
                 </a:solidFill>
                 <a:effectLst/>
                 <a:latin typeface="+mj-lt"/>
               </a:rPr>
-              <a:t>- </a:t>
-            </a:r>
-            <a:r>
-              <a:rPr lang="ru-RU" sz="1000" b="0" i="0" dirty="0" smtClean="0">
+              <a:t> </a:t>
+            </a:r>
+            <a:r>
+              <a:rPr lang="ru-RU" sz="1000" b="0" i="0" dirty="0">
                 <a:solidFill>
                   <a:srgbClr val="212121"/>
                 </a:solidFill>
                 <a:effectLst/>
                 <a:latin typeface="+mj-lt"/>
               </a:rPr>
-              <a:t>это </a:t>
-            </a:r>
-            <a:r>
-              <a:rPr lang="ru-RU" sz="1000" b="0" i="0" dirty="0">
+              <a:t>и «</a:t>
+            </a:r>
+            <a:r>
+              <a:rPr lang="en-US" sz="1000" b="0" i="0" dirty="0">
                 <a:solidFill>
                   <a:srgbClr val="212121"/>
                 </a:solidFill>
                 <a:effectLst/>
                 <a:latin typeface="+mj-lt"/>
               </a:rPr>
-              <a:t>«Белый </a:t>
-            </a:r>
-            <a:r>
-              <a:rPr lang="ru-RU" sz="1000" b="0" i="0" dirty="0" smtClean="0">
+              <a:t>Hard of Dixie</a:t>
+            </a:r>
+            <a:r>
+              <a:rPr lang="ru-RU" sz="1000" b="0" i="0" dirty="0">
                 <a:solidFill>
                   <a:srgbClr val="212121"/>
                 </a:solidFill>
                 <a:effectLst/>
                 <a:latin typeface="+mj-lt"/>
               </a:rPr>
-              <a:t>воротничок</a:t>
-            </a:r>
-            <a:r>
-              <a:rPr lang="ru-RU" sz="1000" dirty="0" smtClean="0">
-                <a:solidFill>
-                  <a:srgbClr val="212121"/>
-                </a:solidFill>
-                <a:latin typeface="+mj-lt"/>
-              </a:rPr>
-              <a:t>»,</a:t>
-            </a:r>
-            <a:r>
-              <a:rPr lang="ru-RU" sz="1000" b="0" i="0" dirty="0" smtClean="0">
+              <a:t>»</a:t>
+            </a:r>
+            <a:r>
+              <a:rPr lang="en-US" sz="1000" b="0" i="0" dirty="0">
                 <a:solidFill>
                   <a:srgbClr val="212121"/>
                 </a:solidFill>
                 <a:effectLst/>
                 <a:latin typeface="+mj-lt"/>
               </a:rPr>
-              <a:t> </a:t>
+              <a:t> (</a:t>
             </a:r>
             <a:r>
               <a:rPr lang="ru-RU" sz="1000" b="0" i="0" dirty="0">
@@ -12152,17 +11976,17 @@
                 <a:effectLst/>
                 <a:latin typeface="+mj-lt"/>
               </a:rPr>
-              <a:t>использующий клише </a:t>
-            </a:r>
-            <a:r>
-              <a:rPr lang="ru-RU" sz="1000" b="0" i="0" dirty="0" smtClean="0">
+              <a:t>год, возрастной рейтинг, кластер </a:t>
+            </a:r>
+            <a:r>
+              <a:rPr lang="en-US" sz="1000" b="0" i="0" dirty="0">
                 <a:solidFill>
                   <a:srgbClr val="212121"/>
                 </a:solidFill>
                 <a:effectLst/>
                 <a:latin typeface="+mj-lt"/>
               </a:rPr>
-              <a:t>«детективный </a:t>
+              <a:t>DBSCAN</a:t>
             </a:r>
             <a:r>
               <a:rPr lang="ru-RU" sz="1000" b="0" i="0" dirty="0">
@@ -12172,130 +11996,10 @@
                 <a:effectLst/>
                 <a:latin typeface="+mj-lt"/>
               </a:rPr>
-              <a:t>сериал про мошенника на </a:t>
-            </a:r>
-            <a:r>
-              <a:rPr lang="ru-RU" sz="1000" b="0" i="0" dirty="0" smtClean="0">
-                <a:solidFill>
-                  <a:srgbClr val="212121"/>
-                </a:solidFill>
-                <a:effectLst/>
-                <a:latin typeface="+mj-lt"/>
-              </a:rPr>
-              <a:t>службе ФБР». Также </a:t>
-            </a:r>
-            <a:r>
-              <a:rPr lang="ru-RU" sz="1000" b="0" i="0" dirty="0">
-                <a:solidFill>
-                  <a:srgbClr val="212121"/>
-                </a:solidFill>
-                <a:effectLst/>
-                <a:latin typeface="+mj-lt"/>
-              </a:rPr>
-              <a:t>совпадает (</a:t>
-            </a:r>
-            <a:r>
-              <a:rPr lang="ru-RU" sz="1000" b="0" i="0" dirty="0" smtClean="0">
-                <a:solidFill>
-                  <a:srgbClr val="212121"/>
-                </a:solidFill>
-                <a:effectLst/>
-                <a:latin typeface="+mj-lt"/>
-              </a:rPr>
-              <a:t>на 1 балл </a:t>
-            </a:r>
-            <a:r>
-              <a:rPr lang="ru-RU" sz="1000" b="0" i="0" dirty="0">
-                <a:solidFill>
-                  <a:srgbClr val="212121"/>
-                </a:solidFill>
-                <a:effectLst/>
-                <a:latin typeface="+mj-lt"/>
-              </a:rPr>
-              <a:t>выше) комедийный сериал «Как я встретил вашу маму»</a:t>
+              <a:t>)</a:t>
             </a:r>
             <a:r>
               <a:rPr lang="en-US" sz="1000" b="0" i="0" dirty="0">
-                <a:solidFill>
-                  <a:srgbClr val="212121"/>
-                </a:solidFill>
-                <a:effectLst/>
-                <a:latin typeface="+mj-lt"/>
-              </a:rPr>
-              <a:t> </a:t>
-            </a:r>
-            <a:r>
-              <a:rPr lang="ru-RU" sz="1000" b="0" i="0" dirty="0">
-                <a:solidFill>
-                  <a:srgbClr val="212121"/>
-                </a:solidFill>
-                <a:effectLst/>
-                <a:latin typeface="+mj-lt"/>
-              </a:rPr>
-              <a:t>и «</a:t>
-            </a:r>
-            <a:r>
-              <a:rPr lang="en-US" sz="1000" b="0" i="0" dirty="0">
-                <a:solidFill>
-                  <a:srgbClr val="212121"/>
-                </a:solidFill>
-                <a:effectLst/>
-                <a:latin typeface="+mj-lt"/>
-              </a:rPr>
-              <a:t>Hard of Dixie</a:t>
-            </a:r>
-            <a:r>
-              <a:rPr lang="ru-RU" sz="1000" b="0" i="0" dirty="0">
-                <a:solidFill>
-                  <a:srgbClr val="212121"/>
-                </a:solidFill>
-                <a:effectLst/>
-                <a:latin typeface="+mj-lt"/>
-              </a:rPr>
-              <a:t>»</a:t>
-            </a:r>
-            <a:r>
-              <a:rPr lang="en-US" sz="1000" b="0" i="0" dirty="0">
-                <a:solidFill>
-                  <a:srgbClr val="212121"/>
-                </a:solidFill>
-                <a:effectLst/>
-                <a:latin typeface="+mj-lt"/>
-              </a:rPr>
-              <a:t> (</a:t>
-            </a:r>
-            <a:r>
-              <a:rPr lang="ru-RU" sz="1000" b="0" i="0" dirty="0">
-                <a:solidFill>
-                  <a:srgbClr val="212121"/>
-                </a:solidFill>
-                <a:effectLst/>
-                <a:latin typeface="+mj-lt"/>
-              </a:rPr>
-              <a:t>год, возрастной рейтинг, кластер </a:t>
-            </a:r>
-            <a:r>
-              <a:rPr lang="en-US" sz="1000" b="0" i="0" dirty="0" smtClean="0">
-                <a:solidFill>
-                  <a:srgbClr val="212121"/>
-                </a:solidFill>
-                <a:effectLst/>
-                <a:latin typeface="+mj-lt"/>
-              </a:rPr>
-              <a:t>DBSCAN</a:t>
-            </a:r>
-            <a:r>
-              <a:rPr lang="ru-RU" sz="1000" b="0" i="0" dirty="0" smtClean="0">
-                <a:solidFill>
-                  <a:srgbClr val="212121"/>
-                </a:solidFill>
-                <a:effectLst/>
-                <a:latin typeface="+mj-lt"/>
-              </a:rPr>
-              <a:t>)</a:t>
-            </a:r>
-            <a:r>
-              <a:rPr lang="en-US" sz="1000" b="0" i="0" dirty="0" smtClean="0">
                 <a:solidFill>
                   <a:srgbClr val="212121"/>
                 </a:solidFill>
@@ -12329,14 +12033,23 @@
               <a:buNone/>
             </a:pPr>
             <a:r>
-              <a:rPr lang="ru-RU" sz="1000" b="0" i="0" dirty="0" smtClean="0">
+              <a:rPr lang="ru-RU" sz="1000" b="0" i="0" dirty="0">
                 <a:solidFill>
                   <a:srgbClr val="212121"/>
                 </a:solidFill>
                 <a:effectLst/>
                 <a:latin typeface="+mj-lt"/>
               </a:rPr>
-              <a:t>Также </a:t>
+              <a:t>Также у шестого сезона можно заметить немного возросший возрастной рейтинг. </a:t>
+            </a:r>
+            <a:r>
+              <a:rPr lang="ru-RU" sz="1000" dirty="0">
+                <a:solidFill>
+                  <a:srgbClr val="212121"/>
+                </a:solidFill>
+                <a:latin typeface="+mj-lt"/>
+              </a:rPr>
+              <a:t>Э</a:t>
             </a:r>
             <a:r>
               <a:rPr lang="ru-RU" sz="1000" b="0" i="0" dirty="0">
@@ -12346,66 +12059,7 @@
                 <a:effectLst/>
                 <a:latin typeface="+mj-lt"/>
               </a:rPr>
-              <a:t>у шестого сезона можно заметить немного возросший возрастной </a:t>
-            </a:r>
-            <a:r>
-              <a:rPr lang="ru-RU" sz="1000" b="0" i="0" dirty="0" smtClean="0">
-                <a:solidFill>
-                  <a:srgbClr val="212121"/>
-                </a:solidFill>
-                <a:effectLst/>
-                <a:latin typeface="+mj-lt"/>
-              </a:rPr>
-              <a:t>рейтинг. </a:t>
-            </a:r>
-            <a:r>
-              <a:rPr lang="ru-RU" sz="1000" dirty="0" smtClean="0">
-                <a:solidFill>
-                  <a:srgbClr val="212121"/>
-                </a:solidFill>
-                <a:latin typeface="+mj-lt"/>
-              </a:rPr>
-              <a:t>Э</a:t>
-            </a:r>
-            <a:r>
-              <a:rPr lang="ru-RU" sz="1000" b="0" i="0" dirty="0" smtClean="0">
-                <a:solidFill>
-                  <a:srgbClr val="212121"/>
-                </a:solidFill>
-                <a:effectLst/>
-                <a:latin typeface="+mj-lt"/>
-              </a:rPr>
-              <a:t>то </a:t>
-            </a:r>
-            <a:r>
-              <a:rPr lang="ru-RU" sz="1000" b="0" i="0" dirty="0">
-                <a:solidFill>
-                  <a:srgbClr val="212121"/>
-                </a:solidFill>
-                <a:effectLst/>
-                <a:latin typeface="+mj-lt"/>
-              </a:rPr>
-              <a:t>может быть связано с тем, что увеличилось количество сцен </a:t>
-            </a:r>
-            <a:r>
-              <a:rPr lang="ru-RU" sz="1000" b="0" i="0" dirty="0" smtClean="0">
-                <a:solidFill>
-                  <a:srgbClr val="212121"/>
-                </a:solidFill>
-                <a:effectLst/>
-                <a:latin typeface="+mj-lt"/>
-              </a:rPr>
-              <a:t>со </a:t>
-            </a:r>
-            <a:r>
-              <a:rPr lang="ru-RU" sz="1000" b="0" i="0" dirty="0">
-                <a:solidFill>
-                  <a:srgbClr val="212121"/>
-                </a:solidFill>
-                <a:effectLst/>
-                <a:latin typeface="+mj-lt"/>
-              </a:rPr>
-              <a:t>сражениями.</a:t>
+              <a:t>то может быть связано с тем, что увеличилось количество сцен со сражениями.</a:t>
             </a:r>
           </a:p>
         </p:txBody>
@@ -12664,15 +12318,7 @@
             </a:pPr>
             <a:r>
               <a:rPr lang="ru" dirty="0"/>
-              <a:t>Дополнительный анализ </a:t>
-            </a:r>
-            <a:r>
-              <a:rPr lang="ru" dirty="0" smtClean="0"/>
-              <a:t>данных: Пустые </a:t>
-            </a:r>
-            <a:r>
-              <a:rPr lang="ru" dirty="0"/>
-              <a:t>значения</a:t>
+              <a:t>Дополнительный анализ данных: Пустые значения</a:t>
             </a:r>
             <a:endParaRPr dirty="0"/>
           </a:p>
@@ -12745,8 +12391,12 @@
               <a:t> Можно выдвинуть несколько гипотез, каким образом их можно было бы заполнить. На графике мы можем наблюдать слабую корреляцию </a:t>
             </a:r>
             <a:r>
+              <a:rPr lang="en-US" smtClean="0"/>
+              <a:t>user </a:t>
+            </a:r>
+            <a:r>
               <a:rPr lang="en-US" dirty="0"/>
-              <a:t>use rating score </a:t>
+              <a:t>rating score </a:t>
             </a:r>
             <a:r>
               <a:rPr lang="ru-RU" dirty="0"/>
@@ -12840,19 +12490,7 @@
           <a:p>
             <a:r>
               <a:rPr lang="ru" dirty="0"/>
-              <a:t>Заполнение пустых </a:t>
-            </a:r>
-            <a:r>
-              <a:rPr lang="ru" dirty="0" smtClean="0"/>
-              <a:t>значений: </a:t>
-            </a:r>
-            <a:r>
-              <a:rPr lang="ru" dirty="0"/>
-              <a:t>Г</a:t>
-            </a:r>
-            <a:r>
-              <a:rPr lang="ru" dirty="0" smtClean="0"/>
-              <a:t>ипотезы</a:t>
+              <a:t>Заполнение пустых значений: Гипотезы</a:t>
             </a:r>
             <a:endParaRPr lang="en-US" dirty="0"/>
           </a:p>
@@ -12901,7 +12539,7 @@
               <a:buAutoNum type="arabicPeriod"/>
             </a:pPr>
             <a:r>
-              <a:rPr lang="ru-RU" dirty="0" smtClean="0"/>
+              <a:rPr lang="ru-RU" dirty="0"/>
               <a:t>Отбросить пустые значения</a:t>
             </a:r>
           </a:p>
@@ -12920,7 +12558,7 @@
               <a:buAutoNum type="arabicPeriod"/>
             </a:pPr>
             <a:r>
-              <a:rPr lang="ru-RU" dirty="0" smtClean="0"/>
+              <a:rPr lang="ru-RU" dirty="0"/>
               <a:t>Заполнить средним по столбцу</a:t>
             </a:r>
           </a:p>
@@ -12939,7 +12577,7 @@
               <a:buAutoNum type="arabicPeriod"/>
             </a:pPr>
             <a:r>
-              <a:rPr lang="ru-RU" dirty="0" smtClean="0"/>
+              <a:rPr lang="ru-RU" dirty="0"/>
               <a:t>Заполнить средним по году</a:t>
             </a:r>
           </a:p>
@@ -12958,11 +12596,11 @@
               <a:buAutoNum type="arabicPeriod"/>
             </a:pPr>
             <a:r>
-              <a:rPr lang="ru-RU" dirty="0" smtClean="0"/>
+              <a:rPr lang="ru-RU" dirty="0"/>
               <a:t>Заполнить в пределах 1 </a:t>
             </a:r>
             <a:r>
-              <a:rPr lang="en-US" dirty="0" smtClean="0"/>
+              <a:rPr lang="en-US" dirty="0"/>
               <a:t>STD</a:t>
             </a:r>
           </a:p>
@@ -12981,11 +12619,11 @@
               <a:buAutoNum type="arabicPeriod"/>
             </a:pPr>
             <a:r>
-              <a:rPr lang="ru-RU" dirty="0" smtClean="0"/>
+              <a:rPr lang="ru-RU" dirty="0"/>
               <a:t>Заполнить в пределах </a:t>
             </a:r>
             <a:r>
-              <a:rPr lang="en-US" dirty="0" smtClean="0"/>
+              <a:rPr lang="en-US" dirty="0"/>
               <a:t>IQR * 1.5</a:t>
             </a:r>
           </a:p>
@@ -13004,14 +12642,14 @@
               <a:buAutoNum type="arabicPeriod"/>
             </a:pPr>
             <a:r>
-              <a:rPr lang="ru-RU" dirty="0" smtClean="0"/>
+              <a:rPr lang="ru-RU" dirty="0"/>
               <a:t>Заполнить, используя центр кластеров </a:t>
             </a:r>
             <a:r>
-              <a:rPr lang="en-US" dirty="0" err="1" smtClean="0"/>
+              <a:rPr lang="en-US" dirty="0" err="1"/>
               <a:t>kmeans</a:t>
             </a:r>
-            <a:endParaRPr lang="en-US" dirty="0" smtClean="0"/>
+            <a:endParaRPr lang="en-US" dirty="0"/>
           </a:p>
           <a:p>
             <a:pPr marL="342900" lvl="0" algn="just" rtl="0">
@@ -13028,11 +12666,11 @@
               <a:buAutoNum type="arabicPeriod"/>
             </a:pPr>
             <a:r>
-              <a:rPr lang="ru-RU" dirty="0" smtClean="0"/>
+              <a:rPr lang="ru-RU" dirty="0"/>
               <a:t>Заполнить, используя </a:t>
             </a:r>
             <a:r>
-              <a:rPr lang="en-US" dirty="0" smtClean="0"/>
+              <a:rPr lang="en-US" dirty="0"/>
               <a:t>k-nearest neighbors</a:t>
             </a:r>
           </a:p>
@@ -13051,10 +12689,9 @@
               <a:buAutoNum type="arabicPeriod"/>
             </a:pPr>
             <a:r>
-              <a:rPr lang="ru-RU" dirty="0" smtClean="0"/>
+              <a:rPr lang="ru-RU" dirty="0"/>
               <a:t>Заполнить, используя линейную регрессию</a:t>
             </a:r>
-            <a:endParaRPr lang="ru-RU" dirty="0"/>
           </a:p>
         </p:txBody>
       </p:sp>
@@ -13338,11 +12975,11 @@
               <a:buNone/>
             </a:pPr>
             <a:r>
-              <a:rPr lang="ru-RU" b="1" dirty="0" smtClean="0"/>
+              <a:rPr lang="ru-RU" b="1" dirty="0"/>
               <a:t>Отдельно</a:t>
             </a:r>
             <a:r>
-              <a:rPr lang="ru-RU" dirty="0" smtClean="0"/>
+              <a:rPr lang="ru-RU" dirty="0"/>
               <a:t> хотелось бы обратить внимание, что заполнение пустых ячеек в колонке рейтинга зрителей может быть бессмысленной работой, поскольку наличествующие у нас данные, а именно, год выпуска, возрастной рейтинг и его числовая интерпретация недостаточны для того, чтобы верно оценить шоу.</a:t>
             </a:r>
           </a:p>
@@ -13354,11 +12991,11 @@
               <a:buNone/>
             </a:pPr>
             <a:r>
-              <a:rPr lang="ru-RU" b="1" dirty="0" smtClean="0"/>
+              <a:rPr lang="ru-RU" b="1" dirty="0"/>
               <a:t>Например</a:t>
             </a:r>
             <a:r>
-              <a:rPr lang="ru-RU" dirty="0" smtClean="0"/>
+              <a:rPr lang="ru-RU" dirty="0"/>
               <a:t>, тот факт, что шоу вышло в год, когда было много успешных шоу с рейтингом, не означает, что данное шоу будет успешным.</a:t>
             </a:r>
           </a:p>
@@ -13370,26 +13007,17 @@
               <a:buNone/>
             </a:pPr>
             <a:r>
-              <a:rPr lang="ru-RU" dirty="0" smtClean="0"/>
-              <a:t>Помимо всего прочего, сам факт отсутствия </a:t>
-            </a:r>
-            <a:r>
-              <a:rPr lang="ru-RU" dirty="0" err="1" smtClean="0"/>
-              <a:t>рейтинка</a:t>
-            </a:r>
-            <a:r>
-              <a:rPr lang="ru-RU" dirty="0" smtClean="0"/>
-              <a:t> – как зрителей, так и возрастного, - </a:t>
-            </a:r>
-            <a:r>
-              <a:rPr lang="ru-RU" i="1" dirty="0" smtClean="0"/>
+              <a:rPr lang="ru-RU" dirty="0"/>
+              <a:t>Помимо всего прочего, сам факт отсутствия рейтинга – как зрителей, так и возрастного, - </a:t>
+            </a:r>
+            <a:r>
+              <a:rPr lang="ru-RU" i="1" dirty="0"/>
               <a:t>может</a:t>
             </a:r>
             <a:r>
-              <a:rPr lang="ru-RU" dirty="0" smtClean="0"/>
+              <a:rPr lang="ru-RU" dirty="0"/>
               <a:t> говорить о том, что шоу мало кому интересно (если речь не идет о самых новых шоу).</a:t>
             </a:r>
-            <a:endParaRPr lang="ru-RU" dirty="0"/>
           </a:p>
         </p:txBody>
       </p:sp>
@@ -13498,47 +13126,7 @@
                 <a:effectLst/>
                 <a:latin typeface="Roboto"/>
               </a:rPr>
-              <a:t>Как видим, пусть </a:t>
-            </a:r>
-            <a:r>
-              <a:rPr lang="ru-RU" b="0" i="0" dirty="0" smtClean="0">
-                <a:solidFill>
-                  <a:srgbClr val="212121"/>
-                </a:solidFill>
-                <a:effectLst/>
-                <a:latin typeface="Roboto"/>
-              </a:rPr>
-              <a:t>количество </a:t>
-            </a:r>
-            <a:r>
-              <a:rPr lang="ru-RU" b="0" i="0" dirty="0">
-                <a:solidFill>
-                  <a:srgbClr val="212121"/>
-                </a:solidFill>
-                <a:effectLst/>
-                <a:latin typeface="Roboto"/>
-              </a:rPr>
-              <a:t>данных </a:t>
-            </a:r>
-            <a:r>
-              <a:rPr lang="ru-RU" b="0" i="0" dirty="0" smtClean="0">
-                <a:solidFill>
-                  <a:srgbClr val="212121"/>
-                </a:solidFill>
-                <a:effectLst/>
-                <a:latin typeface="Roboto"/>
-              </a:rPr>
-              <a:t>и значительно </a:t>
-            </a:r>
-            <a:r>
-              <a:rPr lang="ru-RU" b="0" i="0" dirty="0">
-                <a:solidFill>
-                  <a:srgbClr val="212121"/>
-                </a:solidFill>
-                <a:effectLst/>
-                <a:latin typeface="Roboto"/>
-              </a:rPr>
-              <a:t>сократилось, на графиках это выглядит вполне неплохо.</a:t>
+              <a:t>Как видим, пусть количество данных и значительно сократилось, на графиках это выглядит вполне неплохо.</a:t>
             </a:r>
           </a:p>
           <a:p>
@@ -13575,65 +13163,26 @@
                 <a:effectLst/>
                 <a:latin typeface="Roboto"/>
               </a:rPr>
-              <a:t>: Вариант </a:t>
-            </a:r>
-            <a:r>
-              <a:rPr lang="ru-RU" b="0" i="0" dirty="0" smtClean="0">
+              <a:t>: Вариант «</a:t>
+            </a:r>
+            <a:r>
+              <a:rPr lang="ru-RU" dirty="0">
+                <a:solidFill>
+                  <a:srgbClr val="212121"/>
+                </a:solidFill>
+                <a:latin typeface="Roboto"/>
+              </a:rPr>
+              <a:t>отбросить пустые</a:t>
+            </a:r>
+            <a:r>
+              <a:rPr lang="ru-RU" b="0" i="0" dirty="0">
                 <a:solidFill>
                   <a:srgbClr val="212121"/>
                 </a:solidFill>
                 <a:effectLst/>
                 <a:latin typeface="Roboto"/>
               </a:rPr>
-              <a:t>«</a:t>
-            </a:r>
-            <a:r>
-              <a:rPr lang="ru-RU" dirty="0" smtClean="0">
-                <a:solidFill>
-                  <a:srgbClr val="212121"/>
-                </a:solidFill>
-                <a:latin typeface="Roboto"/>
-              </a:rPr>
-              <a:t>отбросить </a:t>
-            </a:r>
-            <a:r>
-              <a:rPr lang="ru-RU" dirty="0">
-                <a:solidFill>
-                  <a:srgbClr val="212121"/>
-                </a:solidFill>
-                <a:latin typeface="Roboto"/>
-              </a:rPr>
-              <a:t>пустые</a:t>
-            </a:r>
-            <a:r>
-              <a:rPr lang="ru-RU" b="0" i="0" dirty="0">
-                <a:solidFill>
-                  <a:srgbClr val="212121"/>
-                </a:solidFill>
-                <a:effectLst/>
-                <a:latin typeface="Roboto"/>
-              </a:rPr>
-              <a:t> </a:t>
-            </a:r>
-            <a:r>
-              <a:rPr lang="ru-RU" b="0" i="0" dirty="0" smtClean="0">
-                <a:solidFill>
-                  <a:srgbClr val="212121"/>
-                </a:solidFill>
-                <a:effectLst/>
-                <a:latin typeface="Roboto"/>
-              </a:rPr>
-              <a:t>значения» </a:t>
-            </a:r>
-            <a:r>
-              <a:rPr lang="ru-RU" b="0" i="0" dirty="0">
-                <a:solidFill>
-                  <a:srgbClr val="212121"/>
-                </a:solidFill>
-                <a:effectLst/>
-                <a:latin typeface="Roboto"/>
-              </a:rPr>
-              <a:t>имеет смысл.</a:t>
+              <a:t> значения» имеет смысл.</a:t>
             </a:r>
           </a:p>
           <a:p>
@@ -14117,45 +13666,8 @@
                 <a:effectLst/>
                 <a:latin typeface="Roboto"/>
               </a:rPr>
-              <a:t>: Вариант с заменой пропущенных значений на среднее по столбцу </a:t>
-            </a:r>
-            <a:r>
-              <a:rPr lang="ru-RU" b="0" i="0" dirty="0" smtClean="0">
-                <a:solidFill>
-                  <a:srgbClr val="212121"/>
-                </a:solidFill>
-                <a:effectLst/>
-                <a:latin typeface="Roboto"/>
-              </a:rPr>
-              <a:t>– не </a:t>
-            </a:r>
-            <a:r>
-              <a:rPr lang="ru-RU" b="0" i="0" dirty="0">
-                <a:solidFill>
-                  <a:srgbClr val="212121"/>
-                </a:solidFill>
-                <a:effectLst/>
-                <a:latin typeface="Roboto"/>
-              </a:rPr>
-              <a:t>лучшая </a:t>
-            </a:r>
-            <a:r>
-              <a:rPr lang="ru-RU" b="0" i="0" dirty="0" smtClean="0">
-                <a:solidFill>
-                  <a:srgbClr val="212121"/>
-                </a:solidFill>
-                <a:effectLst/>
-                <a:latin typeface="Roboto"/>
-              </a:rPr>
-              <a:t>идея.</a:t>
-            </a:r>
-            <a:endParaRPr lang="ru-RU" b="0" i="0" dirty="0">
-              <a:solidFill>
-                <a:srgbClr val="212121"/>
-              </a:solidFill>
-              <a:effectLst/>
-              <a:latin typeface="Roboto"/>
-            </a:endParaRPr>
+              <a:t>: Вариант с заменой пропущенных значений на среднее по столбцу – не лучшая идея.</a:t>
+            </a:r>
           </a:p>
           <a:p>
             <a:pPr algn="just"/>
@@ -14361,95 +13873,55 @@
                 <a:effectLst/>
                 <a:latin typeface="Roboto"/>
               </a:rPr>
-              <a:t>Как </a:t>
-            </a:r>
-            <a:r>
-              <a:rPr lang="ru-RU" b="0" i="0" dirty="0" smtClean="0">
+              <a:t>Как видим, теперь значения распределены более равномерно</a:t>
+            </a:r>
+            <a:r>
+              <a:rPr lang="ru-RU" dirty="0">
+                <a:solidFill>
+                  <a:srgbClr val="212121"/>
+                </a:solidFill>
+                <a:latin typeface="Roboto"/>
+              </a:rPr>
+              <a:t>.</a:t>
+            </a:r>
+            <a:r>
+              <a:rPr lang="ru-RU" b="0" i="0" dirty="0">
                 <a:solidFill>
                   <a:srgbClr val="212121"/>
                 </a:solidFill>
                 <a:effectLst/>
                 <a:latin typeface="Roboto"/>
               </a:rPr>
-              <a:t>видим, </a:t>
-            </a:r>
-            <a:r>
-              <a:rPr lang="ru-RU" b="0" i="0" dirty="0">
+              <a:t> Использовалось </a:t>
+            </a:r>
+            <a:r>
+              <a:rPr lang="ru-RU" b="0" i="0" dirty="0" err="1">
                 <a:solidFill>
                   <a:srgbClr val="212121"/>
                 </a:solidFill>
                 <a:effectLst/>
                 <a:latin typeface="Roboto"/>
               </a:rPr>
-              <a:t>теперь значения распределены более </a:t>
-            </a:r>
-            <a:r>
-              <a:rPr lang="ru-RU" b="0" i="0" dirty="0" smtClean="0">
+              <a:t>uniform</a:t>
+            </a:r>
+            <a:r>
+              <a:rPr lang="ru-RU" dirty="0">
+                <a:solidFill>
+                  <a:srgbClr val="212121"/>
+                </a:solidFill>
+                <a:latin typeface="Roboto"/>
+              </a:rPr>
+              <a:t>-</a:t>
+            </a:r>
+            <a:r>
+              <a:rPr lang="ru-RU" b="0" i="0" dirty="0">
                 <a:solidFill>
                   <a:srgbClr val="212121"/>
                 </a:solidFill>
                 <a:effectLst/>
                 <a:latin typeface="Roboto"/>
               </a:rPr>
-              <a:t>равномерно</a:t>
-            </a:r>
-            <a:r>
-              <a:rPr lang="ru-RU" dirty="0">
-                <a:solidFill>
-                  <a:srgbClr val="212121"/>
-                </a:solidFill>
-                <a:latin typeface="Roboto"/>
-              </a:rPr>
-              <a:t>.</a:t>
-            </a:r>
-            <a:r>
-              <a:rPr lang="ru-RU" b="0" i="0" dirty="0" smtClean="0">
-                <a:solidFill>
-                  <a:srgbClr val="212121"/>
-                </a:solidFill>
-                <a:effectLst/>
-                <a:latin typeface="Roboto"/>
-              </a:rPr>
-              <a:t> Использовалось </a:t>
-            </a:r>
-            <a:r>
-              <a:rPr lang="ru-RU" b="0" i="0" dirty="0" err="1" smtClean="0">
-                <a:solidFill>
-                  <a:srgbClr val="212121"/>
-                </a:solidFill>
-                <a:effectLst/>
-                <a:latin typeface="Roboto"/>
-              </a:rPr>
-              <a:t>uniform</a:t>
-            </a:r>
-            <a:r>
-              <a:rPr lang="ru-RU" dirty="0">
-                <a:solidFill>
-                  <a:srgbClr val="212121"/>
-                </a:solidFill>
-                <a:latin typeface="Roboto"/>
-              </a:rPr>
-              <a:t>-</a:t>
-            </a:r>
-            <a:r>
-              <a:rPr lang="ru-RU" b="0" i="0" dirty="0" smtClean="0">
-                <a:solidFill>
-                  <a:srgbClr val="212121"/>
-                </a:solidFill>
-                <a:effectLst/>
-                <a:latin typeface="Roboto"/>
-              </a:rPr>
-              <a:t>распределение</a:t>
-            </a:r>
-            <a:r>
-              <a:rPr lang="ru-RU" b="0" i="0" dirty="0">
-                <a:solidFill>
-                  <a:srgbClr val="212121"/>
-                </a:solidFill>
-                <a:effectLst/>
-                <a:latin typeface="Roboto"/>
-              </a:rPr>
-              <a:t>, в пределах одной стандартной девиации. Данные  распределены ровно. Понизилось общее </a:t>
+              <a:t>распределение, в пределах одной стандартной девиации. Данные  распределены ровно. Понизилось общее </a:t>
             </a:r>
             <a:r>
               <a:rPr lang="ru-RU" b="0" i="0" dirty="0" err="1">
@@ -14765,17 +14237,35 @@
                 <a:effectLst/>
                 <a:latin typeface="Roboto"/>
               </a:rPr>
-              <a:t> - большая часть </a:t>
-            </a:r>
-            <a:r>
-              <a:rPr lang="ru-RU" b="0" i="0" dirty="0" smtClean="0">
+              <a:t> - большая часть сосредоточена справа) и обрезаны в промежутке от 55 до 100, то интерквантильный интервал * 1.5 в нашем случае будет около 31, а среднее значение 81</a:t>
+            </a:r>
+            <a:r>
+              <a:rPr lang="en-US" dirty="0">
+                <a:solidFill>
+                  <a:srgbClr val="212121"/>
+                </a:solidFill>
+                <a:latin typeface="Roboto"/>
+              </a:rPr>
+              <a:t>.</a:t>
+            </a:r>
+            <a:r>
+              <a:rPr lang="ru-RU" b="0" i="0" dirty="0">
                 <a:solidFill>
                   <a:srgbClr val="212121"/>
                 </a:solidFill>
                 <a:effectLst/>
                 <a:latin typeface="Roboto"/>
               </a:rPr>
-              <a:t>сосредоточена </a:t>
+              <a:t> </a:t>
+            </a:r>
+            <a:r>
+              <a:rPr lang="ru-RU" dirty="0">
+                <a:solidFill>
+                  <a:srgbClr val="212121"/>
+                </a:solidFill>
+                <a:latin typeface="Roboto"/>
+              </a:rPr>
+              <a:t>Е</a:t>
             </a:r>
             <a:r>
               <a:rPr lang="ru-RU" b="0" i="0" dirty="0">
@@ -14785,160 +14275,44 @@
                 <a:effectLst/>
                 <a:latin typeface="Roboto"/>
               </a:rPr>
-              <a:t>справа</a:t>
-            </a:r>
-            <a:r>
-              <a:rPr lang="ru-RU" b="0" i="0" dirty="0" smtClean="0">
+              <a:t>сли мы заполняем пустые места с помощью случайного значения </a:t>
+            </a:r>
+            <a:r>
+              <a:rPr lang="en-US" dirty="0">
+                <a:solidFill>
+                  <a:srgbClr val="212121"/>
+                </a:solidFill>
+                <a:latin typeface="Roboto"/>
+              </a:rPr>
+              <a:t>IQR</a:t>
+            </a:r>
+            <a:r>
+              <a:rPr lang="ru-RU" dirty="0">
+                <a:solidFill>
+                  <a:srgbClr val="212121"/>
+                </a:solidFill>
+                <a:latin typeface="Roboto"/>
+              </a:rPr>
+              <a:t>*1</a:t>
+            </a:r>
+            <a:r>
+              <a:rPr lang="ru-RU" b="0" i="0" dirty="0">
                 <a:solidFill>
                   <a:srgbClr val="212121"/>
                 </a:solidFill>
                 <a:effectLst/>
                 <a:latin typeface="Roboto"/>
               </a:rPr>
-              <a:t>) </a:t>
-            </a:r>
-            <a:r>
-              <a:rPr lang="ru-RU" b="0" i="0" dirty="0">
+              <a:t>.5, то иногда результат выйдет за пределы нашего минимума и максимума</a:t>
+            </a:r>
+            <a:r>
+              <a:rPr lang="ru-RU" dirty="0">
                 <a:solidFill>
                   <a:srgbClr val="212121"/>
                 </a:solidFill>
-                <a:effectLst/>
                 <a:latin typeface="Roboto"/>
               </a:rPr>
-              <a:t>и обрезаны в промежутке от 55 до 100, то интерквантильный интервал * 1.5 в нашем случае будет около 31, а среднее значение </a:t>
-            </a:r>
-            <a:r>
-              <a:rPr lang="ru-RU" b="0" i="0" dirty="0" smtClean="0">
-                <a:solidFill>
-                  <a:srgbClr val="212121"/>
-                </a:solidFill>
-                <a:effectLst/>
-                <a:latin typeface="Roboto"/>
-              </a:rPr>
-              <a:t>81</a:t>
-            </a:r>
-            <a:r>
-              <a:rPr lang="en-US" dirty="0" smtClean="0">
-                <a:solidFill>
-                  <a:srgbClr val="212121"/>
-                </a:solidFill>
-                <a:latin typeface="Roboto"/>
-              </a:rPr>
-              <a:t>.</a:t>
-            </a:r>
-            <a:r>
-              <a:rPr lang="ru-RU" b="0" i="0" dirty="0" smtClean="0">
-                <a:solidFill>
-                  <a:srgbClr val="212121"/>
-                </a:solidFill>
-                <a:effectLst/>
-                <a:latin typeface="Roboto"/>
-              </a:rPr>
-              <a:t> </a:t>
-            </a:r>
-            <a:r>
-              <a:rPr lang="ru-RU" dirty="0">
-                <a:solidFill>
-                  <a:srgbClr val="212121"/>
-                </a:solidFill>
-                <a:latin typeface="Roboto"/>
-              </a:rPr>
-              <a:t>Е</a:t>
-            </a:r>
-            <a:r>
-              <a:rPr lang="ru-RU" b="0" i="0" dirty="0" smtClean="0">
-                <a:solidFill>
-                  <a:srgbClr val="212121"/>
-                </a:solidFill>
-                <a:effectLst/>
-                <a:latin typeface="Roboto"/>
-              </a:rPr>
-              <a:t>сли </a:t>
-            </a:r>
-            <a:r>
-              <a:rPr lang="ru-RU" b="0" i="0" dirty="0">
-                <a:solidFill>
-                  <a:srgbClr val="212121"/>
-                </a:solidFill>
-                <a:effectLst/>
-                <a:latin typeface="Roboto"/>
-              </a:rPr>
-              <a:t>мы заполняем пустые места с помощью случайного значения </a:t>
-            </a:r>
-            <a:r>
-              <a:rPr lang="en-US" dirty="0" smtClean="0">
-                <a:solidFill>
-                  <a:srgbClr val="212121"/>
-                </a:solidFill>
-                <a:latin typeface="Roboto"/>
-              </a:rPr>
-              <a:t>IQR</a:t>
-            </a:r>
-            <a:r>
-              <a:rPr lang="ru-RU" dirty="0" smtClean="0">
-                <a:solidFill>
-                  <a:srgbClr val="212121"/>
-                </a:solidFill>
-                <a:latin typeface="Roboto"/>
-              </a:rPr>
-              <a:t>*1</a:t>
-            </a:r>
-            <a:r>
-              <a:rPr lang="ru-RU" b="0" i="0" dirty="0" smtClean="0">
-                <a:solidFill>
-                  <a:srgbClr val="212121"/>
-                </a:solidFill>
-                <a:effectLst/>
-                <a:latin typeface="Roboto"/>
-              </a:rPr>
-              <a:t>.5</a:t>
-            </a:r>
-            <a:r>
-              <a:rPr lang="ru-RU" b="0" i="0" dirty="0">
-                <a:solidFill>
-                  <a:srgbClr val="212121"/>
-                </a:solidFill>
-                <a:effectLst/>
-                <a:latin typeface="Roboto"/>
-              </a:rPr>
-              <a:t>, то иногда результат выйдет за пределы нашего минимума и </a:t>
-            </a:r>
-            <a:r>
-              <a:rPr lang="ru-RU" b="0" i="0" dirty="0" smtClean="0">
-                <a:solidFill>
-                  <a:srgbClr val="212121"/>
-                </a:solidFill>
-                <a:effectLst/>
-                <a:latin typeface="Roboto"/>
-              </a:rPr>
-              <a:t>максимума</a:t>
-            </a:r>
-            <a:r>
-              <a:rPr lang="ru-RU" dirty="0" smtClean="0">
-                <a:solidFill>
-                  <a:srgbClr val="212121"/>
-                </a:solidFill>
-                <a:latin typeface="Roboto"/>
-              </a:rPr>
-              <a:t>, поэтому</a:t>
-            </a:r>
-            <a:r>
-              <a:rPr lang="ru-RU" dirty="0" smtClean="0">
-                <a:solidFill>
-                  <a:srgbClr val="212121"/>
-                </a:solidFill>
-                <a:latin typeface="Roboto"/>
-              </a:rPr>
-              <a:t> введем </a:t>
-            </a:r>
-            <a:r>
-              <a:rPr lang="ru-RU" dirty="0">
-                <a:solidFill>
-                  <a:srgbClr val="212121"/>
-                </a:solidFill>
-                <a:latin typeface="Roboto"/>
-              </a:rPr>
-              <a:t>функцию генерации в рекурсию для генерации подходящего числа.</a:t>
+              <a:t>, поэтому введем функцию генерации в рекурсию для генерации подходящего числа.</a:t>
             </a:r>
             <a:endParaRPr lang="en-US" b="0" i="0" dirty="0">
               <a:solidFill>
@@ -14974,44 +14348,14 @@
               <a:t>Для этого метода мы использовали генерацию числа в нормальном распределении. В данном случае </a:t>
             </a:r>
             <a:r>
-              <a:rPr lang="ru-RU" b="0" i="0" dirty="0" smtClean="0">
+              <a:rPr lang="ru-RU" b="0" i="0" dirty="0">
                 <a:solidFill>
                   <a:srgbClr val="212121"/>
                 </a:solidFill>
                 <a:effectLst/>
                 <a:latin typeface="Roboto"/>
               </a:rPr>
-              <a:t>слишком </a:t>
-            </a:r>
-            <a:r>
-              <a:rPr lang="ru-RU" b="0" i="0" dirty="0">
-                <a:solidFill>
-                  <a:srgbClr val="212121"/>
-                </a:solidFill>
-                <a:effectLst/>
-                <a:latin typeface="Roboto"/>
-              </a:rPr>
-              <a:t>много </a:t>
-            </a:r>
-            <a:r>
-              <a:rPr lang="ru-RU" b="0" i="0" dirty="0" smtClean="0">
-                <a:solidFill>
-                  <a:srgbClr val="212121"/>
-                </a:solidFill>
-                <a:effectLst/>
-                <a:latin typeface="Roboto"/>
-              </a:rPr>
-              <a:t>значений </a:t>
-            </a:r>
-            <a:r>
-              <a:rPr lang="ru-RU" b="0" i="0" dirty="0">
-                <a:solidFill>
-                  <a:srgbClr val="212121"/>
-                </a:solidFill>
-                <a:effectLst/>
-                <a:latin typeface="Roboto"/>
-              </a:rPr>
-              <a:t>попадают на среднее и этот метод лишь слегка лучше замены средним по столбцу.</a:t>
+              <a:t>слишком много значений попадают на среднее и этот метод лишь слегка лучше замены средним по столбцу.</a:t>
             </a:r>
             <a:endParaRPr lang="en-US" b="0" i="0" dirty="0">
               <a:solidFill>
@@ -15055,27 +14399,7 @@
                 <a:effectLst/>
                 <a:latin typeface="Roboto"/>
               </a:rPr>
-              <a:t>: Этот метод приносит слишком много </a:t>
-            </a:r>
-            <a:r>
-              <a:rPr lang="ru-RU" b="0" i="0" dirty="0" smtClean="0">
-                <a:solidFill>
-                  <a:srgbClr val="212121"/>
-                </a:solidFill>
-                <a:effectLst/>
-                <a:latin typeface="Roboto"/>
-              </a:rPr>
-              <a:t>искажения, </a:t>
-            </a:r>
-            <a:r>
-              <a:rPr lang="ru-RU" b="0" i="0" dirty="0">
-                <a:solidFill>
-                  <a:srgbClr val="212121"/>
-                </a:solidFill>
-                <a:effectLst/>
-                <a:latin typeface="Roboto"/>
-              </a:rPr>
-              <a:t>и им пользоваться не стоит.</a:t>
+              <a:t>: Этот метод приносит слишком много искажения, и им пользоваться не стоит.</a:t>
             </a:r>
           </a:p>
         </p:txBody>
@@ -15414,47 +14738,7 @@
                 <a:effectLst/>
                 <a:latin typeface="+mj-lt"/>
               </a:rPr>
-              <a:t> стоит обратить внимание, что большое количество хороших фильмов в году не означает что отдельно взятый фильм </a:t>
-            </a:r>
-            <a:r>
-              <a:rPr lang="ru-RU" sz="1050" b="0" i="0" dirty="0" smtClean="0">
-                <a:solidFill>
-                  <a:srgbClr val="212121"/>
-                </a:solidFill>
-                <a:effectLst/>
-                <a:latin typeface="+mj-lt"/>
-              </a:rPr>
-              <a:t>тоже будет хорошим</a:t>
-            </a:r>
-            <a:r>
-              <a:rPr lang="ru-RU" sz="1050" b="0" i="0" dirty="0">
-                <a:solidFill>
-                  <a:srgbClr val="212121"/>
-                </a:solidFill>
-                <a:effectLst/>
-                <a:latin typeface="+mj-lt"/>
-              </a:rPr>
-              <a:t>. Более того, поскольку мы заменяем средним по году, даже один плохой фильм может значительно понизить рейтинг, а если в году было мало фильмов, то его влияние еще выше. Создавать искусственно пороговые значения для подсчета </a:t>
-            </a:r>
-            <a:r>
-              <a:rPr lang="ru-RU" sz="1050" b="0" i="0" dirty="0" smtClean="0">
-                <a:solidFill>
-                  <a:srgbClr val="212121"/>
-                </a:solidFill>
-                <a:effectLst/>
-                <a:latin typeface="+mj-lt"/>
-              </a:rPr>
-              <a:t>нецелесообразно, </a:t>
-            </a:r>
-            <a:r>
-              <a:rPr lang="ru-RU" sz="1050" b="0" i="0" dirty="0">
-                <a:solidFill>
-                  <a:srgbClr val="212121"/>
-                </a:solidFill>
-                <a:effectLst/>
-                <a:latin typeface="+mj-lt"/>
-              </a:rPr>
-              <a:t>поскольку этот метод рассматривается исключительно в эмпирических целях.</a:t>
+              <a:t> стоит обратить внимание, что большое количество хороших фильмов в году не означает что отдельно взятый фильм тоже будет хорошим. Более того, поскольку мы заменяем средним по году, даже один плохой фильм может значительно понизить рейтинг, а если в году было мало фильмов, то его влияние еще выше. Создавать искусственно пороговые значения для подсчета нецелесообразно, поскольку этот метод рассматривается исключительно в эмпирических целях.</a:t>
             </a:r>
           </a:p>
           <a:p>
@@ -15491,27 +14775,7 @@
                 <a:effectLst/>
                 <a:latin typeface="+mj-lt"/>
               </a:rPr>
-              <a:t>: Довольно интересный метод, которым можно </a:t>
-            </a:r>
-            <a:r>
-              <a:rPr lang="ru-RU" sz="1050" b="0" i="0" dirty="0" smtClean="0">
-                <a:solidFill>
-                  <a:srgbClr val="212121"/>
-                </a:solidFill>
-                <a:effectLst/>
-                <a:latin typeface="+mj-lt"/>
-              </a:rPr>
-              <a:t>воспользоваться </a:t>
-            </a:r>
-            <a:r>
-              <a:rPr lang="ru-RU" sz="1050" b="0" i="0" dirty="0">
-                <a:solidFill>
-                  <a:srgbClr val="212121"/>
-                </a:solidFill>
-                <a:effectLst/>
-                <a:latin typeface="+mj-lt"/>
-              </a:rPr>
-              <a:t>с вышеописанными оговорками.</a:t>
+              <a:t>: Довольно интересный метод, которым можно воспользоваться с вышеописанными оговорками.</a:t>
             </a:r>
           </a:p>
           <a:p>
@@ -15674,23 +14938,7 @@
           <a:p>
             <a:r>
               <a:rPr lang="ru-RU" dirty="0"/>
-              <a:t>Гипотеза: </a:t>
-            </a:r>
-            <a:r>
-              <a:rPr lang="ru-RU" dirty="0" smtClean="0"/>
-              <a:t>Заполнить, </a:t>
-            </a:r>
-            <a:r>
-              <a:rPr lang="ru-RU" dirty="0"/>
-              <a:t>используя </a:t>
-            </a:r>
-            <a:r>
-              <a:rPr lang="ru-RU" dirty="0" smtClean="0"/>
-              <a:t>центры </a:t>
-            </a:r>
-            <a:r>
-              <a:rPr lang="ru-RU" dirty="0"/>
-              <a:t>кластеров</a:t>
+              <a:t>Гипотеза: Заполнить, используя центры кластеров</a:t>
             </a:r>
             <a:r>
               <a:rPr lang="en-US" dirty="0"/>
@@ -15757,47 +15005,7 @@
                 <a:effectLst/>
                 <a:latin typeface="Roboto"/>
               </a:rPr>
-              <a:t> можно было бы </a:t>
-            </a:r>
-            <a:r>
-              <a:rPr lang="ru-RU" b="0" i="0" dirty="0" smtClean="0">
-                <a:solidFill>
-                  <a:srgbClr val="212121"/>
-                </a:solidFill>
-                <a:effectLst/>
-                <a:latin typeface="Roboto"/>
-              </a:rPr>
-              <a:t>использовать, </a:t>
-            </a:r>
-            <a:r>
-              <a:rPr lang="ru-RU" b="0" i="0" dirty="0">
-                <a:solidFill>
-                  <a:srgbClr val="212121"/>
-                </a:solidFill>
-                <a:effectLst/>
-                <a:latin typeface="Roboto"/>
-              </a:rPr>
-              <a:t>для того </a:t>
-            </a:r>
-            <a:r>
-              <a:rPr lang="ru-RU" b="0" i="0" dirty="0" smtClean="0">
-                <a:solidFill>
-                  <a:srgbClr val="212121"/>
-                </a:solidFill>
-                <a:effectLst/>
-                <a:latin typeface="Roboto"/>
-              </a:rPr>
-              <a:t>чтобы </a:t>
-            </a:r>
-            <a:r>
-              <a:rPr lang="ru-RU" b="0" i="0" dirty="0">
-                <a:solidFill>
-                  <a:srgbClr val="212121"/>
-                </a:solidFill>
-                <a:effectLst/>
-                <a:latin typeface="Roboto"/>
-              </a:rPr>
-              <a:t>назначить среднее по центру кластера, но не похоже, что этот метод даст нам ожидаемый результат, исходя из </a:t>
+              <a:t> можно было бы использовать, для того чтобы назначить среднее по центру кластера, но не похоже, что этот метод даст нам ожидаемый результат, исходя из </a:t>
             </a:r>
             <a:r>
               <a:rPr lang="ru-RU" dirty="0">
@@ -15938,15 +15146,7 @@
           <a:p>
             <a:r>
               <a:rPr lang="ru-RU" dirty="0"/>
-              <a:t>Гипотеза: </a:t>
-            </a:r>
-            <a:r>
-              <a:rPr lang="ru-RU" dirty="0" smtClean="0"/>
-              <a:t>Заполнить, </a:t>
-            </a:r>
-            <a:r>
-              <a:rPr lang="ru-RU" dirty="0"/>
-              <a:t>используя линейную регрессию</a:t>
+              <a:t>Гипотеза: Заполнить, используя линейную регрессию</a:t>
             </a:r>
             <a:endParaRPr lang="en-US" dirty="0"/>
           </a:p>
@@ -15991,27 +15191,7 @@
                 <a:effectLst/>
                 <a:latin typeface="Roboto"/>
               </a:rPr>
-              <a:t>Как можем наблюдать, линейная регрессия распределила тоже вполне равномерно, </a:t>
-            </a:r>
-            <a:r>
-              <a:rPr lang="ru-RU" b="0" i="0" dirty="0" smtClean="0">
-                <a:solidFill>
-                  <a:srgbClr val="212121"/>
-                </a:solidFill>
-                <a:effectLst/>
-                <a:latin typeface="Roboto"/>
-              </a:rPr>
-              <a:t>и нельзя утверждать, </a:t>
-            </a:r>
-            <a:r>
-              <a:rPr lang="ru-RU" b="0" i="0" dirty="0">
-                <a:solidFill>
-                  <a:srgbClr val="212121"/>
-                </a:solidFill>
-                <a:effectLst/>
-                <a:latin typeface="Roboto"/>
-              </a:rPr>
-              <a:t>что произошел </a:t>
+              <a:t>Как можем наблюдать, линейная регрессия распределила тоже вполне равномерно, и нельзя утверждать, что произошел </a:t>
             </a:r>
             <a:r>
               <a:rPr lang="ru-RU" b="0" i="0" dirty="0" err="1">
@@ -16110,7 +15290,7 @@
               <a:t>ы влиять на рейтинги шоу, линейная регрессия справила</a:t>
             </a:r>
             <a:r>
-              <a:rPr lang="en-US" b="0" i="0" dirty="0" smtClean="0">
+              <a:rPr lang="en-US" b="0" i="0" dirty="0">
                 <a:solidFill>
                   <a:srgbClr val="212121"/>
                 </a:solidFill>
@@ -16120,7 +15300,7 @@
               <a:t>c</a:t>
             </a:r>
             <a:r>
-              <a:rPr lang="ru-RU" b="0" i="0" dirty="0" smtClean="0">
+              <a:rPr lang="ru-RU" b="0" i="0" dirty="0">
                 <a:solidFill>
                   <a:srgbClr val="212121"/>
                 </a:solidFill>
@@ -16382,15 +15562,7 @@
           <a:p>
             <a:r>
               <a:rPr lang="ru-RU" dirty="0"/>
-              <a:t>Гипотеза: </a:t>
-            </a:r>
-            <a:r>
-              <a:rPr lang="ru-RU" dirty="0" smtClean="0"/>
-              <a:t>Заполнить, </a:t>
-            </a:r>
-            <a:r>
-              <a:rPr lang="ru-RU" dirty="0"/>
-              <a:t>используя </a:t>
+              <a:t>Гипотеза: Заполнить, используя </a:t>
             </a:r>
             <a:r>
               <a:rPr lang="en-US" dirty="0"/>
@@ -16431,7 +15603,7 @@
               <a:buNone/>
             </a:pPr>
             <a:r>
-              <a:rPr lang="en-US" dirty="0" smtClean="0">
+              <a:rPr lang="en-US" dirty="0">
                 <a:solidFill>
                   <a:srgbClr val="212121"/>
                 </a:solidFill>
@@ -16440,34 +15612,43 @@
               <a:t>KNN</a:t>
             </a:r>
             <a:r>
-              <a:rPr lang="ru-RU" b="0" i="0" dirty="0" smtClean="0">
+              <a:rPr lang="ru-RU" b="0" i="0" dirty="0">
                 <a:solidFill>
                   <a:srgbClr val="212121"/>
                 </a:solidFill>
                 <a:effectLst/>
                 <a:latin typeface="Roboto"/>
               </a:rPr>
-              <a:t> </a:t>
-            </a:r>
-            <a:r>
-              <a:rPr lang="ru-RU" b="0" i="0" dirty="0">
+              <a:t> не выдает выбросов на </a:t>
+            </a:r>
+            <a:r>
+              <a:rPr lang="ru-RU" b="0" i="0" dirty="0" err="1">
                 <a:solidFill>
                   <a:srgbClr val="212121"/>
                 </a:solidFill>
                 <a:effectLst/>
                 <a:latin typeface="Roboto"/>
               </a:rPr>
-              <a:t>не выдает выбросов на </a:t>
-            </a:r>
-            <a:r>
-              <a:rPr lang="ru-RU" b="0" i="0" dirty="0" err="1">
+              <a:t>боксплоте</a:t>
+            </a:r>
+            <a:r>
+              <a:rPr lang="ru-RU" b="0" i="0" dirty="0">
                 <a:solidFill>
                   <a:srgbClr val="212121"/>
                 </a:solidFill>
                 <a:effectLst/>
                 <a:latin typeface="Roboto"/>
               </a:rPr>
-              <a:t>боксплоте</a:t>
+              <a:t>, но на пару единиц занижает среднее значение, а </a:t>
+            </a:r>
+            <a:r>
+              <a:rPr lang="en-US" dirty="0">
+                <a:solidFill>
+                  <a:srgbClr val="212121"/>
+                </a:solidFill>
+                <a:latin typeface="Roboto"/>
+              </a:rPr>
+              <a:t>STD</a:t>
             </a:r>
             <a:r>
               <a:rPr lang="ru-RU" b="0" i="0" dirty="0">
@@ -16477,19 +15658,19 @@
                 <a:effectLst/>
                 <a:latin typeface="Roboto"/>
               </a:rPr>
-              <a:t>, но на пару единиц занижает среднее значение, а </a:t>
-            </a:r>
-            <a:r>
-              <a:rPr lang="en-US" dirty="0" smtClean="0">
+              <a:t> остается довольно высоким</a:t>
+            </a:r>
+            <a:r>
+              <a:rPr lang="en-US" dirty="0">
                 <a:solidFill>
                   <a:srgbClr val="212121"/>
                 </a:solidFill>
                 <a:latin typeface="Roboto"/>
               </a:rPr>
-              <a:t>STD</a:t>
-            </a:r>
-            <a:r>
-              <a:rPr lang="ru-RU" b="0" i="0" dirty="0" smtClean="0">
+              <a:t>.</a:t>
+            </a:r>
+            <a:r>
+              <a:rPr lang="ru-RU" b="0" i="0" dirty="0">
                 <a:solidFill>
                   <a:srgbClr val="212121"/>
                 </a:solidFill>
@@ -16499,6 +15680,15 @@
               <a:t> </a:t>
             </a:r>
             <a:r>
+              <a:rPr lang="ru-RU" dirty="0">
+                <a:solidFill>
+                  <a:srgbClr val="212121"/>
+                </a:solidFill>
+                <a:latin typeface="Roboto"/>
+              </a:rPr>
+              <a:t>Л</a:t>
+            </a:r>
+            <a:r>
               <a:rPr lang="ru-RU" b="0" i="0" dirty="0">
                 <a:solidFill>
                   <a:srgbClr val="212121"/>
@@ -16506,128 +15696,20 @@
                 <a:effectLst/>
                 <a:latin typeface="Roboto"/>
               </a:rPr>
-              <a:t>остается довольно </a:t>
-            </a:r>
-            <a:r>
-              <a:rPr lang="ru-RU" b="0" i="0" dirty="0" smtClean="0">
+              <a:t>юбопытно, что только 3 соседей дает такое значение, в то время как остальные 2-10 – чуть более близкое к истинному среднее и более низкое </a:t>
+            </a:r>
+            <a:r>
+              <a:rPr lang="en-US" b="0" i="0" dirty="0">
                 <a:solidFill>
                   <a:srgbClr val="212121"/>
                 </a:solidFill>
                 <a:effectLst/>
                 <a:latin typeface="Roboto"/>
               </a:rPr>
-              <a:t>высоким</a:t>
-            </a:r>
-            <a:r>
-              <a:rPr lang="en-US" dirty="0">
-                <a:solidFill>
-                  <a:srgbClr val="212121"/>
-                </a:solidFill>
-                <a:latin typeface="Roboto"/>
-              </a:rPr>
-              <a:t>.</a:t>
-            </a:r>
-            <a:r>
-              <a:rPr lang="ru-RU" b="0" i="0" dirty="0" smtClean="0">
-                <a:solidFill>
-                  <a:srgbClr val="212121"/>
-                </a:solidFill>
-                <a:effectLst/>
-                <a:latin typeface="Roboto"/>
-              </a:rPr>
-              <a:t> </a:t>
-            </a:r>
-            <a:r>
-              <a:rPr lang="ru-RU" dirty="0">
-                <a:solidFill>
-                  <a:srgbClr val="212121"/>
-                </a:solidFill>
-                <a:latin typeface="Roboto"/>
-              </a:rPr>
-              <a:t>Л</a:t>
-            </a:r>
-            <a:r>
-              <a:rPr lang="ru-RU" b="0" i="0" dirty="0" smtClean="0">
-                <a:solidFill>
-                  <a:srgbClr val="212121"/>
-                </a:solidFill>
-                <a:effectLst/>
-                <a:latin typeface="Roboto"/>
-              </a:rPr>
-              <a:t>юбопытно</a:t>
+              <a:t>STD</a:t>
             </a:r>
             <a:r>
               <a:rPr lang="ru-RU" b="0" i="0" dirty="0">
-                <a:solidFill>
-                  <a:srgbClr val="212121"/>
-                </a:solidFill>
-                <a:effectLst/>
-                <a:latin typeface="Roboto"/>
-              </a:rPr>
-              <a:t>, что только 3 соседей дает такое </a:t>
-            </a:r>
-            <a:r>
-              <a:rPr lang="ru-RU" b="0" i="0" dirty="0" smtClean="0">
-                <a:solidFill>
-                  <a:srgbClr val="212121"/>
-                </a:solidFill>
-                <a:effectLst/>
-                <a:latin typeface="Roboto"/>
-              </a:rPr>
-              <a:t>значение, </a:t>
-            </a:r>
-            <a:r>
-              <a:rPr lang="ru-RU" b="0" i="0" dirty="0">
-                <a:solidFill>
-                  <a:srgbClr val="212121"/>
-                </a:solidFill>
-                <a:effectLst/>
-                <a:latin typeface="Roboto"/>
-              </a:rPr>
-              <a:t>в то время как остальные 2-10 </a:t>
-            </a:r>
-            <a:r>
-              <a:rPr lang="ru-RU" b="0" i="0" dirty="0" smtClean="0">
-                <a:solidFill>
-                  <a:srgbClr val="212121"/>
-                </a:solidFill>
-                <a:effectLst/>
-                <a:latin typeface="Roboto"/>
-              </a:rPr>
-              <a:t>– чуть более </a:t>
-            </a:r>
-            <a:r>
-              <a:rPr lang="ru-RU" b="0" i="0" dirty="0">
-                <a:solidFill>
-                  <a:srgbClr val="212121"/>
-                </a:solidFill>
-                <a:effectLst/>
-                <a:latin typeface="Roboto"/>
-              </a:rPr>
-              <a:t>близкое к истинному среднее и более </a:t>
-            </a:r>
-            <a:r>
-              <a:rPr lang="ru-RU" b="0" i="0" dirty="0" smtClean="0">
-                <a:solidFill>
-                  <a:srgbClr val="212121"/>
-                </a:solidFill>
-                <a:effectLst/>
-                <a:latin typeface="Roboto"/>
-              </a:rPr>
-              <a:t>низкое </a:t>
-            </a:r>
-            <a:r>
-              <a:rPr lang="en-US" b="0" i="0" dirty="0" smtClean="0">
-                <a:solidFill>
-                  <a:srgbClr val="212121"/>
-                </a:solidFill>
-                <a:effectLst/>
-                <a:latin typeface="Roboto"/>
-              </a:rPr>
-              <a:t>STD</a:t>
-            </a:r>
-            <a:r>
-              <a:rPr lang="ru-RU" b="0" i="0" dirty="0" smtClean="0">
                 <a:solidFill>
                   <a:srgbClr val="212121"/>
                 </a:solidFill>
@@ -16920,20 +16002,12 @@
               <a:t>Чистка данных в </a:t>
             </a:r>
             <a:r>
-              <a:rPr lang="ru-RU" dirty="0" err="1" smtClean="0"/>
+              <a:rPr lang="ru-RU" dirty="0" err="1"/>
               <a:t>датасете</a:t>
             </a:r>
             <a:r>
               <a:rPr lang="ru-RU" dirty="0"/>
-              <a:t>:</a:t>
-            </a:r>
-            <a:r>
-              <a:rPr lang="ru-RU" dirty="0" smtClean="0"/>
-              <a:t> </a:t>
-            </a:r>
-            <a:r>
-              <a:rPr lang="ru-RU" dirty="0"/>
-              <a:t>дубликаты</a:t>
+              <a:t>: дубликаты</a:t>
             </a:r>
             <a:endParaRPr lang="en-US" dirty="0"/>
           </a:p>
@@ -16977,85 +16051,26 @@
                 </a:solidFill>
                 <a:latin typeface="Roboto"/>
               </a:rPr>
-              <a:t>Удаление </a:t>
-            </a:r>
-            <a:r>
-              <a:rPr lang="ru-RU" u="sng" dirty="0">
+              <a:t>Удаление дубликатов</a:t>
+            </a:r>
+            <a:r>
+              <a:rPr lang="ru-RU" dirty="0">
                 <a:solidFill>
                   <a:srgbClr val="212121"/>
                 </a:solidFill>
                 <a:latin typeface="Roboto"/>
               </a:rPr>
-              <a:t>дубликатов</a:t>
-            </a:r>
-            <a:r>
-              <a:rPr lang="ru-RU" dirty="0">
-                <a:solidFill>
-                  <a:srgbClr val="212121"/>
-                </a:solidFill>
-                <a:latin typeface="Roboto"/>
-              </a:rPr>
               <a:t>: либо </a:t>
             </a:r>
             <a:r>
-              <a:rPr lang="ru-RU" b="0" i="0" dirty="0" smtClean="0">
+              <a:rPr lang="ru-RU" b="0" i="0" dirty="0">
                 <a:solidFill>
                   <a:srgbClr val="212121"/>
                 </a:solidFill>
                 <a:effectLst/>
                 <a:latin typeface="Roboto"/>
               </a:rPr>
-              <a:t>некоторые </a:t>
-            </a:r>
-            <a:r>
-              <a:rPr lang="ru-RU" b="0" i="0" dirty="0">
-                <a:solidFill>
-                  <a:srgbClr val="212121"/>
-                </a:solidFill>
-                <a:effectLst/>
-                <a:latin typeface="Roboto"/>
-              </a:rPr>
-              <a:t>фильмы были </a:t>
-            </a:r>
-            <a:r>
-              <a:rPr lang="ru-RU" b="0" i="0" dirty="0" smtClean="0">
-                <a:solidFill>
-                  <a:srgbClr val="212121"/>
-                </a:solidFill>
-                <a:effectLst/>
-                <a:latin typeface="Roboto"/>
-              </a:rPr>
-              <a:t>внесены в список </a:t>
-            </a:r>
-            <a:r>
-              <a:rPr lang="ru-RU" b="0" i="0" dirty="0">
-                <a:solidFill>
-                  <a:srgbClr val="212121"/>
-                </a:solidFill>
-                <a:effectLst/>
-                <a:latin typeface="Roboto"/>
-              </a:rPr>
-              <a:t>несколько </a:t>
-            </a:r>
-            <a:r>
-              <a:rPr lang="ru-RU" b="0" i="0" dirty="0" smtClean="0">
-                <a:solidFill>
-                  <a:srgbClr val="212121"/>
-                </a:solidFill>
-                <a:effectLst/>
-                <a:latin typeface="Roboto"/>
-              </a:rPr>
-              <a:t>раз, </a:t>
-            </a:r>
-            <a:r>
-              <a:rPr lang="ru-RU" b="0" i="0" dirty="0">
-                <a:solidFill>
-                  <a:srgbClr val="212121"/>
-                </a:solidFill>
-                <a:effectLst/>
-                <a:latin typeface="Roboto"/>
-              </a:rPr>
-              <a:t>либо это произошло из-за совмещения двух </a:t>
+              <a:t>некоторые фильмы были внесены в список несколько раз, либо это произошло из-за совмещения двух </a:t>
             </a:r>
             <a:r>
               <a:rPr lang="ru-RU" b="0" i="0" dirty="0" err="1">
@@ -17140,17 +16155,17 @@
                 <a:effectLst/>
                 <a:latin typeface="Roboto"/>
               </a:rPr>
-              <a:t>азные шоу с тем же </a:t>
-            </a:r>
-            <a:r>
-              <a:rPr lang="ru-RU" b="0" i="0" dirty="0" smtClean="0">
+              <a:t>азные шоу с тем же названием, но разные годы выпуска - </a:t>
+            </a:r>
+            <a:r>
+              <a:rPr lang="ru-RU" b="1" i="0" dirty="0" err="1">
                 <a:solidFill>
                   <a:srgbClr val="212121"/>
                 </a:solidFill>
                 <a:effectLst/>
                 <a:latin typeface="Roboto"/>
               </a:rPr>
-              <a:t>названием, </a:t>
+              <a:t>Goosebumps</a:t>
             </a:r>
             <a:r>
               <a:rPr lang="ru-RU" b="0" i="0" dirty="0">
@@ -17160,45 +16175,8 @@
                 <a:effectLst/>
                 <a:latin typeface="Roboto"/>
               </a:rPr>
-              <a:t>но разные годы выпуска - </a:t>
-            </a:r>
-            <a:r>
-              <a:rPr lang="ru-RU" b="1" i="0" dirty="0" err="1">
-                <a:solidFill>
-                  <a:srgbClr val="212121"/>
-                </a:solidFill>
-                <a:effectLst/>
-                <a:latin typeface="Roboto"/>
-              </a:rPr>
-              <a:t>Goosebumps</a:t>
-            </a:r>
-            <a:r>
-              <a:rPr lang="ru-RU" b="0" i="0" dirty="0">
-                <a:solidFill>
-                  <a:srgbClr val="212121"/>
-                </a:solidFill>
-                <a:effectLst/>
-                <a:latin typeface="Roboto"/>
-              </a:rPr>
-              <a:t>. Эти шоу мы оставляем</a:t>
-            </a:r>
-            <a:r>
-              <a:rPr lang="ru-RU" b="0" i="0" dirty="0" smtClean="0">
-                <a:solidFill>
-                  <a:srgbClr val="212121"/>
-                </a:solidFill>
-                <a:effectLst/>
-                <a:latin typeface="Roboto"/>
-              </a:rPr>
-              <a:t>.</a:t>
-            </a:r>
-            <a:endParaRPr lang="ru-RU" b="0" i="0" dirty="0">
-              <a:solidFill>
-                <a:srgbClr val="212121"/>
-              </a:solidFill>
-              <a:effectLst/>
-              <a:latin typeface="Roboto"/>
-            </a:endParaRPr>
+              <a:t>. Эти шоу мы оставляем.</a:t>
+            </a:r>
           </a:p>
         </p:txBody>
       </p:sp>
@@ -17387,27 +16365,7 @@
                 <a:effectLst/>
                 <a:latin typeface="Roboto"/>
               </a:rPr>
-              <a:t>еверно введенные данные об одном и том же </a:t>
-            </a:r>
-            <a:r>
-              <a:rPr lang="ru-RU" b="0" i="0" dirty="0" smtClean="0">
-                <a:solidFill>
-                  <a:srgbClr val="212121"/>
-                </a:solidFill>
-                <a:effectLst/>
-                <a:latin typeface="Roboto"/>
-              </a:rPr>
-              <a:t>шоу: возрастной </a:t>
-            </a:r>
-            <a:r>
-              <a:rPr lang="ru-RU" b="0" i="0" dirty="0">
-                <a:solidFill>
-                  <a:srgbClr val="212121"/>
-                </a:solidFill>
-                <a:effectLst/>
-                <a:latin typeface="Roboto"/>
-              </a:rPr>
-              <a:t>рейтинг и оценки другие, но шоу то же - </a:t>
+              <a:t>еверно введенные данные об одном и том же шоу: возрастной рейтинг и оценки другие, но шоу то же - </a:t>
             </a:r>
             <a:r>
               <a:rPr lang="ru-RU" b="1" i="0" dirty="0" err="1">
@@ -17525,7 +16483,7 @@
               <a:t>Чистка данных в </a:t>
             </a:r>
             <a:r>
-              <a:rPr lang="ru-RU" dirty="0" err="1" smtClean="0"/>
+              <a:rPr lang="ru-RU" dirty="0" err="1"/>
               <a:t>датасете</a:t>
             </a:r>
             <a:r>
@@ -17533,7 +16491,7 @@
               <a:t>:</a:t>
             </a:r>
             <a:r>
-              <a:rPr lang="en-US" dirty="0" smtClean="0"/>
+              <a:rPr lang="en-US" dirty="0"/>
               <a:t> </a:t>
             </a:r>
             <a:r>
@@ -17612,17 +16570,7 @@
                 <a:effectLst/>
                 <a:latin typeface="+mj-lt"/>
               </a:rPr>
-              <a:t>G, PG, PG-13, </a:t>
-            </a:r>
-            <a:r>
-              <a:rPr lang="en-US" sz="1600" b="1" i="0" dirty="0" smtClean="0">
-                <a:solidFill>
-                  <a:srgbClr val="212121"/>
-                </a:solidFill>
-                <a:effectLst/>
-                <a:latin typeface="+mj-lt"/>
-              </a:rPr>
-              <a:t>R</a:t>
+              <a:t>G, PG, PG-13, R</a:t>
             </a:r>
             <a:r>
               <a:rPr lang="ru-RU" sz="1600" b="1" dirty="0">
@@ -17667,7 +16615,7 @@
               <a:t>оценка </a:t>
             </a:r>
             <a:r>
-              <a:rPr lang="ru-RU" sz="1600" dirty="0" smtClean="0">
+              <a:rPr lang="ru-RU" sz="1600" dirty="0">
                 <a:solidFill>
                   <a:srgbClr val="212121"/>
                 </a:solidFill>
@@ -17676,47 +16624,27 @@
               <a:t>ТВ-</a:t>
             </a:r>
             <a:r>
-              <a:rPr lang="ru-RU" sz="1600" b="0" i="0" dirty="0" smtClean="0">
+              <a:rPr lang="ru-RU" sz="1600" b="0" i="0" dirty="0">
                 <a:solidFill>
                   <a:srgbClr val="212121"/>
                 </a:solidFill>
                 <a:effectLst/>
                 <a:latin typeface="+mj-lt"/>
               </a:rPr>
-              <a:t>шоу </a:t>
-            </a:r>
-            <a:r>
-              <a:rPr lang="ru-RU" sz="1600" b="0" i="0" dirty="0">
+              <a:t>шоу и сериалов, куда входят </a:t>
+            </a:r>
+            <a:r>
+              <a:rPr lang="en-US" sz="1600" b="1" i="0" dirty="0">
                 <a:solidFill>
                   <a:srgbClr val="212121"/>
                 </a:solidFill>
                 <a:effectLst/>
                 <a:latin typeface="+mj-lt"/>
               </a:rPr>
-              <a:t>и сериалов, куда входят </a:t>
-            </a:r>
-            <a:r>
-              <a:rPr lang="en-US" sz="1600" b="1" i="0" dirty="0">
-                <a:solidFill>
-                  <a:srgbClr val="212121"/>
-                </a:solidFill>
-                <a:effectLst/>
-                <a:latin typeface="+mj-lt"/>
-              </a:rPr>
-              <a:t>TV-Y, TV-Y7, TV-G, TV-Y7-FV, TV-PG, TV-14, </a:t>
-            </a:r>
-            <a:r>
-              <a:rPr lang="en-US" sz="1600" b="1" i="0" dirty="0" smtClean="0">
-                <a:solidFill>
-                  <a:srgbClr val="212121"/>
-                </a:solidFill>
-                <a:effectLst/>
-                <a:latin typeface="+mj-lt"/>
-              </a:rPr>
-              <a:t>TV-MA</a:t>
-            </a:r>
-            <a:r>
-              <a:rPr lang="ru-RU" sz="1600" b="1" i="0" dirty="0" smtClean="0">
+              <a:t>TV-Y, TV-Y7, TV-G, TV-Y7-FV, TV-PG, TV-14, TV-MA</a:t>
+            </a:r>
+            <a:r>
+              <a:rPr lang="ru-RU" sz="1600" b="1" i="0" dirty="0">
                 <a:solidFill>
                   <a:srgbClr val="212121"/>
                 </a:solidFill>
@@ -17852,7 +16780,7 @@
               <a:t>и </a:t>
             </a:r>
             <a:r>
-              <a:rPr lang="en-US" b="1" dirty="0" smtClean="0"/>
+              <a:rPr lang="en-US" b="1" dirty="0"/>
               <a:t>TVPG</a:t>
             </a:r>
             <a:r>
@@ -17860,7 +16788,7 @@
               <a:t>,</a:t>
             </a:r>
             <a:r>
-              <a:rPr lang="en-US" dirty="0" smtClean="0"/>
+              <a:rPr lang="en-US" dirty="0"/>
               <a:t> </a:t>
             </a:r>
             <a:r>
@@ -17942,15 +16870,7 @@
           <a:p>
             <a:r>
               <a:rPr lang="ru-RU" dirty="0"/>
-              <a:t>Чистка </a:t>
-            </a:r>
-            <a:r>
-              <a:rPr lang="ru-RU" dirty="0" smtClean="0"/>
-              <a:t>данных: </a:t>
-            </a:r>
-            <a:r>
-              <a:rPr lang="ru-RU" dirty="0"/>
-              <a:t>порог </a:t>
+              <a:t>Чистка данных: порог </a:t>
             </a:r>
             <a:r>
               <a:rPr lang="en-US" dirty="0"/>
@@ -18018,56 +16938,56 @@
                 <a:effectLst/>
                 <a:latin typeface="+mj-lt"/>
               </a:rPr>
-              <a:t> явно есть выбросы по годам, которые могут помешать нам построить регрессию. Сделаем нижний порог </a:t>
-            </a:r>
-            <a:r>
-              <a:rPr lang="ru-RU" sz="1600" b="0" i="0" dirty="0" smtClean="0">
+              <a:t> явно есть выбросы по годам, которые могут помешать нам построить регрессию. Сделаем нижний порог равным </a:t>
+            </a:r>
+            <a:r>
+              <a:rPr lang="en-US" sz="1600" b="0" i="0" dirty="0">
                 <a:solidFill>
                   <a:srgbClr val="212121"/>
                 </a:solidFill>
                 <a:effectLst/>
                 <a:latin typeface="+mj-lt"/>
               </a:rPr>
-              <a:t>равным </a:t>
-            </a:r>
-            <a:r>
-              <a:rPr lang="en-US" sz="1600" b="0" i="0" dirty="0" smtClean="0">
+              <a:t>IQR</a:t>
+            </a:r>
+            <a:r>
+              <a:rPr lang="ru-RU" sz="1600" b="0" i="0" dirty="0">
                 <a:solidFill>
                   <a:srgbClr val="212121"/>
                 </a:solidFill>
                 <a:effectLst/>
                 <a:latin typeface="+mj-lt"/>
               </a:rPr>
-              <a:t>IQR</a:t>
-            </a:r>
-            <a:r>
-              <a:rPr lang="ru-RU" sz="1600" b="0" i="0" dirty="0" smtClean="0">
+              <a:t>*1.5</a:t>
+            </a:r>
+            <a:r>
+              <a:rPr lang="en-US" sz="1600" dirty="0">
+                <a:solidFill>
+                  <a:srgbClr val="212121"/>
+                </a:solidFill>
+                <a:latin typeface="+mj-lt"/>
+              </a:rPr>
+              <a:t>,</a:t>
+            </a:r>
+            <a:r>
+              <a:rPr lang="ru-RU" sz="1600" b="0" i="0" dirty="0">
                 <a:solidFill>
                   <a:srgbClr val="212121"/>
                 </a:solidFill>
                 <a:effectLst/>
                 <a:latin typeface="+mj-lt"/>
               </a:rPr>
-              <a:t>*1.5</a:t>
-            </a:r>
-            <a:r>
-              <a:rPr lang="en-US" sz="1600" dirty="0">
-                <a:solidFill>
-                  <a:srgbClr val="212121"/>
-                </a:solidFill>
-                <a:latin typeface="+mj-lt"/>
-              </a:rPr>
-              <a:t>,</a:t>
-            </a:r>
-            <a:r>
-              <a:rPr lang="ru-RU" sz="1600" b="0" i="0" dirty="0" smtClean="0">
+              <a:t> это отрежет менее 10% фильмов. </a:t>
+            </a:r>
+            <a:r>
+              <a:rPr lang="ru-RU" sz="1600" b="0" i="0" dirty="0" err="1">
                 <a:solidFill>
                   <a:srgbClr val="212121"/>
                 </a:solidFill>
                 <a:effectLst/>
                 <a:latin typeface="+mj-lt"/>
               </a:rPr>
-              <a:t> </a:t>
+              <a:t>Netflix</a:t>
             </a:r>
             <a:r>
               <a:rPr lang="ru-RU" sz="1600" b="0" i="0" dirty="0">
@@ -18077,67 +16997,7 @@
                 <a:effectLst/>
                 <a:latin typeface="+mj-lt"/>
               </a:rPr>
-              <a:t>это отрежет менее 10% фильмов. </a:t>
-            </a:r>
-            <a:r>
-              <a:rPr lang="ru-RU" sz="1600" b="0" i="0" dirty="0" err="1">
-                <a:solidFill>
-                  <a:srgbClr val="212121"/>
-                </a:solidFill>
-                <a:effectLst/>
-                <a:latin typeface="+mj-lt"/>
-              </a:rPr>
-              <a:t>Netflix</a:t>
-            </a:r>
-            <a:r>
-              <a:rPr lang="ru-RU" sz="1600" b="0" i="0" dirty="0">
-                <a:solidFill>
-                  <a:srgbClr val="212121"/>
-                </a:solidFill>
-                <a:effectLst/>
-                <a:latin typeface="+mj-lt"/>
-              </a:rPr>
-              <a:t> появился в 1997 </a:t>
-            </a:r>
-            <a:r>
-              <a:rPr lang="ru-RU" sz="1600" b="0" i="0" dirty="0" smtClean="0">
-                <a:solidFill>
-                  <a:srgbClr val="212121"/>
-                </a:solidFill>
-                <a:effectLst/>
-                <a:latin typeface="+mj-lt"/>
-              </a:rPr>
-              <a:t>году и </a:t>
-            </a:r>
-            <a:r>
-              <a:rPr lang="ru-RU" sz="1600" b="0" i="0" dirty="0">
-                <a:solidFill>
-                  <a:srgbClr val="212121"/>
-                </a:solidFill>
-                <a:effectLst/>
-                <a:latin typeface="+mj-lt"/>
-              </a:rPr>
-              <a:t>все шоу с датой выпуска ранее </a:t>
-            </a:r>
-            <a:r>
-              <a:rPr lang="ru-RU" sz="1600" b="0" i="0" dirty="0" smtClean="0">
-                <a:solidFill>
-                  <a:srgbClr val="212121"/>
-                </a:solidFill>
-                <a:effectLst/>
-                <a:latin typeface="+mj-lt"/>
-              </a:rPr>
-              <a:t>– это шоу, </a:t>
-            </a:r>
-            <a:r>
-              <a:rPr lang="ru-RU" sz="1600" b="0" i="0" dirty="0">
-                <a:solidFill>
-                  <a:srgbClr val="212121"/>
-                </a:solidFill>
-                <a:effectLst/>
-                <a:latin typeface="+mj-lt"/>
-              </a:rPr>
-              <a:t>позже выкупленные компанией.</a:t>
+              <a:t> появился в 1997 году и все шоу с датой выпуска ранее – это шоу, позже выкупленные компанией.</a:t>
             </a:r>
           </a:p>
           <a:p>
@@ -18307,19 +17167,11 @@
             </a:r>
             <a:r>
               <a:rPr lang="en-US" dirty="0"/>
-              <a:t> </a:t>
-            </a:r>
-            <a:r>
-              <a:rPr lang="en-US" dirty="0" smtClean="0"/>
-              <a:t>TVPG</a:t>
-            </a:r>
-            <a:r>
-              <a:rPr lang="ru-RU" dirty="0" smtClean="0"/>
-              <a:t>, </a:t>
+              <a:t> TVPG</a:t>
             </a:r>
             <a:r>
               <a:rPr lang="ru-RU" dirty="0"/>
-              <a:t>получаем только 4 группы.</a:t>
+              <a:t>, получаем только 4 группы.</a:t>
             </a:r>
             <a:r>
               <a:rPr lang="en-US" dirty="0"/>
@@ -18685,47 +17537,7 @@
                 <a:effectLst/>
                 <a:latin typeface="Roboto"/>
               </a:rPr>
-              <a:t> для сравнения и </a:t>
-            </a:r>
-            <a:r>
-              <a:rPr lang="ru-RU" b="0" i="0" dirty="0" smtClean="0">
-                <a:solidFill>
-                  <a:srgbClr val="212121"/>
-                </a:solidFill>
-                <a:effectLst/>
-                <a:latin typeface="Roboto"/>
-              </a:rPr>
-              <a:t>понимания, </a:t>
-            </a:r>
-            <a:r>
-              <a:rPr lang="ru-RU" b="0" i="0" dirty="0">
-                <a:solidFill>
-                  <a:srgbClr val="212121"/>
-                </a:solidFill>
-                <a:effectLst/>
-                <a:latin typeface="Roboto"/>
-              </a:rPr>
-              <a:t>где просадки (рейтинг 76-77 и 87-88). Чем больше </a:t>
-            </a:r>
-            <a:r>
-              <a:rPr lang="ru-RU" b="0" i="0" dirty="0" smtClean="0">
-                <a:solidFill>
-                  <a:srgbClr val="212121"/>
-                </a:solidFill>
-                <a:effectLst/>
-                <a:latin typeface="Roboto"/>
-              </a:rPr>
-              <a:t>корзин, </a:t>
-            </a:r>
-            <a:r>
-              <a:rPr lang="ru-RU" b="0" i="0" dirty="0">
-                <a:solidFill>
-                  <a:srgbClr val="212121"/>
-                </a:solidFill>
-                <a:effectLst/>
-                <a:latin typeface="Roboto"/>
-              </a:rPr>
-              <a:t>тем лучше это видно на фоне меньшего количества корзин.</a:t>
+              <a:t> для сравнения и понимания, где просадки (рейтинг 76-77 и 87-88). Чем больше корзин, тем лучше это видно на фоне меньшего количества корзин.</a:t>
             </a:r>
             <a:endParaRPr lang="en-US" dirty="0"/>
           </a:p>
@@ -18962,107 +17774,7 @@
                 <a:effectLst/>
                 <a:latin typeface="+mj-lt"/>
               </a:rPr>
-              <a:t> большое количество шоу было выпущено в 2016 году, что сильно сместило график, в связи с чем медиана </a:t>
-            </a:r>
-            <a:r>
-              <a:rPr lang="ru-RU" b="0" i="0" dirty="0" smtClean="0">
-                <a:solidFill>
-                  <a:schemeClr val="bg2"/>
-                </a:solidFill>
-                <a:effectLst/>
-                <a:latin typeface="+mj-lt"/>
-              </a:rPr>
-              <a:t>выше, чем </a:t>
-            </a:r>
-            <a:r>
-              <a:rPr lang="ru-RU" b="0" i="0" dirty="0">
-                <a:solidFill>
-                  <a:schemeClr val="bg2"/>
-                </a:solidFill>
-                <a:effectLst/>
-                <a:latin typeface="+mj-lt"/>
-              </a:rPr>
-              <a:t>среднее. Чем больше шоу в </a:t>
-            </a:r>
-            <a:r>
-              <a:rPr lang="ru-RU" b="0" i="0" dirty="0" smtClean="0">
-                <a:solidFill>
-                  <a:schemeClr val="bg2"/>
-                </a:solidFill>
-                <a:effectLst/>
-                <a:latin typeface="+mj-lt"/>
-              </a:rPr>
-              <a:t>2016, </a:t>
-            </a:r>
-            <a:r>
-              <a:rPr lang="ru-RU" b="0" i="0" dirty="0">
-                <a:solidFill>
-                  <a:schemeClr val="bg2"/>
-                </a:solidFill>
-                <a:effectLst/>
-                <a:latin typeface="+mj-lt"/>
-              </a:rPr>
-              <a:t>тем ближе медиана к 2016, но если бы у нас учитывалось, </a:t>
-            </a:r>
-            <a:r>
-              <a:rPr lang="ru-RU" b="0" i="0" dirty="0" smtClean="0">
-                <a:solidFill>
-                  <a:schemeClr val="bg2"/>
-                </a:solidFill>
-                <a:effectLst/>
-                <a:latin typeface="+mj-lt"/>
-              </a:rPr>
-              <a:t>например, </a:t>
-            </a:r>
-            <a:r>
-              <a:rPr lang="ru-RU" b="0" i="0" dirty="0">
-                <a:solidFill>
-                  <a:schemeClr val="bg2"/>
-                </a:solidFill>
-                <a:effectLst/>
-                <a:latin typeface="+mj-lt"/>
-              </a:rPr>
-              <a:t>шоу </a:t>
-            </a:r>
-            <a:r>
-              <a:rPr lang="ru-RU" b="0" i="0" dirty="0" smtClean="0">
-                <a:solidFill>
-                  <a:schemeClr val="bg2"/>
-                </a:solidFill>
-                <a:effectLst/>
-                <a:latin typeface="+mj-lt"/>
-              </a:rPr>
-              <a:t>1940-го</a:t>
-            </a:r>
-            <a:r>
-              <a:rPr lang="ru-RU" b="0" i="0" dirty="0">
-                <a:solidFill>
-                  <a:schemeClr val="bg2"/>
-                </a:solidFill>
-                <a:effectLst/>
-                <a:latin typeface="+mj-lt"/>
-              </a:rPr>
-              <a:t>, то это бы сильно повлияло на </a:t>
-            </a:r>
-            <a:r>
-              <a:rPr lang="ru-RU" b="0" i="0" dirty="0" smtClean="0">
-                <a:solidFill>
-                  <a:schemeClr val="bg2"/>
-                </a:solidFill>
-                <a:effectLst/>
-                <a:latin typeface="+mj-lt"/>
-              </a:rPr>
-              <a:t>среднее </a:t>
-            </a:r>
-            <a:r>
-              <a:rPr lang="ru-RU" b="0" i="0" dirty="0">
-                <a:solidFill>
-                  <a:schemeClr val="bg2"/>
-                </a:solidFill>
-                <a:effectLst/>
-                <a:latin typeface="+mj-lt"/>
-              </a:rPr>
-              <a:t>и почти никак на медиану.</a:t>
+              <a:t> большое количество шоу было выпущено в 2016 году, что сильно сместило график, в связи с чем медиана выше, чем среднее. Чем больше шоу в 2016, тем ближе медиана к 2016, но если бы у нас учитывалось, например, шоу 1940-го, то это бы сильно повлияло на среднее и почти никак на медиану.</a:t>
             </a:r>
             <a:endParaRPr dirty="0">
               <a:solidFill>
